--- a/ShoppingBuy專案1.pptx
+++ b/ShoppingBuy專案1.pptx
@@ -5,7 +5,7 @@
     <p:sldMasterId id="2147483648" r:id="rId1"/>
   </p:sldMasterIdLst>
   <p:notesMasterIdLst>
-    <p:notesMasterId r:id="rId21"/>
+    <p:notesMasterId r:id="rId24"/>
   </p:notesMasterIdLst>
   <p:sldIdLst>
     <p:sldId id="256" r:id="rId2"/>
@@ -24,9 +24,12 @@
     <p:sldId id="267" r:id="rId15"/>
     <p:sldId id="268" r:id="rId16"/>
     <p:sldId id="270" r:id="rId17"/>
-    <p:sldId id="271" r:id="rId18"/>
-    <p:sldId id="269" r:id="rId19"/>
-    <p:sldId id="260" r:id="rId20"/>
+    <p:sldId id="276" r:id="rId18"/>
+    <p:sldId id="277" r:id="rId19"/>
+    <p:sldId id="271" r:id="rId20"/>
+    <p:sldId id="269" r:id="rId21"/>
+    <p:sldId id="260" r:id="rId22"/>
+    <p:sldId id="275" r:id="rId23"/>
   </p:sldIdLst>
   <p:sldSz cx="12192000" cy="6858000"/>
   <p:notesSz cx="6858000" cy="9144000"/>
@@ -691,7 +694,7 @@
           <a:p>
             <a:fld id="{C46F3EAB-D14E-4E22-B1FB-C82E2D26BAE5}" type="datetimeFigureOut">
               <a:rPr lang="zh-TW" altLang="en-US" smtClean="0"/>
-              <a:t>2025/10/16</a:t>
+              <a:t>2025/10/17</a:t>
             </a:fld>
             <a:endParaRPr lang="zh-TW" altLang="en-US"/>
           </a:p>
@@ -755,38 +758,37 @@
           <a:p>
             <a:pPr lvl="0"/>
             <a:r>
-              <a:rPr lang="zh-TW" altLang="en-US" smtClean="0"/>
+              <a:rPr lang="zh-TW" altLang="en-US"/>
               <a:t>編輯母片文字樣式</a:t>
             </a:r>
           </a:p>
           <a:p>
             <a:pPr lvl="1"/>
             <a:r>
-              <a:rPr lang="zh-TW" altLang="en-US" smtClean="0"/>
+              <a:rPr lang="zh-TW" altLang="en-US"/>
               <a:t>第二層</a:t>
             </a:r>
           </a:p>
           <a:p>
             <a:pPr lvl="2"/>
             <a:r>
-              <a:rPr lang="zh-TW" altLang="en-US" smtClean="0"/>
+              <a:rPr lang="zh-TW" altLang="en-US"/>
               <a:t>第三層</a:t>
             </a:r>
           </a:p>
           <a:p>
             <a:pPr lvl="3"/>
             <a:r>
-              <a:rPr lang="zh-TW" altLang="en-US" smtClean="0"/>
+              <a:rPr lang="zh-TW" altLang="en-US"/>
               <a:t>第四層</a:t>
             </a:r>
           </a:p>
           <a:p>
             <a:pPr lvl="4"/>
             <a:r>
-              <a:rPr lang="zh-TW" altLang="en-US" smtClean="0"/>
+              <a:rPr lang="zh-TW" altLang="en-US"/>
               <a:t>第五層</a:t>
             </a:r>
-            <a:endParaRPr lang="zh-TW" altLang="en-US"/>
           </a:p>
         </p:txBody>
       </p:sp>
@@ -1003,7 +1005,7 @@
           <a:bodyPr/>
           <a:lstStyle/>
           <a:p>
-            <a:endParaRPr lang="zh-TW" altLang="en-US"/>
+            <a:endParaRPr lang="zh-TW" altLang="en-US" dirty="0"/>
           </a:p>
         </p:txBody>
       </p:sp>
@@ -1108,7 +1110,7 @@
           <a:p>
             <a:fld id="{8BAF7127-97EC-48E7-92AF-A85E41D5AE3D}" type="slidenum">
               <a:rPr lang="zh-TW" altLang="en-US" smtClean="0"/>
-              <a:t>17</a:t>
+              <a:t>19</a:t>
             </a:fld>
             <a:endParaRPr lang="zh-TW" altLang="en-US"/>
           </a:p>
@@ -1854,7 +1856,7 @@
             <a:fld id="{B61BEF0D-F0BB-DE4B-95CE-6DB70DBA9567}" type="datetimeFigureOut">
               <a:rPr lang="en-US"/>
               <a:pPr/>
-              <a:t>10/16/2025</a:t>
+              <a:t>10/17/2025</a:t>
             </a:fld>
             <a:endParaRPr lang="en-US"/>
           </a:p>
@@ -2102,7 +2104,7 @@
             <a:fld id="{B61BEF0D-F0BB-DE4B-95CE-6DB70DBA9567}" type="datetimeFigureOut">
               <a:rPr lang="en-US"/>
               <a:pPr/>
-              <a:t>10/16/2025</a:t>
+              <a:t>10/17/2025</a:t>
             </a:fld>
             <a:endParaRPr lang="en-US"/>
           </a:p>
@@ -2413,7 +2415,7 @@
             <a:fld id="{B61BEF0D-F0BB-DE4B-95CE-6DB70DBA9567}" type="datetimeFigureOut">
               <a:rPr lang="en-US"/>
               <a:pPr/>
-              <a:t>10/16/2025</a:t>
+              <a:t>10/17/2025</a:t>
             </a:fld>
             <a:endParaRPr lang="en-US"/>
           </a:p>
@@ -2737,7 +2739,7 @@
             <a:fld id="{B61BEF0D-F0BB-DE4B-95CE-6DB70DBA9567}" type="datetimeFigureOut">
               <a:rPr lang="en-US"/>
               <a:pPr/>
-              <a:t>10/16/2025</a:t>
+              <a:t>10/17/2025</a:t>
             </a:fld>
             <a:endParaRPr lang="en-US"/>
           </a:p>
@@ -3048,7 +3050,7 @@
             <a:fld id="{B61BEF0D-F0BB-DE4B-95CE-6DB70DBA9567}" type="datetimeFigureOut">
               <a:rPr lang="en-US"/>
               <a:pPr/>
-              <a:t>10/16/2025</a:t>
+              <a:t>10/17/2025</a:t>
             </a:fld>
             <a:endParaRPr lang="en-US"/>
           </a:p>
@@ -3432,7 +3434,7 @@
             <a:fld id="{B61BEF0D-F0BB-DE4B-95CE-6DB70DBA9567}" type="datetimeFigureOut">
               <a:rPr lang="en-US"/>
               <a:pPr/>
-              <a:t>10/16/2025</a:t>
+              <a:t>10/17/2025</a:t>
             </a:fld>
             <a:endParaRPr lang="en-US"/>
           </a:p>
@@ -3598,7 +3600,7 @@
           <a:p>
             <a:fld id="{55C6B4A9-1611-4792-9094-5F34BCA07E0B}" type="datetimeFigureOut">
               <a:rPr lang="en-US"/>
-              <a:t>10/16/2025</a:t>
+              <a:t>10/17/2025</a:t>
             </a:fld>
             <a:endParaRPr lang="en-US"/>
           </a:p>
@@ -3774,7 +3776,7 @@
             <a:fld id="{B61BEF0D-F0BB-DE4B-95CE-6DB70DBA9567}" type="datetimeFigureOut">
               <a:rPr lang="en-US"/>
               <a:pPr/>
-              <a:t>10/16/2025</a:t>
+              <a:t>10/17/2025</a:t>
             </a:fld>
             <a:endParaRPr lang="en-US"/>
           </a:p>
@@ -3940,7 +3942,7 @@
           <a:p>
             <a:fld id="{42A54C80-263E-416B-A8E0-580EDEADCBDC}" type="datetimeFigureOut">
               <a:rPr lang="en-US"/>
-              <a:t>10/16/2025</a:t>
+              <a:t>10/17/2025</a:t>
             </a:fld>
             <a:endParaRPr lang="en-US"/>
           </a:p>
@@ -4183,7 +4185,7 @@
             <a:fld id="{B61BEF0D-F0BB-DE4B-95CE-6DB70DBA9567}" type="datetimeFigureOut">
               <a:rPr lang="en-US"/>
               <a:pPr/>
-              <a:t>10/16/2025</a:t>
+              <a:t>10/17/2025</a:t>
             </a:fld>
             <a:endParaRPr lang="en-US"/>
           </a:p>
@@ -4411,7 +4413,7 @@
           <a:p>
             <a:fld id="{42A54C80-263E-416B-A8E0-580EDEADCBDC}" type="datetimeFigureOut">
               <a:rPr lang="en-US"/>
-              <a:t>10/16/2025</a:t>
+              <a:t>10/17/2025</a:t>
             </a:fld>
             <a:endParaRPr lang="en-US"/>
           </a:p>
@@ -4781,7 +4783,7 @@
             <a:fld id="{B61BEF0D-F0BB-DE4B-95CE-6DB70DBA9567}" type="datetimeFigureOut">
               <a:rPr lang="en-US"/>
               <a:pPr/>
-              <a:t>10/16/2025</a:t>
+              <a:t>10/17/2025</a:t>
             </a:fld>
             <a:endParaRPr lang="en-US"/>
           </a:p>
@@ -4901,7 +4903,7 @@
             <a:fld id="{B61BEF0D-F0BB-DE4B-95CE-6DB70DBA9567}" type="datetimeFigureOut">
               <a:rPr lang="en-US"/>
               <a:pPr/>
-              <a:t>10/16/2025</a:t>
+              <a:t>10/17/2025</a:t>
             </a:fld>
             <a:endParaRPr lang="en-US"/>
           </a:p>
@@ -4993,7 +4995,7 @@
             <a:fld id="{B61BEF0D-F0BB-DE4B-95CE-6DB70DBA9567}" type="datetimeFigureOut">
               <a:rPr lang="en-US"/>
               <a:pPr/>
-              <a:t>10/16/2025</a:t>
+              <a:t>10/17/2025</a:t>
             </a:fld>
             <a:endParaRPr lang="en-US"/>
           </a:p>
@@ -5244,7 +5246,7 @@
           <a:p>
             <a:fld id="{42A54C80-263E-416B-A8E0-580EDEADCBDC}" type="datetimeFigureOut">
               <a:rPr lang="en-US"/>
-              <a:t>10/16/2025</a:t>
+              <a:t>10/17/2025</a:t>
             </a:fld>
             <a:endParaRPr lang="en-US"/>
           </a:p>
@@ -5503,7 +5505,7 @@
             <a:fld id="{B61BEF0D-F0BB-DE4B-95CE-6DB70DBA9567}" type="datetimeFigureOut">
               <a:rPr lang="en-US"/>
               <a:pPr/>
-              <a:t>10/16/2025</a:t>
+              <a:t>10/17/2025</a:t>
             </a:fld>
             <a:endParaRPr lang="en-US"/>
           </a:p>
@@ -6253,7 +6255,7 @@
             <a:fld id="{B61BEF0D-F0BB-DE4B-95CE-6DB70DBA9567}" type="datetimeFigureOut">
               <a:rPr lang="en-US"/>
               <a:pPr/>
-              <a:t>10/16/2025</a:t>
+              <a:t>10/17/2025</a:t>
             </a:fld>
             <a:endParaRPr lang="en-US"/>
           </a:p>
@@ -6813,7 +6815,7 @@
         </p:nvSpPr>
         <p:spPr>
           <a:xfrm>
-            <a:off x="712840" y="999056"/>
+            <a:off x="678427" y="1036708"/>
             <a:ext cx="4709652" cy="1421280"/>
           </a:xfrm>
         </p:spPr>
@@ -6822,7 +6824,7 @@
           <a:lstStyle/>
           <a:p>
             <a:r>
-              <a:rPr lang="en-US" altLang="zh-TW" sz="8800">
+              <a:rPr lang="en-US" altLang="zh-TW" sz="8800" dirty="0">
                 <a:solidFill>
                   <a:schemeClr val="tx1"/>
                 </a:solidFill>
@@ -6830,10 +6832,10 @@
               <a:t>Shopping</a:t>
             </a:r>
             <a:r>
-              <a:rPr lang="en-US" altLang="zh-TW"/>
+              <a:rPr lang="en-US" altLang="zh-TW" dirty="0"/>
               <a:t> </a:t>
             </a:r>
-            <a:endParaRPr lang="zh-TW" altLang="en-US"/>
+            <a:endParaRPr lang="zh-TW" altLang="en-US" dirty="0"/>
           </a:p>
         </p:txBody>
       </p:sp>
@@ -7200,46 +7202,13 @@
           <a:p>
             <a:pPr algn="ctr"/>
             <a:r>
-              <a:rPr lang="zh-TW" altLang="en-US" sz="4000" smtClean="0">
+              <a:rPr lang="zh-TW" altLang="en-US" sz="4000">
                 <a:solidFill>
                   <a:schemeClr val="tx1"/>
                 </a:solidFill>
               </a:rPr>
-              <a:t>管理</a:t>
-            </a:r>
-            <a:r>
-              <a:rPr lang="zh-TW" altLang="en-US" sz="4000">
-                <a:solidFill>
-                  <a:schemeClr val="tx1"/>
-                </a:solidFill>
-              </a:rPr>
-              <a:t>購物車</a:t>
-            </a:r>
-          </a:p>
-        </p:txBody>
-      </p:sp>
-      <p:sp>
-        <p:nvSpPr>
-          <p:cNvPr id="6" name="內容版面配置區 5">
-            <a:extLst>
-              <a:ext uri="{FF2B5EF4-FFF2-40B4-BE49-F238E27FC236}">
-                <a16:creationId xmlns:a16="http://schemas.microsoft.com/office/drawing/2014/main" id="{F4AB3930-B9F3-80C2-58D1-3E625957FA27}"/>
-              </a:ext>
-            </a:extLst>
-          </p:cNvPr>
-          <p:cNvSpPr>
-            <a:spLocks noGrp="1"/>
-          </p:cNvSpPr>
-          <p:nvPr>
-            <p:ph sz="half" idx="1"/>
-          </p:nvPr>
-        </p:nvSpPr>
-        <p:spPr/>
-        <p:txBody>
-          <a:bodyPr/>
-          <a:lstStyle/>
-          <a:p>
-            <a:endParaRPr lang="zh-TW" altLang="en-US"/>
+              <a:t>管理購物車</a:t>
+            </a:r>
           </a:p>
         </p:txBody>
       </p:sp>
@@ -7323,20 +7292,12 @@
           <a:p>
             <a:pPr algn="ctr"/>
             <a:r>
-              <a:rPr lang="zh-TW" altLang="en-US" sz="4000" smtClean="0">
+              <a:rPr lang="zh-TW" altLang="en-US" sz="4000">
                 <a:solidFill>
                   <a:schemeClr val="tx1"/>
                 </a:solidFill>
               </a:rPr>
-              <a:t>訂單</a:t>
-            </a:r>
-            <a:r>
-              <a:rPr lang="zh-TW" altLang="en-US" sz="4000">
-                <a:solidFill>
-                  <a:schemeClr val="tx1"/>
-                </a:solidFill>
-              </a:rPr>
-              <a:t>結帳</a:t>
+              <a:t>訂單結帳</a:t>
             </a:r>
           </a:p>
         </p:txBody>
@@ -7426,20 +7387,12 @@
           <a:p>
             <a:pPr algn="ctr"/>
             <a:r>
-              <a:rPr lang="zh-TW" altLang="en-US" sz="4000" smtClean="0">
+              <a:rPr lang="zh-TW" altLang="en-US" sz="4000">
                 <a:solidFill>
                   <a:schemeClr val="tx1"/>
                 </a:solidFill>
               </a:rPr>
-              <a:t>訂單</a:t>
-            </a:r>
-            <a:r>
-              <a:rPr lang="zh-TW" altLang="en-US" sz="4000">
-                <a:solidFill>
-                  <a:schemeClr val="tx1"/>
-                </a:solidFill>
-              </a:rPr>
-              <a:t>完成</a:t>
+              <a:t>訂單完成</a:t>
             </a:r>
           </a:p>
         </p:txBody>
@@ -7560,8 +7513,8 @@
         </p:blipFill>
         <p:spPr>
           <a:xfrm>
-            <a:off x="1215523" y="1113249"/>
-            <a:ext cx="7711028" cy="5568207"/>
+            <a:off x="1215522" y="1113249"/>
+            <a:ext cx="7869483" cy="5568207"/>
           </a:xfrm>
           <a:prstGeom prst="rect">
             <a:avLst/>
@@ -7668,8 +7621,8 @@
         </p:blipFill>
         <p:spPr>
           <a:xfrm>
-            <a:off x="892099" y="1609235"/>
-            <a:ext cx="8524010" cy="4077887"/>
+            <a:off x="921597" y="1558413"/>
+            <a:ext cx="7907771" cy="4077887"/>
           </a:xfrm>
           <a:prstGeom prst="rect">
             <a:avLst/>
@@ -7740,22 +7693,13 @@
               <a:t>Frontend</a:t>
             </a:r>
             <a:r>
-              <a:rPr lang="zh-TW" altLang="en-US" sz="4000" smtClean="0">
+              <a:rPr lang="zh-TW" altLang="en-US" sz="4000">
                 <a:solidFill>
                   <a:schemeClr val="tx1"/>
                 </a:solidFill>
                 <a:latin typeface="+mj-ea"/>
               </a:rPr>
-              <a:t>邏輯</a:t>
-            </a:r>
-            <a:r>
-              <a:rPr lang="zh-TW" altLang="en-US" sz="4000">
-                <a:solidFill>
-                  <a:schemeClr val="tx1"/>
-                </a:solidFill>
-                <a:latin typeface="+mj-ea"/>
-              </a:rPr>
-              <a:t>架構</a:t>
+              <a:t>邏輯架構</a:t>
             </a:r>
           </a:p>
         </p:txBody>
@@ -7778,8 +7722,8 @@
         </p:nvSpPr>
         <p:spPr>
           <a:xfrm>
-            <a:off x="1865779" y="1706136"/>
-            <a:ext cx="7408223" cy="4928839"/>
+            <a:off x="1865779" y="1706137"/>
+            <a:ext cx="7408223" cy="4173554"/>
           </a:xfrm>
         </p:spPr>
         <p:txBody>
@@ -7792,12 +7736,8 @@
               <a:buNone/>
             </a:pPr>
             <a:r>
-              <a:rPr lang="en-US" altLang="zh-TW" err="1"/>
-              <a:t>Vue</a:t>
-            </a:r>
-            <a:r>
-              <a:rPr lang="en-US" altLang="zh-TW"/>
-              <a:t> App</a:t>
+              <a:rPr lang="en-US" altLang="zh-TW" dirty="0"/>
+              <a:t>Vue App</a:t>
             </a:r>
           </a:p>
           <a:p>
@@ -7805,19 +7745,19 @@
               <a:buNone/>
             </a:pPr>
             <a:r>
-              <a:rPr lang="en-US" altLang="zh-TW"/>
+              <a:rPr lang="en-US" altLang="zh-TW" dirty="0"/>
               <a:t> ├── Header </a:t>
             </a:r>
             <a:r>
-              <a:rPr lang="zh-TW" altLang="en-US"/>
+              <a:rPr lang="zh-TW" altLang="en-US" dirty="0"/>
               <a:t>導覽列（分類 </a:t>
             </a:r>
             <a:r>
-              <a:rPr lang="en-US" altLang="zh-TW"/>
+              <a:rPr lang="en-US" altLang="zh-TW" dirty="0"/>
               <a:t>/ </a:t>
             </a:r>
             <a:r>
-              <a:rPr lang="zh-TW" altLang="en-US"/>
+              <a:rPr lang="zh-TW" altLang="en-US" dirty="0"/>
               <a:t>搜尋）</a:t>
             </a:r>
           </a:p>
@@ -7826,23 +7766,23 @@
               <a:buNone/>
             </a:pPr>
             <a:r>
-              <a:rPr lang="zh-TW" altLang="en-US"/>
+              <a:rPr lang="zh-TW" altLang="en-US" dirty="0"/>
               <a:t> ├── </a:t>
             </a:r>
             <a:r>
-              <a:rPr lang="en-US" altLang="zh-TW"/>
+              <a:rPr lang="en-US" altLang="zh-TW" dirty="0"/>
               <a:t>Banner </a:t>
             </a:r>
             <a:r>
-              <a:rPr lang="zh-TW" altLang="en-US"/>
+              <a:rPr lang="zh-TW" altLang="en-US" dirty="0"/>
               <a:t>輪播區（自動播放 </a:t>
             </a:r>
             <a:r>
-              <a:rPr lang="en-US" altLang="zh-TW"/>
+              <a:rPr lang="en-US" altLang="zh-TW" dirty="0"/>
               <a:t>+ </a:t>
             </a:r>
             <a:r>
-              <a:rPr lang="zh-TW" altLang="en-US"/>
+              <a:rPr lang="zh-TW" altLang="en-US" dirty="0"/>
               <a:t>按鈕切換）</a:t>
             </a:r>
           </a:p>
@@ -7851,35 +7791,31 @@
               <a:buNone/>
             </a:pPr>
             <a:r>
-              <a:rPr lang="zh-TW" altLang="en-US" smtClean="0"/>
-              <a:t> ├</a:t>
-            </a:r>
-            <a:r>
-              <a:rPr lang="zh-TW" altLang="en-US"/>
-              <a:t>── </a:t>
-            </a:r>
-            <a:r>
-              <a:rPr lang="en-US" altLang="zh-TW" err="1"/>
+              <a:rPr lang="zh-TW" altLang="en-US" dirty="0"/>
+              <a:t> ├── </a:t>
+            </a:r>
+            <a:r>
+              <a:rPr lang="en-US" altLang="zh-TW" dirty="0" err="1"/>
               <a:t>ProductList</a:t>
             </a:r>
             <a:r>
-              <a:rPr lang="zh-TW" altLang="en-US"/>
+              <a:rPr lang="zh-TW" altLang="en-US" dirty="0"/>
               <a:t>（</a:t>
             </a:r>
             <a:r>
-              <a:rPr lang="en-US" altLang="zh-TW"/>
+              <a:rPr lang="en-US" altLang="zh-TW" dirty="0"/>
               <a:t>fetch </a:t>
             </a:r>
             <a:r>
-              <a:rPr lang="zh-TW" altLang="en-US"/>
+              <a:rPr lang="zh-TW" altLang="en-US" dirty="0"/>
               <a:t>後端商品 </a:t>
             </a:r>
             <a:r>
-              <a:rPr lang="en-US" altLang="zh-TW"/>
+              <a:rPr lang="en-US" altLang="zh-TW" dirty="0"/>
               <a:t>+ </a:t>
             </a:r>
             <a:r>
-              <a:rPr lang="zh-TW" altLang="en-US"/>
+              <a:rPr lang="zh-TW" altLang="en-US" dirty="0"/>
               <a:t>分頁控制）</a:t>
             </a:r>
           </a:p>
@@ -7888,27 +7824,23 @@
               <a:buNone/>
             </a:pPr>
             <a:r>
-              <a:rPr lang="zh-TW" altLang="en-US" smtClean="0"/>
-              <a:t> ├</a:t>
-            </a:r>
-            <a:r>
-              <a:rPr lang="zh-TW" altLang="en-US"/>
-              <a:t>── </a:t>
-            </a:r>
-            <a:r>
-              <a:rPr lang="en-US" altLang="zh-TW" err="1"/>
+              <a:rPr lang="zh-TW" altLang="en-US" dirty="0"/>
+              <a:t> ├── </a:t>
+            </a:r>
+            <a:r>
+              <a:rPr lang="en-US" altLang="zh-TW" dirty="0" err="1"/>
               <a:t>ProductPage</a:t>
             </a:r>
             <a:r>
-              <a:rPr lang="zh-TW" altLang="en-US"/>
+              <a:rPr lang="zh-TW" altLang="en-US" dirty="0"/>
               <a:t>（顏色尺寸選擇 </a:t>
             </a:r>
             <a:r>
-              <a:rPr lang="en-US" altLang="zh-TW"/>
+              <a:rPr lang="en-US" altLang="zh-TW" dirty="0"/>
               <a:t>/ </a:t>
             </a:r>
             <a:r>
-              <a:rPr lang="zh-TW" altLang="en-US"/>
+              <a:rPr lang="zh-TW" altLang="en-US" dirty="0"/>
               <a:t>加入購物車）</a:t>
             </a:r>
           </a:p>
@@ -7917,43 +7849,39 @@
               <a:buNone/>
             </a:pPr>
             <a:r>
-              <a:rPr lang="zh-TW" altLang="en-US" smtClean="0"/>
-              <a:t> ├</a:t>
-            </a:r>
-            <a:r>
-              <a:rPr lang="zh-TW" altLang="en-US"/>
-              <a:t>── </a:t>
-            </a:r>
-            <a:r>
-              <a:rPr lang="en-US" altLang="zh-TW" err="1"/>
+              <a:rPr lang="zh-TW" altLang="en-US" dirty="0"/>
+              <a:t> ├── </a:t>
+            </a:r>
+            <a:r>
+              <a:rPr lang="en-US" altLang="zh-TW" dirty="0" err="1"/>
               <a:t>CartPage</a:t>
             </a:r>
             <a:r>
-              <a:rPr lang="zh-TW" altLang="en-US"/>
+              <a:rPr lang="zh-TW" altLang="en-US" dirty="0"/>
               <a:t>（勾選 </a:t>
             </a:r>
             <a:r>
-              <a:rPr lang="en-US" altLang="zh-TW"/>
+              <a:rPr lang="en-US" altLang="zh-TW" dirty="0"/>
               <a:t>/ </a:t>
             </a:r>
             <a:r>
-              <a:rPr lang="zh-TW" altLang="en-US"/>
+              <a:rPr lang="zh-TW" altLang="en-US" dirty="0"/>
               <a:t>數量調整 </a:t>
             </a:r>
             <a:r>
-              <a:rPr lang="en-US" altLang="zh-TW"/>
+              <a:rPr lang="en-US" altLang="zh-TW" dirty="0"/>
               <a:t>/ </a:t>
             </a:r>
             <a:r>
-              <a:rPr lang="zh-TW" altLang="en-US"/>
+              <a:rPr lang="zh-TW" altLang="en-US" dirty="0"/>
               <a:t>優惠碼 </a:t>
             </a:r>
             <a:r>
-              <a:rPr lang="en-US" altLang="zh-TW"/>
+              <a:rPr lang="en-US" altLang="zh-TW" dirty="0"/>
               <a:t>/ </a:t>
             </a:r>
             <a:r>
-              <a:rPr lang="zh-TW" altLang="en-US"/>
+              <a:rPr lang="zh-TW" altLang="en-US" dirty="0"/>
               <a:t>結帳）</a:t>
             </a:r>
           </a:p>
@@ -7962,27 +7890,23 @@
               <a:buNone/>
             </a:pPr>
             <a:r>
-              <a:rPr lang="zh-TW" altLang="en-US" smtClean="0"/>
-              <a:t> └</a:t>
-            </a:r>
-            <a:r>
-              <a:rPr lang="zh-TW" altLang="en-US"/>
-              <a:t>── </a:t>
-            </a:r>
-            <a:r>
-              <a:rPr lang="en-US" altLang="zh-TW" err="1"/>
+              <a:rPr lang="zh-TW" altLang="en-US" dirty="0"/>
+              <a:t> └── </a:t>
+            </a:r>
+            <a:r>
+              <a:rPr lang="en-US" altLang="zh-TW" dirty="0" err="1"/>
               <a:t>CheckoutPage</a:t>
             </a:r>
             <a:r>
-              <a:rPr lang="zh-TW" altLang="en-US"/>
+              <a:rPr lang="zh-TW" altLang="en-US" dirty="0"/>
               <a:t>（表單 </a:t>
             </a:r>
             <a:r>
-              <a:rPr lang="en-US" altLang="zh-TW"/>
+              <a:rPr lang="en-US" altLang="zh-TW" dirty="0"/>
               <a:t>+ </a:t>
             </a:r>
             <a:r>
-              <a:rPr lang="zh-TW" altLang="en-US"/>
+              <a:rPr lang="zh-TW" altLang="en-US" dirty="0"/>
               <a:t>訂單摘要）</a:t>
             </a:r>
           </a:p>
@@ -8041,7 +7965,7 @@
           <a:lstStyle/>
           <a:p>
             <a:r>
-              <a:rPr lang="zh-TW" altLang="en-US" smtClean="0">
+              <a:rPr lang="zh-TW" altLang="en-US" dirty="0">
                 <a:solidFill>
                   <a:schemeClr val="tx1"/>
                 </a:solidFill>
@@ -8049,51 +7973,33 @@
               <a:t>           </a:t>
             </a:r>
             <a:r>
-              <a:rPr lang="zh-TW" altLang="en-US" sz="4400" smtClean="0">
+              <a:rPr lang="zh-TW" altLang="en-US" sz="4400" dirty="0">
                 <a:solidFill>
                   <a:schemeClr val="tx1"/>
                 </a:solidFill>
                 <a:latin typeface="+mj-ea"/>
               </a:rPr>
-              <a:t>專案</a:t>
-            </a:r>
-            <a:r>
-              <a:rPr lang="zh-TW" altLang="en-US" sz="4400">
+              <a:t>專案架構說明（</a:t>
+            </a:r>
+            <a:r>
+              <a:rPr lang="en-US" altLang="zh-TW" sz="4400" dirty="0">
                 <a:solidFill>
                   <a:schemeClr val="tx1"/>
                 </a:solidFill>
                 <a:latin typeface="+mj-ea"/>
               </a:rPr>
-              <a:t>架構說明</a:t>
-            </a:r>
-            <a:r>
-              <a:rPr lang="zh-TW" altLang="en-US" sz="4400" smtClean="0">
+              <a:t>Backend</a:t>
+            </a:r>
+            <a:r>
+              <a:rPr lang="zh-TW" altLang="en-US" sz="4400" dirty="0">
                 <a:solidFill>
                   <a:schemeClr val="tx1"/>
                 </a:solidFill>
                 <a:latin typeface="+mj-ea"/>
               </a:rPr>
-              <a:t>（</a:t>
-            </a:r>
-            <a:r>
-              <a:rPr lang="en-US" altLang="zh-TW" sz="4400" smtClean="0">
-                <a:solidFill>
-                  <a:schemeClr val="tx1"/>
-                </a:solidFill>
-                <a:latin typeface="+mj-ea"/>
-              </a:rPr>
-              <a:t>Backend</a:t>
-            </a:r>
-            <a:r>
-              <a:rPr lang="zh-TW" altLang="en-US" sz="4400">
-                <a:solidFill>
-                  <a:schemeClr val="tx1"/>
-                </a:solidFill>
-                <a:latin typeface="+mj-ea"/>
-              </a:rPr>
               <a:t>）</a:t>
             </a:r>
-            <a:endParaRPr lang="zh-TW" altLang="en-US" sz="4400">
+            <a:endParaRPr lang="zh-TW" altLang="en-US" sz="4400" dirty="0">
               <a:latin typeface="+mj-ea"/>
             </a:endParaRPr>
           </a:p>
@@ -8107,8 +8013,8 @@
         </p:nvSpPr>
         <p:spPr>
           <a:xfrm>
-            <a:off x="2323171" y="992459"/>
-            <a:ext cx="9363306" cy="5909310"/>
+            <a:off x="2346074" y="1051452"/>
+            <a:ext cx="6931742" cy="5262979"/>
           </a:xfrm>
           <a:prstGeom prst="rect">
             <a:avLst/>
@@ -8121,13 +8027,13 @@
           <a:lstStyle/>
           <a:p>
             <a:r>
-              <a:rPr lang="en-US" altLang="zh-TW">
+              <a:rPr lang="en-US" altLang="zh-TW" sz="1600" dirty="0">
                 <a:latin typeface="CIDFont+F5"/>
               </a:rPr>
               <a:t>├─ controller   // REST API </a:t>
             </a:r>
             <a:r>
-              <a:rPr lang="zh-TW" altLang="en-US">
+              <a:rPr lang="zh-TW" altLang="en-US" sz="1600" dirty="0">
                 <a:latin typeface="CIDFont+F5"/>
               </a:rPr>
               <a:t>控制器</a:t>
@@ -8135,443 +8041,416 @@
           </a:p>
           <a:p>
             <a:r>
-              <a:rPr lang="zh-TW" altLang="en-US">
+              <a:rPr lang="zh-TW" altLang="en-US" sz="1600" dirty="0">
                 <a:latin typeface="CIDFont+F5"/>
               </a:rPr>
-              <a:t>│   </a:t>
-            </a:r>
-            <a:r>
-              <a:rPr lang="zh-TW" altLang="en-US" smtClean="0">
+              <a:t>│   ├─ 使用者</a:t>
+            </a:r>
+            <a:r>
+              <a:rPr lang="en-US" altLang="zh-TW" sz="1600" dirty="0">
                 <a:latin typeface="CIDFont+F5"/>
               </a:rPr>
-              <a:t>├─ 使用者</a:t>
-            </a:r>
-            <a:r>
-              <a:rPr lang="en-US" altLang="zh-TW">
+              <a:t>controller.java</a:t>
+            </a:r>
+          </a:p>
+          <a:p>
+            <a:r>
+              <a:rPr lang="en-US" altLang="zh-TW" sz="1600" dirty="0">
                 <a:latin typeface="CIDFont+F5"/>
               </a:rPr>
+              <a:t>│   ├─ </a:t>
+            </a:r>
+            <a:r>
+              <a:rPr lang="zh-TW" altLang="en-US" sz="1600" dirty="0">
+                <a:latin typeface="CIDFont+F5"/>
+              </a:rPr>
+              <a:t>商品</a:t>
+            </a:r>
+            <a:r>
+              <a:rPr lang="en-US" altLang="zh-TW" sz="1600" dirty="0">
+                <a:latin typeface="CIDFont+F5"/>
+              </a:rPr>
               <a:t>controller.java</a:t>
             </a:r>
           </a:p>
           <a:p>
             <a:r>
-              <a:rPr lang="en-US" altLang="zh-TW">
+              <a:rPr lang="en-US" altLang="zh-TW" sz="1600" dirty="0">
                 <a:latin typeface="CIDFont+F5"/>
               </a:rPr>
-              <a:t>│   </a:t>
-            </a:r>
-            <a:r>
-              <a:rPr lang="en-US" altLang="zh-TW" smtClean="0">
+              <a:t>│   ├─ </a:t>
+            </a:r>
+            <a:r>
+              <a:rPr lang="zh-TW" altLang="en-US" sz="1600" dirty="0">
                 <a:latin typeface="CIDFont+F5"/>
               </a:rPr>
+              <a:t>購物車</a:t>
+            </a:r>
+            <a:r>
+              <a:rPr lang="en-US" altLang="zh-TW" sz="1600" dirty="0">
+                <a:latin typeface="CIDFont+F5"/>
+              </a:rPr>
+              <a:t>controller.java</a:t>
+            </a:r>
+          </a:p>
+          <a:p>
+            <a:r>
+              <a:rPr lang="en-US" altLang="zh-TW" sz="1600" dirty="0">
+                <a:latin typeface="CIDFont+F5"/>
+              </a:rPr>
+              <a:t>│   └─ </a:t>
+            </a:r>
+            <a:r>
+              <a:rPr lang="zh-TW" altLang="en-US" sz="1600" dirty="0">
+                <a:latin typeface="CIDFont+F5"/>
+              </a:rPr>
+              <a:t>訂單</a:t>
+            </a:r>
+            <a:r>
+              <a:rPr lang="en-US" altLang="zh-TW" sz="1600" dirty="0">
+                <a:latin typeface="CIDFont+F5"/>
+              </a:rPr>
+              <a:t>controller.java</a:t>
+            </a:r>
+          </a:p>
+          <a:p>
+            <a:r>
+              <a:rPr lang="en-US" altLang="zh-TW" sz="1600" dirty="0">
+                <a:latin typeface="CIDFont+F5"/>
+              </a:rPr>
+              <a:t>├─ dao          // </a:t>
+            </a:r>
+            <a:r>
+              <a:rPr lang="zh-TW" altLang="en-US" sz="1600" dirty="0">
+                <a:latin typeface="CIDFont+F5"/>
+              </a:rPr>
+              <a:t>資料存取層 </a:t>
+            </a:r>
+            <a:r>
+              <a:rPr lang="en-US" altLang="zh-TW" sz="1600" dirty="0">
+                <a:latin typeface="CIDFont+F5"/>
+              </a:rPr>
+              <a:t>(Repository/Service)</a:t>
+            </a:r>
+          </a:p>
+          <a:p>
+            <a:r>
+              <a:rPr lang="en-US" altLang="zh-TW" sz="1600" dirty="0">
+                <a:latin typeface="CIDFont+F5"/>
+              </a:rPr>
+              <a:t>│   ├─ </a:t>
+            </a:r>
+            <a:r>
+              <a:rPr lang="zh-TW" altLang="en-US" sz="1600" dirty="0">
+                <a:latin typeface="CIDFont+F5"/>
+              </a:rPr>
+              <a:t>使用者</a:t>
+            </a:r>
+            <a:r>
+              <a:rPr lang="en-US" altLang="zh-TW" sz="1600" dirty="0">
+                <a:latin typeface="CIDFont+F5"/>
+              </a:rPr>
+              <a:t>dao.java</a:t>
+            </a:r>
+          </a:p>
+          <a:p>
+            <a:r>
+              <a:rPr lang="en-US" altLang="zh-TW" sz="1600" dirty="0">
+                <a:latin typeface="CIDFont+F5"/>
+              </a:rPr>
+              <a:t>│   ├─ </a:t>
+            </a:r>
+            <a:r>
+              <a:rPr lang="zh-TW" altLang="en-US" sz="1600" dirty="0">
+                <a:latin typeface="CIDFont+F5"/>
+              </a:rPr>
+              <a:t>商品</a:t>
+            </a:r>
+            <a:r>
+              <a:rPr lang="en-US" altLang="zh-TW" sz="1600" dirty="0">
+                <a:latin typeface="CIDFont+F5"/>
+              </a:rPr>
+              <a:t>dao.java</a:t>
+            </a:r>
+          </a:p>
+          <a:p>
+            <a:r>
+              <a:rPr lang="en-US" altLang="zh-TW" sz="1600" dirty="0">
+                <a:latin typeface="CIDFont+F5"/>
+              </a:rPr>
+              <a:t>│   ├─ </a:t>
+            </a:r>
+            <a:r>
+              <a:rPr lang="zh-TW" altLang="en-US" sz="1600" dirty="0">
+                <a:latin typeface="CIDFont+F5"/>
+              </a:rPr>
+              <a:t>購物車</a:t>
+            </a:r>
+            <a:r>
+              <a:rPr lang="en-US" altLang="zh-TW" sz="1600" dirty="0">
+                <a:latin typeface="CIDFont+F5"/>
+              </a:rPr>
+              <a:t>dao.java</a:t>
+            </a:r>
+          </a:p>
+          <a:p>
+            <a:r>
+              <a:rPr lang="en-US" altLang="zh-TW" sz="1600" dirty="0">
+                <a:latin typeface="CIDFont+F5"/>
+              </a:rPr>
+              <a:t>│   └─ </a:t>
+            </a:r>
+            <a:r>
+              <a:rPr lang="zh-TW" altLang="en-US" sz="1600" dirty="0">
+                <a:latin typeface="CIDFont+F5"/>
+              </a:rPr>
+              <a:t>訂單</a:t>
+            </a:r>
+            <a:r>
+              <a:rPr lang="en-US" altLang="zh-TW" sz="1600" dirty="0">
+                <a:latin typeface="CIDFont+F5"/>
+              </a:rPr>
+              <a:t>dao.java</a:t>
+            </a:r>
+          </a:p>
+          <a:p>
+            <a:r>
+              <a:rPr lang="en-US" altLang="zh-TW" sz="1600" dirty="0">
+                <a:latin typeface="CIDFont+F5"/>
+              </a:rPr>
               <a:t>├─ </a:t>
             </a:r>
             <a:r>
-              <a:rPr lang="zh-TW" altLang="en-US" smtClean="0">
+              <a:rPr lang="en-US" altLang="zh-TW" sz="1600" dirty="0" err="1">
                 <a:latin typeface="CIDFont+F5"/>
               </a:rPr>
+              <a:t>dto</a:t>
+            </a:r>
+            <a:r>
+              <a:rPr lang="en-US" altLang="zh-TW" sz="1600" dirty="0">
+                <a:latin typeface="CIDFont+F5"/>
+              </a:rPr>
+              <a:t>          // Data Transfer Object</a:t>
+            </a:r>
+            <a:r>
+              <a:rPr lang="zh-TW" altLang="en-US" sz="1600" dirty="0">
+                <a:latin typeface="CIDFont+F5"/>
+              </a:rPr>
+              <a:t>，對應 </a:t>
+            </a:r>
+            <a:r>
+              <a:rPr lang="en-US" altLang="zh-TW" sz="1600" dirty="0">
+                <a:latin typeface="CIDFont+F5"/>
+              </a:rPr>
+              <a:t>JSON API</a:t>
+            </a:r>
+          </a:p>
+          <a:p>
+            <a:r>
+              <a:rPr lang="en-US" altLang="zh-TW" sz="1600" dirty="0">
+                <a:latin typeface="CIDFont+F5"/>
+              </a:rPr>
+              <a:t>│   ├─ </a:t>
+            </a:r>
+            <a:r>
+              <a:rPr lang="zh-TW" altLang="en-US" sz="1600" dirty="0">
+                <a:latin typeface="CIDFont+F5"/>
+              </a:rPr>
+              <a:t>使用者</a:t>
+            </a:r>
+            <a:r>
+              <a:rPr lang="en-US" altLang="zh-TW" sz="1600" dirty="0">
+                <a:latin typeface="CIDFont+F5"/>
+              </a:rPr>
+              <a:t>dto.java</a:t>
+            </a:r>
+          </a:p>
+          <a:p>
+            <a:r>
+              <a:rPr lang="en-US" altLang="zh-TW" sz="1600" dirty="0">
+                <a:latin typeface="CIDFont+F5"/>
+              </a:rPr>
+              <a:t>│   ├─ </a:t>
+            </a:r>
+            <a:r>
+              <a:rPr lang="zh-TW" altLang="en-US" sz="1600" dirty="0">
+                <a:latin typeface="CIDFont+F5"/>
+              </a:rPr>
               <a:t>商品</a:t>
             </a:r>
             <a:r>
-              <a:rPr lang="en-US" altLang="zh-TW" smtClean="0">
+              <a:rPr lang="en-US" altLang="zh-TW" sz="1600" dirty="0">
                 <a:latin typeface="CIDFont+F5"/>
               </a:rPr>
-              <a:t>controller.java</a:t>
-            </a:r>
-            <a:endParaRPr lang="en-US" altLang="zh-TW">
-              <a:latin typeface="CIDFont+F5"/>
-            </a:endParaRPr>
-          </a:p>
-          <a:p>
-            <a:r>
-              <a:rPr lang="en-US" altLang="zh-TW">
+              <a:t>dto.java</a:t>
+            </a:r>
+          </a:p>
+          <a:p>
+            <a:r>
+              <a:rPr lang="en-US" altLang="zh-TW" sz="1600" dirty="0">
                 <a:latin typeface="CIDFont+F5"/>
               </a:rPr>
               <a:t>│   ├─ </a:t>
             </a:r>
             <a:r>
-              <a:rPr lang="zh-TW" altLang="en-US">
+              <a:rPr lang="zh-TW" altLang="en-US" sz="1600" dirty="0">
                 <a:latin typeface="CIDFont+F5"/>
               </a:rPr>
               <a:t>購物車</a:t>
             </a:r>
             <a:r>
-              <a:rPr lang="en-US" altLang="zh-TW">
+              <a:rPr lang="en-US" altLang="zh-TW" sz="1600" dirty="0">
                 <a:latin typeface="CIDFont+F5"/>
               </a:rPr>
-              <a:t>controller.java</a:t>
-            </a:r>
-          </a:p>
-          <a:p>
-            <a:r>
-              <a:rPr lang="en-US" altLang="zh-TW">
+              <a:t>dto.java</a:t>
+            </a:r>
+          </a:p>
+          <a:p>
+            <a:r>
+              <a:rPr lang="en-US" altLang="zh-TW" sz="1600" dirty="0">
                 <a:latin typeface="CIDFont+F5"/>
               </a:rPr>
               <a:t>│   └─ </a:t>
             </a:r>
             <a:r>
-              <a:rPr lang="zh-TW" altLang="en-US">
+              <a:rPr lang="zh-TW" altLang="en-US" sz="1600" dirty="0">
                 <a:latin typeface="CIDFont+F5"/>
               </a:rPr>
               <a:t>訂單</a:t>
             </a:r>
             <a:r>
-              <a:rPr lang="en-US" altLang="zh-TW">
+              <a:rPr lang="en-US" altLang="zh-TW" sz="1600" dirty="0">
                 <a:latin typeface="CIDFont+F5"/>
               </a:rPr>
-              <a:t>controller.java</a:t>
-            </a:r>
-          </a:p>
-          <a:p>
-            <a:r>
-              <a:rPr lang="en-US" altLang="zh-TW">
+              <a:t>dto.java</a:t>
+            </a:r>
+          </a:p>
+          <a:p>
+            <a:r>
+              <a:rPr lang="en-US" altLang="zh-TW" sz="1600" dirty="0">
                 <a:latin typeface="CIDFont+F5"/>
               </a:rPr>
-              <a:t>├─ </a:t>
-            </a:r>
-            <a:r>
-              <a:rPr lang="en-US" altLang="zh-TW" err="1">
+              <a:t>├─ model        // JPA Entity</a:t>
+            </a:r>
+          </a:p>
+          <a:p>
+            <a:r>
+              <a:rPr lang="en-US" altLang="zh-TW" sz="1600" dirty="0">
                 <a:latin typeface="CIDFont+F5"/>
               </a:rPr>
-              <a:t>dao</a:t>
-            </a:r>
-            <a:r>
-              <a:rPr lang="en-US" altLang="zh-TW">
+              <a:t>│   ├─ </a:t>
+            </a:r>
+            <a:r>
+              <a:rPr lang="zh-TW" altLang="en-US" sz="1600" dirty="0">
                 <a:latin typeface="CIDFont+F5"/>
               </a:rPr>
-              <a:t>          // </a:t>
-            </a:r>
-            <a:r>
-              <a:rPr lang="zh-TW" altLang="en-US">
+              <a:t>使用者</a:t>
+            </a:r>
+            <a:r>
+              <a:rPr lang="en-US" altLang="zh-TW" sz="1600" dirty="0">
                 <a:latin typeface="CIDFont+F5"/>
               </a:rPr>
-              <a:t>資料存取層 </a:t>
-            </a:r>
-            <a:r>
-              <a:rPr lang="en-US" altLang="zh-TW">
+              <a:t>.java</a:t>
+            </a:r>
+          </a:p>
+          <a:p>
+            <a:r>
+              <a:rPr lang="en-US" altLang="zh-TW" sz="1600" dirty="0">
                 <a:latin typeface="CIDFont+F5"/>
               </a:rPr>
-              <a:t>(Repository/Service)</a:t>
-            </a:r>
-          </a:p>
-          <a:p>
-            <a:r>
-              <a:rPr lang="en-US" altLang="zh-TW">
+              <a:t>│   ├─ </a:t>
+            </a:r>
+            <a:r>
+              <a:rPr lang="zh-TW" altLang="en-US" sz="1600" dirty="0">
                 <a:latin typeface="CIDFont+F5"/>
               </a:rPr>
+              <a:t>商品</a:t>
+            </a:r>
+            <a:r>
+              <a:rPr lang="en-US" altLang="zh-TW" sz="1600" dirty="0">
+                <a:latin typeface="CIDFont+F5"/>
+              </a:rPr>
+              <a:t>.java</a:t>
+            </a:r>
+          </a:p>
+          <a:p>
+            <a:r>
+              <a:rPr lang="en-US" altLang="zh-TW" sz="1600" dirty="0">
+                <a:latin typeface="CIDFont+F5"/>
+              </a:rPr>
               <a:t>│   ├─ </a:t>
             </a:r>
             <a:r>
-              <a:rPr lang="zh-TW" altLang="en-US">
+              <a:rPr lang="zh-TW" altLang="en-US" sz="1600" dirty="0">
                 <a:latin typeface="CIDFont+F5"/>
               </a:rPr>
-              <a:t>使用者</a:t>
-            </a:r>
-            <a:r>
-              <a:rPr lang="en-US" altLang="zh-TW">
+              <a:t>購物車</a:t>
+            </a:r>
+            <a:r>
+              <a:rPr lang="en-US" altLang="zh-TW" sz="1600" dirty="0">
                 <a:latin typeface="CIDFont+F5"/>
               </a:rPr>
-              <a:t>dao.java</a:t>
-            </a:r>
-          </a:p>
-          <a:p>
-            <a:r>
-              <a:rPr lang="en-US" altLang="zh-TW">
+              <a:t>.java</a:t>
+            </a:r>
+          </a:p>
+          <a:p>
+            <a:r>
+              <a:rPr lang="en-US" altLang="zh-TW" sz="1600" dirty="0">
                 <a:latin typeface="CIDFont+F5"/>
               </a:rPr>
-              <a:t>│   ├─ </a:t>
-            </a:r>
-            <a:r>
-              <a:rPr lang="zh-TW" altLang="en-US">
+              <a:t>│   └─ </a:t>
+            </a:r>
+            <a:r>
+              <a:rPr lang="zh-TW" altLang="en-US" sz="1600" dirty="0">
                 <a:latin typeface="CIDFont+F5"/>
               </a:rPr>
-              <a:t>商品</a:t>
-            </a:r>
-            <a:r>
-              <a:rPr lang="en-US" altLang="zh-TW">
+              <a:t>訂單</a:t>
+            </a:r>
+            <a:r>
+              <a:rPr lang="en-US" altLang="zh-TW" sz="1600" dirty="0">
                 <a:latin typeface="CIDFont+F5"/>
               </a:rPr>
-              <a:t>dao.java</a:t>
-            </a:r>
-          </a:p>
-          <a:p>
-            <a:r>
-              <a:rPr lang="en-US" altLang="zh-TW">
+              <a:t>.java</a:t>
+            </a:r>
+          </a:p>
+          <a:p>
+            <a:r>
+              <a:rPr lang="en-US" altLang="zh-TW" sz="1600" dirty="0">
                 <a:latin typeface="CIDFont+F5"/>
               </a:rPr>
-              <a:t>│   ├─ </a:t>
-            </a:r>
-            <a:r>
-              <a:rPr lang="zh-TW" altLang="en-US">
+              <a:t>└─ </a:t>
+            </a:r>
+            <a:r>
+              <a:rPr lang="en-US" altLang="zh-TW" sz="1600" dirty="0" err="1">
                 <a:latin typeface="CIDFont+F5"/>
               </a:rPr>
-              <a:t>購物車</a:t>
-            </a:r>
-            <a:r>
-              <a:rPr lang="en-US" altLang="zh-TW">
+              <a:t>myinterface</a:t>
+            </a:r>
+            <a:r>
+              <a:rPr lang="en-US" altLang="zh-TW" sz="1600" dirty="0">
                 <a:latin typeface="CIDFont+F5"/>
               </a:rPr>
-              <a:t>dao.java</a:t>
-            </a:r>
-          </a:p>
-          <a:p>
-            <a:r>
-              <a:rPr lang="en-US" altLang="zh-TW">
+              <a:t>  // </a:t>
+            </a:r>
+            <a:r>
+              <a:rPr lang="zh-TW" altLang="en-US" sz="1600" dirty="0">
                 <a:latin typeface="CIDFont+F5"/>
               </a:rPr>
-              <a:t>│   └─ </a:t>
-            </a:r>
-            <a:r>
-              <a:rPr lang="zh-TW" altLang="en-US">
+              <a:t>可擴充 </a:t>
+            </a:r>
+            <a:r>
+              <a:rPr lang="en-US" altLang="zh-TW" sz="1600" dirty="0">
                 <a:latin typeface="CIDFont+F5"/>
               </a:rPr>
-              <a:t>訂單</a:t>
-            </a:r>
-            <a:r>
-              <a:rPr lang="en-US" altLang="zh-TW">
+              <a:t>Repository </a:t>
+            </a:r>
+            <a:r>
+              <a:rPr lang="zh-TW" altLang="en-US" sz="1600" dirty="0">
                 <a:latin typeface="CIDFont+F5"/>
               </a:rPr>
-              <a:t>dao.java</a:t>
-            </a:r>
-          </a:p>
-          <a:p>
-            <a:r>
-              <a:rPr lang="en-US" altLang="zh-TW">
-                <a:latin typeface="CIDFont+F5"/>
-              </a:rPr>
-              <a:t>├─ </a:t>
-            </a:r>
-            <a:r>
-              <a:rPr lang="en-US" altLang="zh-TW" err="1">
-                <a:latin typeface="CIDFont+F5"/>
-              </a:rPr>
-              <a:t>dto</a:t>
-            </a:r>
-            <a:r>
-              <a:rPr lang="en-US" altLang="zh-TW">
-                <a:latin typeface="CIDFont+F5"/>
-              </a:rPr>
-              <a:t>          // Data Transfer Object</a:t>
-            </a:r>
-            <a:r>
-              <a:rPr lang="zh-TW" altLang="en-US">
-                <a:latin typeface="CIDFont+F5"/>
-              </a:rPr>
-              <a:t>，對應 </a:t>
-            </a:r>
-            <a:r>
-              <a:rPr lang="en-US" altLang="zh-TW">
-                <a:latin typeface="CIDFont+F5"/>
-              </a:rPr>
-              <a:t>JSON API</a:t>
-            </a:r>
-          </a:p>
-          <a:p>
-            <a:r>
-              <a:rPr lang="en-US" altLang="zh-TW">
-                <a:latin typeface="CIDFont+F5"/>
-              </a:rPr>
-              <a:t>│   ├─ </a:t>
-            </a:r>
-            <a:r>
-              <a:rPr lang="zh-TW" altLang="en-US">
-                <a:latin typeface="CIDFont+F5"/>
-              </a:rPr>
-              <a:t>使用者</a:t>
-            </a:r>
-            <a:r>
-              <a:rPr lang="en-US" altLang="zh-TW">
-                <a:latin typeface="CIDFont+F5"/>
-              </a:rPr>
-              <a:t>dto.java</a:t>
-            </a:r>
-          </a:p>
-          <a:p>
-            <a:r>
-              <a:rPr lang="en-US" altLang="zh-TW">
-                <a:latin typeface="CIDFont+F5"/>
-              </a:rPr>
-              <a:t>│   ├─ </a:t>
-            </a:r>
-            <a:r>
-              <a:rPr lang="zh-TW" altLang="en-US">
-                <a:latin typeface="CIDFont+F5"/>
-              </a:rPr>
-              <a:t>商品</a:t>
-            </a:r>
-            <a:r>
-              <a:rPr lang="en-US" altLang="zh-TW">
-                <a:latin typeface="CIDFont+F5"/>
-              </a:rPr>
-              <a:t>dto.java</a:t>
-            </a:r>
-          </a:p>
-          <a:p>
-            <a:r>
-              <a:rPr lang="en-US" altLang="zh-TW">
-                <a:latin typeface="CIDFont+F5"/>
-              </a:rPr>
-              <a:t>│   ├─ </a:t>
-            </a:r>
-            <a:r>
-              <a:rPr lang="zh-TW" altLang="en-US">
-                <a:latin typeface="CIDFont+F5"/>
-              </a:rPr>
-              <a:t>購物車</a:t>
-            </a:r>
-            <a:r>
-              <a:rPr lang="en-US" altLang="zh-TW">
-                <a:latin typeface="CIDFont+F5"/>
-              </a:rPr>
-              <a:t>dto.java</a:t>
-            </a:r>
-          </a:p>
-          <a:p>
-            <a:r>
-              <a:rPr lang="en-US" altLang="zh-TW">
-                <a:latin typeface="CIDFont+F5"/>
-              </a:rPr>
-              <a:t>│   └─ </a:t>
-            </a:r>
-            <a:r>
-              <a:rPr lang="zh-TW" altLang="en-US">
-                <a:latin typeface="CIDFont+F5"/>
-              </a:rPr>
-              <a:t>訂單</a:t>
-            </a:r>
-            <a:r>
-              <a:rPr lang="en-US" altLang="zh-TW">
-                <a:latin typeface="CIDFont+F5"/>
-              </a:rPr>
-              <a:t>dto.java</a:t>
-            </a:r>
-          </a:p>
-          <a:p>
-            <a:r>
-              <a:rPr lang="en-US" altLang="zh-TW" smtClean="0">
-                <a:latin typeface="CIDFont+F5"/>
-              </a:rPr>
-              <a:t>├─ model        // JPA Entity</a:t>
-            </a:r>
-          </a:p>
-          <a:p>
-            <a:r>
-              <a:rPr lang="en-US" altLang="zh-TW" smtClean="0">
-                <a:latin typeface="CIDFont+F5"/>
-              </a:rPr>
-              <a:t>│   ├─ </a:t>
-            </a:r>
-            <a:r>
-              <a:rPr lang="zh-TW" altLang="en-US" smtClean="0">
-                <a:latin typeface="CIDFont+F5"/>
-              </a:rPr>
-              <a:t>使用者</a:t>
-            </a:r>
-            <a:r>
-              <a:rPr lang="en-US" altLang="zh-TW" smtClean="0">
-                <a:latin typeface="CIDFont+F5"/>
-              </a:rPr>
-              <a:t>.java</a:t>
-            </a:r>
-          </a:p>
-          <a:p>
-            <a:r>
-              <a:rPr lang="en-US" altLang="zh-TW" smtClean="0">
-                <a:latin typeface="CIDFont+F5"/>
-              </a:rPr>
-              <a:t>│   ├─ </a:t>
-            </a:r>
-            <a:r>
-              <a:rPr lang="zh-TW" altLang="en-US" smtClean="0">
-                <a:latin typeface="CIDFont+F5"/>
-              </a:rPr>
-              <a:t>商品</a:t>
-            </a:r>
-            <a:r>
-              <a:rPr lang="en-US" altLang="zh-TW" smtClean="0">
-                <a:latin typeface="CIDFont+F5"/>
-              </a:rPr>
-              <a:t>.java</a:t>
-            </a:r>
-          </a:p>
-          <a:p>
-            <a:r>
-              <a:rPr lang="en-US" altLang="zh-TW" smtClean="0">
-                <a:latin typeface="CIDFont+F5"/>
-              </a:rPr>
-              <a:t>│   ├─ </a:t>
-            </a:r>
-            <a:r>
-              <a:rPr lang="zh-TW" altLang="en-US" smtClean="0">
-                <a:latin typeface="CIDFont+F5"/>
-              </a:rPr>
-              <a:t>購物車</a:t>
-            </a:r>
-            <a:r>
-              <a:rPr lang="en-US" altLang="zh-TW" smtClean="0">
-                <a:latin typeface="CIDFont+F5"/>
-              </a:rPr>
-              <a:t>.java</a:t>
-            </a:r>
-          </a:p>
-          <a:p>
-            <a:r>
-              <a:rPr lang="en-US" altLang="zh-TW" smtClean="0">
-                <a:latin typeface="CIDFont+F5"/>
-              </a:rPr>
-              <a:t>│   └─ </a:t>
-            </a:r>
-            <a:r>
-              <a:rPr lang="zh-TW" altLang="en-US" smtClean="0">
-                <a:latin typeface="CIDFont+F5"/>
-              </a:rPr>
-              <a:t>訂單</a:t>
-            </a:r>
-            <a:r>
-              <a:rPr lang="en-US" altLang="zh-TW" smtClean="0">
-                <a:latin typeface="CIDFont+F5"/>
-              </a:rPr>
-              <a:t>.java</a:t>
-            </a:r>
-          </a:p>
-          <a:p>
-            <a:r>
-              <a:rPr lang="en-US" altLang="zh-TW" smtClean="0">
-                <a:latin typeface="CIDFont+F5"/>
-              </a:rPr>
-              <a:t>└─ </a:t>
-            </a:r>
-            <a:r>
-              <a:rPr lang="en-US" altLang="zh-TW" err="1" smtClean="0">
-                <a:latin typeface="CIDFont+F5"/>
-              </a:rPr>
-              <a:t>myinterface</a:t>
-            </a:r>
-            <a:r>
-              <a:rPr lang="en-US" altLang="zh-TW" smtClean="0">
-                <a:latin typeface="CIDFont+F5"/>
-              </a:rPr>
-              <a:t>  // </a:t>
-            </a:r>
-            <a:r>
-              <a:rPr lang="zh-TW" altLang="en-US" smtClean="0">
-                <a:latin typeface="CIDFont+F5"/>
-              </a:rPr>
-              <a:t>可擴充 </a:t>
-            </a:r>
-            <a:r>
-              <a:rPr lang="en-US" altLang="zh-TW" smtClean="0">
-                <a:latin typeface="CIDFont+F5"/>
-              </a:rPr>
-              <a:t>Repository </a:t>
-            </a:r>
-            <a:r>
-              <a:rPr lang="zh-TW" altLang="en-US" smtClean="0">
-                <a:latin typeface="CIDFont+F5"/>
-              </a:rPr>
               <a:t>接口</a:t>
             </a:r>
-            <a:endParaRPr lang="zh-TW" altLang="en-US"/>
+            <a:endParaRPr lang="zh-TW" altLang="en-US" sz="1600" dirty="0"/>
           </a:p>
         </p:txBody>
       </p:sp>
@@ -8607,6 +8486,825 @@
       </p:grpSpPr>
       <p:sp>
         <p:nvSpPr>
+          <p:cNvPr id="3" name="文字方塊 2">
+            <a:extLst>
+              <a:ext uri="{FF2B5EF4-FFF2-40B4-BE49-F238E27FC236}">
+                <a16:creationId xmlns:a16="http://schemas.microsoft.com/office/drawing/2014/main" id="{1B225AF0-373C-12F0-E399-7457A2884ECE}"/>
+              </a:ext>
+            </a:extLst>
+          </p:cNvPr>
+          <p:cNvSpPr txBox="1"/>
+          <p:nvPr/>
+        </p:nvSpPr>
+        <p:spPr>
+          <a:xfrm>
+            <a:off x="1801761" y="503592"/>
+            <a:ext cx="6100916" cy="584775"/>
+          </a:xfrm>
+          <a:prstGeom prst="rect">
+            <a:avLst/>
+          </a:prstGeom>
+          <a:noFill/>
+        </p:spPr>
+        <p:txBody>
+          <a:bodyPr wrap="square">
+            <a:spAutoFit/>
+          </a:bodyPr>
+          <a:lstStyle/>
+          <a:p>
+            <a:r>
+              <a:rPr lang="zh-TW" altLang="en-US" dirty="0">
+                <a:solidFill>
+                  <a:schemeClr val="tx1"/>
+                </a:solidFill>
+              </a:rPr>
+              <a:t> </a:t>
+            </a:r>
+            <a:r>
+              <a:rPr lang="zh-TW" altLang="en-US" sz="3200" b="1" dirty="0">
+                <a:solidFill>
+                  <a:schemeClr val="tx1"/>
+                </a:solidFill>
+                <a:latin typeface="+mj-ea"/>
+              </a:rPr>
+              <a:t>專案架構說明（</a:t>
+            </a:r>
+            <a:r>
+              <a:rPr lang="en-US" altLang="zh-TW" sz="3200" b="1" dirty="0">
+                <a:solidFill>
+                  <a:schemeClr val="tx1"/>
+                </a:solidFill>
+                <a:latin typeface="+mj-ea"/>
+              </a:rPr>
+              <a:t>Backend</a:t>
+            </a:r>
+            <a:r>
+              <a:rPr lang="zh-TW" altLang="en-US" sz="3200" b="1" dirty="0">
+                <a:solidFill>
+                  <a:schemeClr val="tx1"/>
+                </a:solidFill>
+                <a:latin typeface="+mj-ea"/>
+              </a:rPr>
+              <a:t>）</a:t>
+            </a:r>
+            <a:endParaRPr lang="zh-TW" altLang="en-US" sz="3200" b="1" dirty="0"/>
+          </a:p>
+        </p:txBody>
+      </p:sp>
+      <p:sp>
+        <p:nvSpPr>
+          <p:cNvPr id="5" name="文字方塊 4">
+            <a:extLst>
+              <a:ext uri="{FF2B5EF4-FFF2-40B4-BE49-F238E27FC236}">
+                <a16:creationId xmlns:a16="http://schemas.microsoft.com/office/drawing/2014/main" id="{A9948A4B-FECB-1D8F-A5C8-50CA08C03DDC}"/>
+              </a:ext>
+            </a:extLst>
+          </p:cNvPr>
+          <p:cNvSpPr txBox="1"/>
+          <p:nvPr/>
+        </p:nvSpPr>
+        <p:spPr>
+          <a:xfrm>
+            <a:off x="1406013" y="1165311"/>
+            <a:ext cx="7364362" cy="1015663"/>
+          </a:xfrm>
+          <a:prstGeom prst="rect">
+            <a:avLst/>
+          </a:prstGeom>
+          <a:noFill/>
+        </p:spPr>
+        <p:txBody>
+          <a:bodyPr wrap="square">
+            <a:spAutoFit/>
+          </a:bodyPr>
+          <a:lstStyle/>
+          <a:p>
+            <a:pPr>
+              <a:buNone/>
+            </a:pPr>
+            <a:r>
+              <a:rPr lang="zh-TW" altLang="en-US" sz="2000" b="1" dirty="0"/>
+              <a:t>整體結構：採用分層架構設計（</a:t>
+            </a:r>
+            <a:r>
+              <a:rPr lang="en-US" altLang="zh-TW" sz="2000" b="1" dirty="0"/>
+              <a:t>MVC + Repository / Service</a:t>
+            </a:r>
+            <a:r>
+              <a:rPr lang="zh-TW" altLang="en-US" sz="2000" b="1" dirty="0"/>
+              <a:t>）</a:t>
+            </a:r>
+            <a:br>
+              <a:rPr lang="en-US" altLang="zh-TW" sz="2000" dirty="0"/>
+            </a:br>
+            <a:r>
+              <a:rPr lang="zh-TW" altLang="en-US" sz="2000" dirty="0"/>
+              <a:t>主要包含四層模組：</a:t>
+            </a:r>
+            <a:r>
+              <a:rPr lang="en-US" altLang="zh-TW" sz="2000" dirty="0"/>
+              <a:t>Controller</a:t>
+            </a:r>
+            <a:r>
+              <a:rPr lang="zh-TW" altLang="en-US" sz="2000" dirty="0"/>
+              <a:t>、</a:t>
+            </a:r>
+            <a:r>
+              <a:rPr lang="en-US" altLang="zh-TW" sz="2000" dirty="0"/>
+              <a:t>DAO</a:t>
+            </a:r>
+            <a:r>
+              <a:rPr lang="zh-TW" altLang="en-US" sz="2000" dirty="0"/>
+              <a:t>、</a:t>
+            </a:r>
+            <a:r>
+              <a:rPr lang="en-US" altLang="zh-TW" sz="2000" dirty="0"/>
+              <a:t>DTO</a:t>
+            </a:r>
+            <a:r>
+              <a:rPr lang="zh-TW" altLang="en-US" sz="2000" dirty="0"/>
+              <a:t>、</a:t>
+            </a:r>
+            <a:r>
+              <a:rPr lang="en-US" altLang="zh-TW" sz="2000" dirty="0"/>
+              <a:t>Model</a:t>
+            </a:r>
+            <a:r>
+              <a:rPr lang="zh-TW" altLang="en-US" sz="2000" dirty="0"/>
+              <a:t>，以及 </a:t>
+            </a:r>
+            <a:r>
+              <a:rPr lang="en-US" altLang="zh-TW" sz="2000" dirty="0"/>
+              <a:t>Repository </a:t>
+            </a:r>
+            <a:r>
+              <a:rPr lang="zh-TW" altLang="en-US" sz="2000" dirty="0"/>
+              <a:t>介面層。</a:t>
+            </a:r>
+          </a:p>
+        </p:txBody>
+      </p:sp>
+      <p:sp>
+        <p:nvSpPr>
+          <p:cNvPr id="7" name="文字方塊 6">
+            <a:extLst>
+              <a:ext uri="{FF2B5EF4-FFF2-40B4-BE49-F238E27FC236}">
+                <a16:creationId xmlns:a16="http://schemas.microsoft.com/office/drawing/2014/main" id="{E6E0F49D-9DF6-EB81-F5AE-AE05566CD0AB}"/>
+              </a:ext>
+            </a:extLst>
+          </p:cNvPr>
+          <p:cNvSpPr txBox="1"/>
+          <p:nvPr/>
+        </p:nvSpPr>
+        <p:spPr>
+          <a:xfrm>
+            <a:off x="1890252" y="2321004"/>
+            <a:ext cx="6100916" cy="2215991"/>
+          </a:xfrm>
+          <a:prstGeom prst="rect">
+            <a:avLst/>
+          </a:prstGeom>
+          <a:noFill/>
+        </p:spPr>
+        <p:txBody>
+          <a:bodyPr wrap="square">
+            <a:spAutoFit/>
+          </a:bodyPr>
+          <a:lstStyle/>
+          <a:p>
+            <a:pPr marL="285750" indent="-285750">
+              <a:buFont typeface="Wingdings" panose="05000000000000000000" pitchFamily="2" charset="2"/>
+              <a:buChar char="u"/>
+            </a:pPr>
+            <a:r>
+              <a:rPr lang="en-US" altLang="zh-TW" b="1" dirty="0"/>
+              <a:t>Controller</a:t>
+            </a:r>
+            <a:r>
+              <a:rPr lang="zh-TW" altLang="en-US" b="1" dirty="0"/>
+              <a:t>（</a:t>
+            </a:r>
+            <a:r>
+              <a:rPr lang="en-US" altLang="zh-TW" b="1" dirty="0"/>
+              <a:t>REST API </a:t>
+            </a:r>
+            <a:r>
+              <a:rPr lang="zh-TW" altLang="en-US" b="1" dirty="0"/>
+              <a:t>控制層）</a:t>
+            </a:r>
+          </a:p>
+          <a:p>
+            <a:pPr>
+              <a:buNone/>
+            </a:pPr>
+            <a:r>
+              <a:rPr lang="zh-TW" altLang="en-US" sz="2000" dirty="0"/>
+              <a:t>負責接收前端請求並回傳結果。</a:t>
+            </a:r>
+          </a:p>
+          <a:p>
+            <a:pPr>
+              <a:buFont typeface="Arial" panose="020B0604020202020204" pitchFamily="34" charset="0"/>
+              <a:buChar char="•"/>
+            </a:pPr>
+            <a:r>
+              <a:rPr lang="en-US" altLang="zh-TW" sz="2000" dirty="0">
+                <a:latin typeface="Courier New" panose="02070309020205020404" pitchFamily="49" charset="0"/>
+              </a:rPr>
+              <a:t>UserController.java</a:t>
+            </a:r>
+            <a:r>
+              <a:rPr lang="zh-TW" altLang="en-US" sz="2000" dirty="0"/>
+              <a:t>　→ 處理會員登入、註冊等功能</a:t>
+            </a:r>
+          </a:p>
+          <a:p>
+            <a:pPr>
+              <a:buFont typeface="Arial" panose="020B0604020202020204" pitchFamily="34" charset="0"/>
+              <a:buChar char="•"/>
+            </a:pPr>
+            <a:r>
+              <a:rPr lang="en-US" altLang="zh-TW" sz="2000" dirty="0">
+                <a:latin typeface="Courier New" panose="02070309020205020404" pitchFamily="49" charset="0"/>
+              </a:rPr>
+              <a:t>ProductController.java</a:t>
+            </a:r>
+            <a:r>
+              <a:rPr lang="zh-TW" altLang="en-US" sz="2000" dirty="0"/>
+              <a:t>　→ 商品查詢與分類</a:t>
+            </a:r>
+          </a:p>
+          <a:p>
+            <a:pPr>
+              <a:buFont typeface="Arial" panose="020B0604020202020204" pitchFamily="34" charset="0"/>
+              <a:buChar char="•"/>
+            </a:pPr>
+            <a:r>
+              <a:rPr lang="en-US" altLang="zh-TW" sz="2000" dirty="0">
+                <a:latin typeface="Courier New" panose="02070309020205020404" pitchFamily="49" charset="0"/>
+              </a:rPr>
+              <a:t>CartController.java</a:t>
+            </a:r>
+            <a:r>
+              <a:rPr lang="zh-TW" altLang="en-US" sz="2000" dirty="0"/>
+              <a:t>　→ 購物車操作</a:t>
+            </a:r>
+          </a:p>
+          <a:p>
+            <a:pPr>
+              <a:buFont typeface="Arial" panose="020B0604020202020204" pitchFamily="34" charset="0"/>
+              <a:buChar char="•"/>
+            </a:pPr>
+            <a:r>
+              <a:rPr lang="en-US" altLang="zh-TW" sz="2000" dirty="0">
+                <a:latin typeface="Courier New" panose="02070309020205020404" pitchFamily="49" charset="0"/>
+              </a:rPr>
+              <a:t>OrderController.java</a:t>
+            </a:r>
+            <a:r>
+              <a:rPr lang="zh-TW" altLang="en-US" sz="2000" dirty="0"/>
+              <a:t>　→ 訂單建立與查詢</a:t>
+            </a:r>
+          </a:p>
+        </p:txBody>
+      </p:sp>
+      <p:sp>
+        <p:nvSpPr>
+          <p:cNvPr id="9" name="文字方塊 8">
+            <a:extLst>
+              <a:ext uri="{FF2B5EF4-FFF2-40B4-BE49-F238E27FC236}">
+                <a16:creationId xmlns:a16="http://schemas.microsoft.com/office/drawing/2014/main" id="{5C355DAD-813E-F2D9-F351-563F589792B8}"/>
+              </a:ext>
+            </a:extLst>
+          </p:cNvPr>
+          <p:cNvSpPr txBox="1"/>
+          <p:nvPr/>
+        </p:nvSpPr>
+        <p:spPr>
+          <a:xfrm>
+            <a:off x="1890252" y="4531487"/>
+            <a:ext cx="6100916" cy="1908215"/>
+          </a:xfrm>
+          <a:prstGeom prst="rect">
+            <a:avLst/>
+          </a:prstGeom>
+          <a:noFill/>
+        </p:spPr>
+        <p:txBody>
+          <a:bodyPr wrap="square">
+            <a:spAutoFit/>
+          </a:bodyPr>
+          <a:lstStyle/>
+          <a:p>
+            <a:pPr marL="285750" indent="-285750">
+              <a:buFont typeface="Wingdings" panose="05000000000000000000" pitchFamily="2" charset="2"/>
+              <a:buChar char="u"/>
+            </a:pPr>
+            <a:r>
+              <a:rPr lang="en-US" altLang="zh-TW" b="1" dirty="0"/>
+              <a:t>DAO</a:t>
+            </a:r>
+            <a:r>
+              <a:rPr lang="zh-TW" altLang="en-US" b="1" dirty="0"/>
+              <a:t>（資料存取層 </a:t>
+            </a:r>
+            <a:r>
+              <a:rPr lang="en-US" altLang="zh-TW" b="1" dirty="0"/>
+              <a:t>Repository / Service</a:t>
+            </a:r>
+            <a:r>
+              <a:rPr lang="zh-TW" altLang="en-US" b="1" dirty="0"/>
+              <a:t>）</a:t>
+            </a:r>
+          </a:p>
+          <a:p>
+            <a:pPr>
+              <a:buNone/>
+            </a:pPr>
+            <a:r>
+              <a:rPr lang="zh-TW" altLang="en-US" sz="2000" dirty="0"/>
+              <a:t>封裝資料庫操作邏輯，與資料表互動。</a:t>
+            </a:r>
+          </a:p>
+          <a:p>
+            <a:pPr>
+              <a:buFont typeface="Arial" panose="020B0604020202020204" pitchFamily="34" charset="0"/>
+              <a:buChar char="•"/>
+            </a:pPr>
+            <a:r>
+              <a:rPr lang="en-US" altLang="zh-TW" sz="2000" dirty="0">
+                <a:latin typeface="Courier New" panose="02070309020205020404" pitchFamily="49" charset="0"/>
+              </a:rPr>
+              <a:t>UserDao.java</a:t>
+            </a:r>
+            <a:endParaRPr lang="en-US" altLang="zh-TW" sz="2000" dirty="0"/>
+          </a:p>
+          <a:p>
+            <a:pPr>
+              <a:buFont typeface="Arial" panose="020B0604020202020204" pitchFamily="34" charset="0"/>
+              <a:buChar char="•"/>
+            </a:pPr>
+            <a:r>
+              <a:rPr lang="en-US" altLang="zh-TW" sz="2000" dirty="0">
+                <a:latin typeface="Courier New" panose="02070309020205020404" pitchFamily="49" charset="0"/>
+              </a:rPr>
+              <a:t>ProductDao.java</a:t>
+            </a:r>
+            <a:endParaRPr lang="en-US" altLang="zh-TW" sz="2000" dirty="0"/>
+          </a:p>
+          <a:p>
+            <a:pPr>
+              <a:buFont typeface="Arial" panose="020B0604020202020204" pitchFamily="34" charset="0"/>
+              <a:buChar char="•"/>
+            </a:pPr>
+            <a:r>
+              <a:rPr lang="en-US" altLang="zh-TW" sz="2000" dirty="0">
+                <a:latin typeface="Courier New" panose="02070309020205020404" pitchFamily="49" charset="0"/>
+              </a:rPr>
+              <a:t>CartDao.java</a:t>
+            </a:r>
+            <a:endParaRPr lang="en-US" altLang="zh-TW" sz="2000" dirty="0"/>
+          </a:p>
+          <a:p>
+            <a:pPr>
+              <a:buFont typeface="Arial" panose="020B0604020202020204" pitchFamily="34" charset="0"/>
+              <a:buChar char="•"/>
+            </a:pPr>
+            <a:r>
+              <a:rPr lang="en-US" altLang="zh-TW" sz="2000" dirty="0">
+                <a:latin typeface="Courier New" panose="02070309020205020404" pitchFamily="49" charset="0"/>
+              </a:rPr>
+              <a:t>OrderDao.java</a:t>
+            </a:r>
+            <a:endParaRPr lang="en-US" altLang="zh-TW" sz="2000" dirty="0"/>
+          </a:p>
+        </p:txBody>
+      </p:sp>
+    </p:spTree>
+    <p:extLst>
+      <p:ext uri="{BB962C8B-B14F-4D97-AF65-F5344CB8AC3E}">
+        <p14:creationId xmlns:p14="http://schemas.microsoft.com/office/powerpoint/2010/main" val="4236585683"/>
+      </p:ext>
+    </p:extLst>
+  </p:cSld>
+  <p:clrMapOvr>
+    <a:masterClrMapping/>
+  </p:clrMapOvr>
+</p:sld>
+</file>
+
+<file path=ppt/slides/slide18.xml><?xml version="1.0" encoding="utf-8"?>
+<p:sld xmlns:a="http://schemas.openxmlformats.org/drawingml/2006/main" xmlns:r="http://schemas.openxmlformats.org/officeDocument/2006/relationships" xmlns:p="http://schemas.openxmlformats.org/presentationml/2006/main">
+  <p:cSld>
+    <p:spTree>
+      <p:nvGrpSpPr>
+        <p:cNvPr id="1" name=""/>
+        <p:cNvGrpSpPr/>
+        <p:nvPr/>
+      </p:nvGrpSpPr>
+      <p:grpSpPr>
+        <a:xfrm>
+          <a:off x="0" y="0"/>
+          <a:ext cx="0" cy="0"/>
+          <a:chOff x="0" y="0"/>
+          <a:chExt cx="0" cy="0"/>
+        </a:xfrm>
+      </p:grpSpPr>
+      <p:sp>
+        <p:nvSpPr>
+          <p:cNvPr id="3" name="文字方塊 2">
+            <a:extLst>
+              <a:ext uri="{FF2B5EF4-FFF2-40B4-BE49-F238E27FC236}">
+                <a16:creationId xmlns:a16="http://schemas.microsoft.com/office/drawing/2014/main" id="{8535169B-FD1C-F95A-E6B3-737B74238FE9}"/>
+              </a:ext>
+            </a:extLst>
+          </p:cNvPr>
+          <p:cNvSpPr txBox="1"/>
+          <p:nvPr/>
+        </p:nvSpPr>
+        <p:spPr>
+          <a:xfrm>
+            <a:off x="2096729" y="601915"/>
+            <a:ext cx="6100916" cy="584775"/>
+          </a:xfrm>
+          <a:prstGeom prst="rect">
+            <a:avLst/>
+          </a:prstGeom>
+          <a:noFill/>
+        </p:spPr>
+        <p:txBody>
+          <a:bodyPr wrap="square">
+            <a:spAutoFit/>
+          </a:bodyPr>
+          <a:lstStyle/>
+          <a:p>
+            <a:r>
+              <a:rPr lang="zh-TW" altLang="en-US" sz="3200" dirty="0">
+                <a:solidFill>
+                  <a:schemeClr val="tx1"/>
+                </a:solidFill>
+              </a:rPr>
+              <a:t> </a:t>
+            </a:r>
+            <a:r>
+              <a:rPr lang="zh-TW" altLang="en-US" sz="3200" b="1" dirty="0">
+                <a:solidFill>
+                  <a:schemeClr val="tx1"/>
+                </a:solidFill>
+                <a:latin typeface="+mj-ea"/>
+              </a:rPr>
+              <a:t>專案架構說明（</a:t>
+            </a:r>
+            <a:r>
+              <a:rPr lang="en-US" altLang="zh-TW" sz="3200" b="1" dirty="0">
+                <a:solidFill>
+                  <a:schemeClr val="tx1"/>
+                </a:solidFill>
+                <a:latin typeface="+mj-ea"/>
+              </a:rPr>
+              <a:t>Backend</a:t>
+            </a:r>
+            <a:r>
+              <a:rPr lang="zh-TW" altLang="en-US" sz="3200" b="1" dirty="0">
+                <a:solidFill>
+                  <a:schemeClr val="tx1"/>
+                </a:solidFill>
+                <a:latin typeface="+mj-ea"/>
+              </a:rPr>
+              <a:t>）</a:t>
+            </a:r>
+            <a:endParaRPr lang="zh-TW" altLang="en-US" sz="3200" b="1" dirty="0"/>
+          </a:p>
+        </p:txBody>
+      </p:sp>
+      <p:sp>
+        <p:nvSpPr>
+          <p:cNvPr id="5" name="文字方塊 4">
+            <a:extLst>
+              <a:ext uri="{FF2B5EF4-FFF2-40B4-BE49-F238E27FC236}">
+                <a16:creationId xmlns:a16="http://schemas.microsoft.com/office/drawing/2014/main" id="{3F7A5590-19D4-E495-DCAF-3B764F444775}"/>
+              </a:ext>
+            </a:extLst>
+          </p:cNvPr>
+          <p:cNvSpPr txBox="1"/>
+          <p:nvPr/>
+        </p:nvSpPr>
+        <p:spPr>
+          <a:xfrm>
+            <a:off x="2096729" y="1394088"/>
+            <a:ext cx="6100916" cy="1938992"/>
+          </a:xfrm>
+          <a:prstGeom prst="rect">
+            <a:avLst/>
+          </a:prstGeom>
+          <a:noFill/>
+        </p:spPr>
+        <p:txBody>
+          <a:bodyPr wrap="square">
+            <a:spAutoFit/>
+          </a:bodyPr>
+          <a:lstStyle/>
+          <a:p>
+            <a:pPr marL="342900" indent="-342900">
+              <a:buFont typeface="Wingdings" panose="05000000000000000000" pitchFamily="2" charset="2"/>
+              <a:buChar char="u"/>
+            </a:pPr>
+            <a:r>
+              <a:rPr lang="en-US" altLang="zh-TW" sz="2000" b="1" dirty="0"/>
+              <a:t>DTO</a:t>
+            </a:r>
+            <a:r>
+              <a:rPr lang="zh-TW" altLang="en-US" sz="2000" b="1" dirty="0"/>
+              <a:t>（</a:t>
+            </a:r>
+            <a:r>
+              <a:rPr lang="en-US" altLang="zh-TW" sz="2000" b="1" dirty="0"/>
+              <a:t>Data Transfer Object</a:t>
+            </a:r>
+            <a:r>
+              <a:rPr lang="zh-TW" altLang="en-US" sz="2000" b="1" dirty="0"/>
+              <a:t>）</a:t>
+            </a:r>
+          </a:p>
+          <a:p>
+            <a:pPr>
+              <a:buNone/>
+            </a:pPr>
+            <a:r>
+              <a:rPr lang="zh-TW" altLang="en-US" sz="2000" dirty="0"/>
+              <a:t>負責資料交換與 </a:t>
+            </a:r>
+            <a:r>
+              <a:rPr lang="en-US" altLang="zh-TW" sz="2000" dirty="0"/>
+              <a:t>JSON </a:t>
+            </a:r>
+            <a:r>
+              <a:rPr lang="zh-TW" altLang="en-US" sz="2000" dirty="0"/>
+              <a:t>對應，用於 </a:t>
+            </a:r>
+            <a:r>
+              <a:rPr lang="en-US" altLang="zh-TW" sz="2000" dirty="0"/>
+              <a:t>API </a:t>
+            </a:r>
+            <a:r>
+              <a:rPr lang="zh-TW" altLang="en-US" sz="2000" dirty="0"/>
+              <a:t>傳輸資料。</a:t>
+            </a:r>
+          </a:p>
+          <a:p>
+            <a:pPr>
+              <a:buFont typeface="Arial" panose="020B0604020202020204" pitchFamily="34" charset="0"/>
+              <a:buChar char="•"/>
+            </a:pPr>
+            <a:r>
+              <a:rPr lang="en-US" altLang="zh-TW" sz="2000" dirty="0">
+                <a:latin typeface="Courier New" panose="02070309020205020404" pitchFamily="49" charset="0"/>
+              </a:rPr>
+              <a:t>UserDto.java</a:t>
+            </a:r>
+            <a:endParaRPr lang="en-US" altLang="zh-TW" sz="2000" dirty="0"/>
+          </a:p>
+          <a:p>
+            <a:pPr>
+              <a:buFont typeface="Arial" panose="020B0604020202020204" pitchFamily="34" charset="0"/>
+              <a:buChar char="•"/>
+            </a:pPr>
+            <a:r>
+              <a:rPr lang="en-US" altLang="zh-TW" sz="2000" dirty="0">
+                <a:latin typeface="Courier New" panose="02070309020205020404" pitchFamily="49" charset="0"/>
+              </a:rPr>
+              <a:t>ProductDto.java</a:t>
+            </a:r>
+            <a:endParaRPr lang="en-US" altLang="zh-TW" sz="2000" dirty="0"/>
+          </a:p>
+          <a:p>
+            <a:pPr>
+              <a:buFont typeface="Arial" panose="020B0604020202020204" pitchFamily="34" charset="0"/>
+              <a:buChar char="•"/>
+            </a:pPr>
+            <a:r>
+              <a:rPr lang="en-US" altLang="zh-TW" sz="2000" dirty="0">
+                <a:latin typeface="Courier New" panose="02070309020205020404" pitchFamily="49" charset="0"/>
+              </a:rPr>
+              <a:t>CartDto.java</a:t>
+            </a:r>
+            <a:endParaRPr lang="en-US" altLang="zh-TW" sz="2000" dirty="0"/>
+          </a:p>
+          <a:p>
+            <a:pPr>
+              <a:buFont typeface="Arial" panose="020B0604020202020204" pitchFamily="34" charset="0"/>
+              <a:buChar char="•"/>
+            </a:pPr>
+            <a:r>
+              <a:rPr lang="en-US" altLang="zh-TW" sz="2000" dirty="0">
+                <a:latin typeface="Courier New" panose="02070309020205020404" pitchFamily="49" charset="0"/>
+              </a:rPr>
+              <a:t>OrderDto.java</a:t>
+            </a:r>
+            <a:endParaRPr lang="en-US" altLang="zh-TW" sz="2000" dirty="0"/>
+          </a:p>
+        </p:txBody>
+      </p:sp>
+      <p:sp>
+        <p:nvSpPr>
+          <p:cNvPr id="7" name="文字方塊 6">
+            <a:extLst>
+              <a:ext uri="{FF2B5EF4-FFF2-40B4-BE49-F238E27FC236}">
+                <a16:creationId xmlns:a16="http://schemas.microsoft.com/office/drawing/2014/main" id="{D1223D53-8348-6C78-E35E-F61F9F69A742}"/>
+              </a:ext>
+            </a:extLst>
+          </p:cNvPr>
+          <p:cNvSpPr txBox="1"/>
+          <p:nvPr/>
+        </p:nvSpPr>
+        <p:spPr>
+          <a:xfrm>
+            <a:off x="2096729" y="3429000"/>
+            <a:ext cx="6100916" cy="1938992"/>
+          </a:xfrm>
+          <a:prstGeom prst="rect">
+            <a:avLst/>
+          </a:prstGeom>
+          <a:noFill/>
+        </p:spPr>
+        <p:txBody>
+          <a:bodyPr wrap="square">
+            <a:spAutoFit/>
+          </a:bodyPr>
+          <a:lstStyle/>
+          <a:p>
+            <a:pPr marL="342900" indent="-342900">
+              <a:buFont typeface="Wingdings" panose="05000000000000000000" pitchFamily="2" charset="2"/>
+              <a:buChar char="u"/>
+            </a:pPr>
+            <a:r>
+              <a:rPr lang="en-US" altLang="zh-TW" sz="2000" b="1" dirty="0"/>
+              <a:t>Model</a:t>
+            </a:r>
+            <a:r>
+              <a:rPr lang="zh-TW" altLang="en-US" sz="2000" b="1" dirty="0"/>
+              <a:t>（</a:t>
+            </a:r>
+            <a:r>
+              <a:rPr lang="en-US" altLang="zh-TW" sz="2000" b="1" dirty="0"/>
+              <a:t>JPA Entity </a:t>
+            </a:r>
+            <a:r>
+              <a:rPr lang="zh-TW" altLang="en-US" sz="2000" b="1" dirty="0"/>
+              <a:t>實體類別）</a:t>
+            </a:r>
+          </a:p>
+          <a:p>
+            <a:pPr>
+              <a:buNone/>
+            </a:pPr>
+            <a:r>
+              <a:rPr lang="zh-TW" altLang="en-US" sz="2000" dirty="0"/>
+              <a:t>對應資料庫中的表格欄位。</a:t>
+            </a:r>
+          </a:p>
+          <a:p>
+            <a:pPr>
+              <a:buFont typeface="Arial" panose="020B0604020202020204" pitchFamily="34" charset="0"/>
+              <a:buChar char="•"/>
+            </a:pPr>
+            <a:r>
+              <a:rPr lang="en-US" altLang="zh-TW" sz="2000" dirty="0">
+                <a:latin typeface="Courier New" panose="02070309020205020404" pitchFamily="49" charset="0"/>
+              </a:rPr>
+              <a:t>User.java</a:t>
+            </a:r>
+            <a:endParaRPr lang="en-US" altLang="zh-TW" sz="2000" dirty="0"/>
+          </a:p>
+          <a:p>
+            <a:pPr>
+              <a:buFont typeface="Arial" panose="020B0604020202020204" pitchFamily="34" charset="0"/>
+              <a:buChar char="•"/>
+            </a:pPr>
+            <a:r>
+              <a:rPr lang="en-US" altLang="zh-TW" sz="2000" dirty="0">
+                <a:latin typeface="Courier New" panose="02070309020205020404" pitchFamily="49" charset="0"/>
+              </a:rPr>
+              <a:t>Product.java</a:t>
+            </a:r>
+            <a:endParaRPr lang="en-US" altLang="zh-TW" sz="2000" dirty="0"/>
+          </a:p>
+          <a:p>
+            <a:pPr>
+              <a:buFont typeface="Arial" panose="020B0604020202020204" pitchFamily="34" charset="0"/>
+              <a:buChar char="•"/>
+            </a:pPr>
+            <a:r>
+              <a:rPr lang="en-US" altLang="zh-TW" sz="2000" dirty="0">
+                <a:latin typeface="Courier New" panose="02070309020205020404" pitchFamily="49" charset="0"/>
+              </a:rPr>
+              <a:t>Cart.java</a:t>
+            </a:r>
+            <a:endParaRPr lang="en-US" altLang="zh-TW" sz="2000" dirty="0"/>
+          </a:p>
+          <a:p>
+            <a:pPr>
+              <a:buFont typeface="Arial" panose="020B0604020202020204" pitchFamily="34" charset="0"/>
+              <a:buChar char="•"/>
+            </a:pPr>
+            <a:r>
+              <a:rPr lang="en-US" altLang="zh-TW" sz="2000" dirty="0">
+                <a:latin typeface="Courier New" panose="02070309020205020404" pitchFamily="49" charset="0"/>
+              </a:rPr>
+              <a:t>Order.java</a:t>
+            </a:r>
+            <a:endParaRPr lang="en-US" altLang="zh-TW" sz="2000" dirty="0"/>
+          </a:p>
+        </p:txBody>
+      </p:sp>
+      <p:sp>
+        <p:nvSpPr>
+          <p:cNvPr id="9" name="文字方塊 8">
+            <a:extLst>
+              <a:ext uri="{FF2B5EF4-FFF2-40B4-BE49-F238E27FC236}">
+                <a16:creationId xmlns:a16="http://schemas.microsoft.com/office/drawing/2014/main" id="{E67134F8-45C1-A383-5DAC-A786F0BC6072}"/>
+              </a:ext>
+            </a:extLst>
+          </p:cNvPr>
+          <p:cNvSpPr txBox="1"/>
+          <p:nvPr/>
+        </p:nvSpPr>
+        <p:spPr>
+          <a:xfrm>
+            <a:off x="2096729" y="5330383"/>
+            <a:ext cx="6100916" cy="1015663"/>
+          </a:xfrm>
+          <a:prstGeom prst="rect">
+            <a:avLst/>
+          </a:prstGeom>
+          <a:noFill/>
+        </p:spPr>
+        <p:txBody>
+          <a:bodyPr wrap="square">
+            <a:spAutoFit/>
+          </a:bodyPr>
+          <a:lstStyle/>
+          <a:p>
+            <a:pPr>
+              <a:buNone/>
+            </a:pPr>
+            <a:r>
+              <a:rPr lang="en-US" altLang="zh-TW" sz="2000" b="1" dirty="0" err="1"/>
+              <a:t>MyInterface</a:t>
+            </a:r>
+            <a:endParaRPr lang="en-US" altLang="zh-TW" sz="2000" b="1" dirty="0"/>
+          </a:p>
+          <a:p>
+            <a:pPr>
+              <a:buNone/>
+            </a:pPr>
+            <a:r>
+              <a:rPr lang="zh-TW" altLang="en-US" sz="2000" dirty="0"/>
+              <a:t>定義可擴充的 </a:t>
+            </a:r>
+            <a:r>
+              <a:rPr lang="en-US" altLang="zh-TW" sz="2000" dirty="0"/>
+              <a:t>Repository </a:t>
+            </a:r>
+            <a:r>
+              <a:rPr lang="zh-TW" altLang="en-US" sz="2000" dirty="0"/>
+              <a:t>介面，支援資料存取與查詢操作。</a:t>
+            </a:r>
+          </a:p>
+        </p:txBody>
+      </p:sp>
+    </p:spTree>
+    <p:extLst>
+      <p:ext uri="{BB962C8B-B14F-4D97-AF65-F5344CB8AC3E}">
+        <p14:creationId xmlns:p14="http://schemas.microsoft.com/office/powerpoint/2010/main" val="108087168"/>
+      </p:ext>
+    </p:extLst>
+  </p:cSld>
+  <p:clrMapOvr>
+    <a:masterClrMapping/>
+  </p:clrMapOvr>
+</p:sld>
+</file>
+
+<file path=ppt/slides/slide19.xml><?xml version="1.0" encoding="utf-8"?>
+<p:sld xmlns:a="http://schemas.openxmlformats.org/drawingml/2006/main" xmlns:r="http://schemas.openxmlformats.org/officeDocument/2006/relationships" xmlns:p="http://schemas.openxmlformats.org/presentationml/2006/main">
+  <p:cSld>
+    <p:spTree>
+      <p:nvGrpSpPr>
+        <p:cNvPr id="1" name=""/>
+        <p:cNvGrpSpPr/>
+        <p:nvPr/>
+      </p:nvGrpSpPr>
+      <p:grpSpPr>
+        <a:xfrm>
+          <a:off x="0" y="0"/>
+          <a:ext cx="0" cy="0"/>
+          <a:chOff x="0" y="0"/>
+          <a:chExt cx="0" cy="0"/>
+        </a:xfrm>
+      </p:grpSpPr>
+      <p:sp>
+        <p:nvSpPr>
           <p:cNvPr id="2" name="標題 1"/>
           <p:cNvSpPr>
             <a:spLocks noGrp="1"/>
@@ -8628,7 +9326,7 @@
           <a:lstStyle/>
           <a:p>
             <a:r>
-              <a:rPr lang="en-US" altLang="zh-TW" smtClean="0">
+              <a:rPr lang="en-US" altLang="zh-TW">
                 <a:solidFill>
                   <a:schemeClr val="tx1"/>
                 </a:solidFill>
@@ -8636,7 +9334,7 @@
               <a:t>            </a:t>
             </a:r>
             <a:r>
-              <a:rPr lang="en-US" altLang="zh-TW" sz="4400" smtClean="0">
+              <a:rPr lang="en-US" altLang="zh-TW" sz="4400">
                 <a:solidFill>
                   <a:schemeClr val="tx1"/>
                 </a:solidFill>
@@ -8645,22 +9343,13 @@
               <a:t>Backend </a:t>
             </a:r>
             <a:r>
-              <a:rPr lang="zh-TW" altLang="en-US" sz="4400" smtClean="0">
+              <a:rPr lang="zh-TW" altLang="en-US" sz="4400">
                 <a:solidFill>
                   <a:schemeClr val="tx1"/>
                 </a:solidFill>
                 <a:latin typeface="+mj-ea"/>
               </a:rPr>
-              <a:t>主要</a:t>
-            </a:r>
-            <a:r>
-              <a:rPr lang="zh-TW" altLang="en-US" sz="4400">
-                <a:solidFill>
-                  <a:schemeClr val="tx1"/>
-                </a:solidFill>
-                <a:latin typeface="+mj-ea"/>
-              </a:rPr>
-              <a:t>功能模組</a:t>
+              <a:t>主要功能模組</a:t>
             </a:r>
             <a:endParaRPr lang="zh-TW" altLang="en-US" sz="4400">
               <a:latin typeface="+mj-ea"/>
@@ -8677,35 +9366,35 @@
           <p:nvPr>
             <p:extLst>
               <p:ext uri="{D42A27DB-BD31-4B8C-83A1-F6EECF244321}">
-                <p14:modId xmlns:p14="http://schemas.microsoft.com/office/powerpoint/2010/main" val="865334016"/>
+                <p14:modId xmlns:p14="http://schemas.microsoft.com/office/powerpoint/2010/main" val="1583481441"/>
               </p:ext>
             </p:extLst>
           </p:nvPr>
         </p:nvGraphicFramePr>
         <p:xfrm>
-          <a:off x="1766604" y="1634382"/>
-          <a:ext cx="7522362" cy="4052739"/>
+          <a:off x="521109" y="1288026"/>
+          <a:ext cx="9419302" cy="4945469"/>
         </p:xfrm>
         <a:graphic>
           <a:graphicData uri="http://schemas.openxmlformats.org/drawingml/2006/table">
             <a:tbl>
               <a:tblPr/>
               <a:tblGrid>
-                <a:gridCol w="2507454">
+                <a:gridCol w="1425678">
                   <a:extLst>
                     <a:ext uri="{9D8B030D-6E8A-4147-A177-3AD203B41FA5}">
                       <a16:colId xmlns:a16="http://schemas.microsoft.com/office/drawing/2014/main" val="4162254271"/>
                     </a:ext>
                   </a:extLst>
                 </a:gridCol>
-                <a:gridCol w="2507454">
+                <a:gridCol w="4892587">
                   <a:extLst>
                     <a:ext uri="{9D8B030D-6E8A-4147-A177-3AD203B41FA5}">
                       <a16:colId xmlns:a16="http://schemas.microsoft.com/office/drawing/2014/main" val="3882045127"/>
                     </a:ext>
                   </a:extLst>
                 </a:gridCol>
-                <a:gridCol w="2507454">
+                <a:gridCol w="3101037">
                   <a:extLst>
                     <a:ext uri="{9D8B030D-6E8A-4147-A177-3AD203B41FA5}">
                       <a16:colId xmlns:a16="http://schemas.microsoft.com/office/drawing/2014/main" val="2512057121"/>
@@ -8713,14 +9402,14 @@
                   </a:extLst>
                 </a:gridCol>
               </a:tblGrid>
-              <a:tr h="317810">
+              <a:tr h="442451">
                 <a:tc>
                   <a:txBody>
                     <a:bodyPr/>
                     <a:lstStyle/>
                     <a:p>
                       <a:r>
-                        <a:rPr lang="zh-TW" altLang="en-US" sz="1500"/>
+                        <a:rPr lang="zh-TW" altLang="en-US" sz="2000" dirty="0"/>
                         <a:t>模組</a:t>
                       </a:r>
                     </a:p>
@@ -8746,7 +9435,7 @@
                     <a:lstStyle/>
                     <a:p>
                       <a:r>
-                        <a:rPr lang="zh-TW" altLang="en-US" sz="1500"/>
+                        <a:rPr lang="zh-TW" altLang="en-US" sz="2000" dirty="0"/>
                         <a:t>功能</a:t>
                       </a:r>
                     </a:p>
@@ -8772,11 +9461,11 @@
                     <a:lstStyle/>
                     <a:p>
                       <a:r>
-                        <a:rPr lang="en-US" sz="1500"/>
+                        <a:rPr lang="en-US" sz="2000" dirty="0"/>
                         <a:t>DAO/Controller </a:t>
                       </a:r>
                       <a:r>
-                        <a:rPr lang="zh-TW" altLang="en-US" sz="1500"/>
+                        <a:rPr lang="zh-TW" altLang="en-US" sz="2000" dirty="0"/>
                         <a:t>方法</a:t>
                       </a:r>
                     </a:p>
@@ -8802,17 +9491,17 @@
                   </a:ext>
                 </a:extLst>
               </a:tr>
-              <a:tr h="794672">
+              <a:tr h="954328">
                 <a:tc>
                   <a:txBody>
                     <a:bodyPr/>
                     <a:lstStyle/>
                     <a:p>
                       <a:r>
-                        <a:rPr lang="zh-TW" altLang="en-US" sz="1500" b="1"/>
+                        <a:rPr lang="zh-TW" altLang="en-US" sz="2000" b="1" dirty="0"/>
                         <a:t>使用者</a:t>
                       </a:r>
-                      <a:endParaRPr lang="zh-TW" altLang="en-US" sz="1500"/>
+                      <a:endParaRPr lang="zh-TW" altLang="en-US" sz="2000" dirty="0"/>
                     </a:p>
                   </a:txBody>
                   <a:tcPr marL="76107" marR="76107" marT="38053" marB="38053" anchor="ctr">
@@ -8836,23 +9525,23 @@
                     <a:lstStyle/>
                     <a:p>
                       <a:r>
-                        <a:rPr lang="en-US" altLang="zh-TW" sz="1500"/>
+                        <a:rPr lang="en-US" altLang="zh-TW" sz="2000"/>
                         <a:t>CRUD </a:t>
                       </a:r>
                       <a:r>
-                        <a:rPr lang="zh-TW" altLang="en-US" sz="1500"/>
+                        <a:rPr lang="zh-TW" altLang="en-US" sz="2000"/>
                         <a:t>使用者資料 </a:t>
                       </a:r>
                       <a:r>
-                        <a:rPr lang="en-US" altLang="zh-TW" sz="1500"/>
+                        <a:rPr lang="en-US" altLang="zh-TW" sz="2000"/>
                         <a:t>(</a:t>
                       </a:r>
                       <a:r>
-                        <a:rPr lang="zh-TW" altLang="en-US" sz="1500"/>
+                        <a:rPr lang="zh-TW" altLang="en-US" sz="2000"/>
                         <a:t>姓名、帳號、密碼、地址、電子郵件</a:t>
                       </a:r>
                       <a:r>
-                        <a:rPr lang="en-US" altLang="zh-TW" sz="1500"/>
+                        <a:rPr lang="en-US" altLang="zh-TW" sz="2000"/>
                         <a:t>)</a:t>
                       </a:r>
                     </a:p>
@@ -8878,19 +9567,19 @@
                     <a:lstStyle/>
                     <a:p>
                       <a:r>
-                        <a:rPr lang="zh-TW" altLang="en-US" sz="1500"/>
+                        <a:rPr lang="zh-TW" altLang="en-US" sz="2000" dirty="0"/>
                         <a:t>使用者</a:t>
                       </a:r>
                       <a:r>
-                        <a:rPr lang="en-US" sz="1500"/>
+                        <a:rPr lang="en-US" sz="2000" dirty="0"/>
                         <a:t>dao / </a:t>
                       </a:r>
                       <a:r>
-                        <a:rPr lang="zh-TW" altLang="en-US" sz="1500"/>
+                        <a:rPr lang="zh-TW" altLang="en-US" sz="2000" dirty="0"/>
                         <a:t>使用者</a:t>
                       </a:r>
                       <a:r>
-                        <a:rPr lang="en-US" sz="1500"/>
+                        <a:rPr lang="en-US" sz="2000" dirty="0"/>
                         <a:t>controller</a:t>
                       </a:r>
                     </a:p>
@@ -8916,17 +9605,17 @@
                   </a:ext>
                 </a:extLst>
               </a:tr>
-              <a:tr h="794672">
+              <a:tr h="954328">
                 <a:tc>
                   <a:txBody>
                     <a:bodyPr/>
                     <a:lstStyle/>
                     <a:p>
                       <a:r>
-                        <a:rPr lang="zh-TW" altLang="en-US" sz="1500" b="1"/>
+                        <a:rPr lang="zh-TW" altLang="en-US" sz="2000" b="1" dirty="0"/>
                         <a:t>商品</a:t>
                       </a:r>
-                      <a:endParaRPr lang="zh-TW" altLang="en-US" sz="1500"/>
+                      <a:endParaRPr lang="zh-TW" altLang="en-US" sz="2000" dirty="0"/>
                     </a:p>
                   </a:txBody>
                   <a:tcPr marL="76107" marR="76107" marT="38053" marB="38053" anchor="ctr">
@@ -8950,23 +9639,23 @@
                     <a:lstStyle/>
                     <a:p>
                       <a:r>
-                        <a:rPr lang="en-US" altLang="zh-TW" sz="1500"/>
+                        <a:rPr lang="en-US" altLang="zh-TW" sz="2000"/>
                         <a:t>CRUD </a:t>
                       </a:r>
                       <a:r>
-                        <a:rPr lang="zh-TW" altLang="en-US" sz="1500"/>
+                        <a:rPr lang="zh-TW" altLang="en-US" sz="2000"/>
                         <a:t>商品資料 </a:t>
                       </a:r>
                       <a:r>
-                        <a:rPr lang="en-US" altLang="zh-TW" sz="1500"/>
+                        <a:rPr lang="en-US" altLang="zh-TW" sz="2000"/>
                         <a:t>(</a:t>
                       </a:r>
                       <a:r>
-                        <a:rPr lang="zh-TW" altLang="en-US" sz="1500"/>
+                        <a:rPr lang="zh-TW" altLang="en-US" sz="2000"/>
                         <a:t>名稱、圖片、描述、價格、庫存、上架者</a:t>
                       </a:r>
                       <a:r>
-                        <a:rPr lang="en-US" altLang="zh-TW" sz="1500"/>
+                        <a:rPr lang="en-US" altLang="zh-TW" sz="2000"/>
                         <a:t>)</a:t>
                       </a:r>
                     </a:p>
@@ -8992,19 +9681,19 @@
                     <a:lstStyle/>
                     <a:p>
                       <a:r>
-                        <a:rPr lang="zh-TW" altLang="en-US" sz="1500"/>
+                        <a:rPr lang="zh-TW" altLang="en-US" sz="2000" dirty="0"/>
                         <a:t>商品</a:t>
                       </a:r>
                       <a:r>
-                        <a:rPr lang="en-US" sz="1500"/>
+                        <a:rPr lang="en-US" sz="2000" dirty="0"/>
                         <a:t>dao / </a:t>
                       </a:r>
                       <a:r>
-                        <a:rPr lang="zh-TW" altLang="en-US" sz="1500"/>
+                        <a:rPr lang="zh-TW" altLang="en-US" sz="2000" dirty="0"/>
                         <a:t>商品</a:t>
                       </a:r>
                       <a:r>
-                        <a:rPr lang="en-US" sz="1500"/>
+                        <a:rPr lang="en-US" sz="2000" dirty="0"/>
                         <a:t>controller</a:t>
                       </a:r>
                     </a:p>
@@ -9030,17 +9719,17 @@
                   </a:ext>
                 </a:extLst>
               </a:tr>
-              <a:tr h="794672">
+              <a:tr h="954328">
                 <a:tc>
                   <a:txBody>
                     <a:bodyPr/>
                     <a:lstStyle/>
                     <a:p>
                       <a:r>
-                        <a:rPr lang="zh-TW" altLang="en-US" sz="1500" b="1"/>
+                        <a:rPr lang="zh-TW" altLang="en-US" sz="2000" b="1" dirty="0"/>
                         <a:t>購物車</a:t>
                       </a:r>
-                      <a:endParaRPr lang="zh-TW" altLang="en-US" sz="1500"/>
+                      <a:endParaRPr lang="zh-TW" altLang="en-US" sz="2000" dirty="0"/>
                     </a:p>
                   </a:txBody>
                   <a:tcPr marL="76107" marR="76107" marT="38053" marB="38053" anchor="ctr">
@@ -9064,23 +9753,23 @@
                     <a:lstStyle/>
                     <a:p>
                       <a:r>
-                        <a:rPr lang="en-US" altLang="zh-TW" sz="1500"/>
+                        <a:rPr lang="en-US" altLang="zh-TW" sz="2000"/>
                         <a:t>CRUD </a:t>
                       </a:r>
                       <a:r>
-                        <a:rPr lang="zh-TW" altLang="en-US" sz="1500"/>
+                        <a:rPr lang="zh-TW" altLang="en-US" sz="2000"/>
                         <a:t>購物車項目 </a:t>
                       </a:r>
                       <a:r>
-                        <a:rPr lang="en-US" altLang="zh-TW" sz="1500"/>
+                        <a:rPr lang="en-US" altLang="zh-TW" sz="2000"/>
                         <a:t>(</a:t>
                       </a:r>
                       <a:r>
-                        <a:rPr lang="zh-TW" altLang="en-US" sz="1500"/>
+                        <a:rPr lang="zh-TW" altLang="en-US" sz="2000"/>
                         <a:t>商品、數量、顏色、尺寸、使用者</a:t>
                       </a:r>
                       <a:r>
-                        <a:rPr lang="en-US" altLang="zh-TW" sz="1500"/>
+                        <a:rPr lang="en-US" altLang="zh-TW" sz="2000"/>
                         <a:t>)</a:t>
                       </a:r>
                     </a:p>
@@ -9106,19 +9795,19 @@
                     <a:lstStyle/>
                     <a:p>
                       <a:r>
-                        <a:rPr lang="zh-TW" altLang="en-US" sz="1500"/>
+                        <a:rPr lang="zh-TW" altLang="en-US" sz="2000" dirty="0"/>
                         <a:t>購物車</a:t>
                       </a:r>
                       <a:r>
-                        <a:rPr lang="en-US" sz="1500"/>
+                        <a:rPr lang="en-US" sz="2000" dirty="0"/>
                         <a:t>dao / </a:t>
                       </a:r>
                       <a:r>
-                        <a:rPr lang="zh-TW" altLang="en-US" sz="1500"/>
+                        <a:rPr lang="zh-TW" altLang="en-US" sz="2000" dirty="0"/>
                         <a:t>購物車</a:t>
                       </a:r>
                       <a:r>
-                        <a:rPr lang="en-US" sz="1500"/>
+                        <a:rPr lang="en-US" sz="2000" dirty="0"/>
                         <a:t>controller</a:t>
                       </a:r>
                     </a:p>
@@ -9144,17 +9833,17 @@
                   </a:ext>
                 </a:extLst>
               </a:tr>
-              <a:tr h="794672">
+              <a:tr h="954328">
                 <a:tc>
                   <a:txBody>
                     <a:bodyPr/>
                     <a:lstStyle/>
                     <a:p>
                       <a:r>
-                        <a:rPr lang="zh-TW" altLang="en-US" sz="1500" b="1"/>
+                        <a:rPr lang="zh-TW" altLang="en-US" sz="2000" b="1" baseline="0" dirty="0"/>
                         <a:t>訂單</a:t>
                       </a:r>
-                      <a:endParaRPr lang="zh-TW" altLang="en-US" sz="1500"/>
+                      <a:endParaRPr lang="zh-TW" altLang="en-US" sz="2000" baseline="0" dirty="0"/>
                     </a:p>
                   </a:txBody>
                   <a:tcPr marL="76107" marR="76107" marT="38053" marB="38053" anchor="ctr">
@@ -9178,23 +9867,23 @@
                     <a:lstStyle/>
                     <a:p>
                       <a:r>
-                        <a:rPr lang="en-US" altLang="zh-TW" sz="1500"/>
+                        <a:rPr lang="en-US" altLang="zh-TW" sz="2000" baseline="0" dirty="0"/>
                         <a:t>CRUD </a:t>
                       </a:r>
                       <a:r>
-                        <a:rPr lang="zh-TW" altLang="en-US" sz="1500"/>
+                        <a:rPr lang="zh-TW" altLang="en-US" sz="2000" baseline="0" dirty="0"/>
                         <a:t>訂單 </a:t>
                       </a:r>
                       <a:r>
-                        <a:rPr lang="en-US" altLang="zh-TW" sz="1500"/>
+                        <a:rPr lang="en-US" altLang="zh-TW" sz="2000" baseline="0" dirty="0"/>
                         <a:t>(</a:t>
                       </a:r>
                       <a:r>
-                        <a:rPr lang="zh-TW" altLang="en-US" sz="1500"/>
+                        <a:rPr lang="zh-TW" altLang="en-US" sz="2000" baseline="0" dirty="0"/>
                         <a:t>使用者、購物車、配送地址、總金額、狀態</a:t>
                       </a:r>
                       <a:r>
-                        <a:rPr lang="en-US" altLang="zh-TW" sz="1500"/>
+                        <a:rPr lang="en-US" altLang="zh-TW" sz="2000" baseline="0" dirty="0"/>
                         <a:t>)</a:t>
                       </a:r>
                     </a:p>
@@ -9220,19 +9909,19 @@
                     <a:lstStyle/>
                     <a:p>
                       <a:r>
-                        <a:rPr lang="zh-TW" altLang="en-US" sz="1500"/>
+                        <a:rPr lang="zh-TW" altLang="en-US" sz="2000" baseline="0" dirty="0"/>
                         <a:t>訂單</a:t>
                       </a:r>
                       <a:r>
-                        <a:rPr lang="en-US" sz="1500"/>
+                        <a:rPr lang="en-US" sz="2000" baseline="0" dirty="0"/>
                         <a:t>dao / </a:t>
                       </a:r>
                       <a:r>
-                        <a:rPr lang="zh-TW" altLang="en-US" sz="1500"/>
+                        <a:rPr lang="zh-TW" altLang="en-US" sz="2000" baseline="0" dirty="0"/>
                         <a:t>訂單</a:t>
                       </a:r>
                       <a:r>
-                        <a:rPr lang="en-US" sz="1500"/>
+                        <a:rPr lang="en-US" sz="2000" baseline="0" dirty="0"/>
                         <a:t>controller</a:t>
                       </a:r>
                     </a:p>
@@ -9258,17 +9947,17 @@
                   </a:ext>
                 </a:extLst>
               </a:tr>
-              <a:tr h="556241">
+              <a:tr h="667995">
                 <a:tc>
                   <a:txBody>
                     <a:bodyPr/>
                     <a:lstStyle/>
                     <a:p>
                       <a:r>
-                        <a:rPr lang="zh-TW" altLang="en-US" sz="1500" b="1"/>
+                        <a:rPr lang="zh-TW" altLang="en-US" sz="2000" b="1" dirty="0"/>
                         <a:t>分頁功能</a:t>
                       </a:r>
-                      <a:endParaRPr lang="zh-TW" altLang="en-US" sz="1500"/>
+                      <a:endParaRPr lang="zh-TW" altLang="en-US" sz="2000" dirty="0"/>
                     </a:p>
                   </a:txBody>
                   <a:tcPr marL="76107" marR="76107" marT="38053" marB="38053" anchor="ctr">
@@ -9292,15 +9981,15 @@
                     <a:lstStyle/>
                     <a:p>
                       <a:r>
-                        <a:rPr lang="zh-TW" altLang="en-US" sz="1500"/>
+                        <a:rPr lang="zh-TW" altLang="en-US" sz="2000"/>
                         <a:t>商品 </a:t>
                       </a:r>
                       <a:r>
-                        <a:rPr lang="en-US" altLang="zh-TW" sz="1500"/>
+                        <a:rPr lang="en-US" altLang="zh-TW" sz="2000"/>
                         <a:t>&amp; </a:t>
                       </a:r>
                       <a:r>
-                        <a:rPr lang="zh-TW" altLang="en-US" sz="1500"/>
+                        <a:rPr lang="zh-TW" altLang="en-US" sz="2000"/>
                         <a:t>訂單分頁、取得最大頁數</a:t>
                       </a:r>
                     </a:p>
@@ -9326,19 +10015,19 @@
                     <a:lstStyle/>
                     <a:p>
                       <a:r>
-                        <a:rPr lang="en-US" sz="1500" err="1"/>
+                        <a:rPr lang="en-US" sz="2000" dirty="0" err="1"/>
                         <a:t>dao.getPage</a:t>
                       </a:r>
                       <a:r>
-                        <a:rPr lang="en-US" sz="1500"/>
+                        <a:rPr lang="en-US" sz="2000" dirty="0"/>
                         <a:t>(), </a:t>
                       </a:r>
                       <a:r>
-                        <a:rPr lang="en-US" sz="1500" err="1"/>
+                        <a:rPr lang="en-US" sz="2000" dirty="0" err="1"/>
                         <a:t>dao.findMaxPage</a:t>
                       </a:r>
                       <a:r>
-                        <a:rPr lang="en-US" sz="1500"/>
+                        <a:rPr lang="en-US" sz="2000" dirty="0"/>
                         <a:t>()</a:t>
                       </a:r>
                     </a:p>
@@ -9381,192 +10070,6 @@
 </p:sld>
 </file>
 
-<file path=ppt/slides/slide18.xml><?xml version="1.0" encoding="utf-8"?>
-<p:sld xmlns:a="http://schemas.openxmlformats.org/drawingml/2006/main" xmlns:r="http://schemas.openxmlformats.org/officeDocument/2006/relationships" xmlns:p="http://schemas.openxmlformats.org/presentationml/2006/main">
-  <p:cSld>
-    <p:spTree>
-      <p:nvGrpSpPr>
-        <p:cNvPr id="1" name=""/>
-        <p:cNvGrpSpPr/>
-        <p:nvPr/>
-      </p:nvGrpSpPr>
-      <p:grpSpPr>
-        <a:xfrm>
-          <a:off x="0" y="0"/>
-          <a:ext cx="0" cy="0"/>
-          <a:chOff x="0" y="0"/>
-          <a:chExt cx="0" cy="0"/>
-        </a:xfrm>
-      </p:grpSpPr>
-      <p:sp>
-        <p:nvSpPr>
-          <p:cNvPr id="2" name="標題 1">
-            <a:extLst>
-              <a:ext uri="{FF2B5EF4-FFF2-40B4-BE49-F238E27FC236}">
-                <a16:creationId xmlns:a16="http://schemas.microsoft.com/office/drawing/2014/main" id="{827F246D-606F-21C1-D646-2AA1928F7E6D}"/>
-              </a:ext>
-            </a:extLst>
-          </p:cNvPr>
-          <p:cNvSpPr>
-            <a:spLocks noGrp="1"/>
-          </p:cNvSpPr>
-          <p:nvPr>
-            <p:ph type="title"/>
-          </p:nvPr>
-        </p:nvSpPr>
-        <p:spPr/>
-        <p:txBody>
-          <a:bodyPr>
-            <a:normAutofit/>
-          </a:bodyPr>
-          <a:lstStyle/>
-          <a:p>
-            <a:pPr algn="ctr"/>
-            <a:r>
-              <a:rPr lang="en-US" altLang="zh-TW" sz="4800" smtClean="0">
-                <a:solidFill>
-                  <a:schemeClr val="tx1"/>
-                </a:solidFill>
-              </a:rPr>
-              <a:t>API </a:t>
-            </a:r>
-            <a:r>
-              <a:rPr lang="zh-TW" altLang="en-US" sz="4800" smtClean="0">
-                <a:solidFill>
-                  <a:schemeClr val="tx1"/>
-                </a:solidFill>
-              </a:rPr>
-              <a:t>呼叫</a:t>
-            </a:r>
-            <a:endParaRPr lang="zh-TW" altLang="en-US" sz="4800">
-              <a:solidFill>
-                <a:schemeClr val="tx1"/>
-              </a:solidFill>
-            </a:endParaRPr>
-          </a:p>
-        </p:txBody>
-      </p:sp>
-      <p:sp>
-        <p:nvSpPr>
-          <p:cNvPr id="4" name="內容版面配置區 3">
-            <a:extLst>
-              <a:ext uri="{FF2B5EF4-FFF2-40B4-BE49-F238E27FC236}">
-                <a16:creationId xmlns:a16="http://schemas.microsoft.com/office/drawing/2014/main" id="{850260EB-1998-DFA2-29A9-A0E538F98EFF}"/>
-              </a:ext>
-            </a:extLst>
-          </p:cNvPr>
-          <p:cNvSpPr>
-            <a:spLocks noGrp="1"/>
-          </p:cNvSpPr>
-          <p:nvPr>
-            <p:ph sz="half" idx="2"/>
-          </p:nvPr>
-        </p:nvSpPr>
-        <p:spPr>
-          <a:xfrm>
-            <a:off x="5358579" y="1639479"/>
-            <a:ext cx="3915423" cy="3880773"/>
-          </a:xfrm>
-        </p:spPr>
-        <p:txBody>
-          <a:bodyPr/>
-          <a:lstStyle/>
-          <a:p>
-            <a:endParaRPr lang="zh-TW" altLang="en-US"/>
-          </a:p>
-        </p:txBody>
-      </p:sp>
-    </p:spTree>
-    <p:extLst>
-      <p:ext uri="{BB962C8B-B14F-4D97-AF65-F5344CB8AC3E}">
-        <p14:creationId xmlns:p14="http://schemas.microsoft.com/office/powerpoint/2010/main" val="478594570"/>
-      </p:ext>
-    </p:extLst>
-  </p:cSld>
-  <p:clrMapOvr>
-    <a:masterClrMapping/>
-  </p:clrMapOvr>
-</p:sld>
-</file>
-
-<file path=ppt/slides/slide19.xml><?xml version="1.0" encoding="utf-8"?>
-<p:sld xmlns:a="http://schemas.openxmlformats.org/drawingml/2006/main" xmlns:r="http://schemas.openxmlformats.org/officeDocument/2006/relationships" xmlns:p="http://schemas.openxmlformats.org/presentationml/2006/main">
-  <p:cSld>
-    <p:spTree>
-      <p:nvGrpSpPr>
-        <p:cNvPr id="1" name=""/>
-        <p:cNvGrpSpPr/>
-        <p:nvPr/>
-      </p:nvGrpSpPr>
-      <p:grpSpPr>
-        <a:xfrm>
-          <a:off x="0" y="0"/>
-          <a:ext cx="0" cy="0"/>
-          <a:chOff x="0" y="0"/>
-          <a:chExt cx="0" cy="0"/>
-        </a:xfrm>
-      </p:grpSpPr>
-      <p:sp>
-        <p:nvSpPr>
-          <p:cNvPr id="2" name="標題 1">
-            <a:extLst>
-              <a:ext uri="{FF2B5EF4-FFF2-40B4-BE49-F238E27FC236}">
-                <a16:creationId xmlns:a16="http://schemas.microsoft.com/office/drawing/2014/main" id="{23ABAC74-0804-713D-CD5B-10E3233E7B8E}"/>
-              </a:ext>
-            </a:extLst>
-          </p:cNvPr>
-          <p:cNvSpPr>
-            <a:spLocks noGrp="1"/>
-          </p:cNvSpPr>
-          <p:nvPr>
-            <p:ph type="title"/>
-          </p:nvPr>
-        </p:nvSpPr>
-        <p:spPr/>
-        <p:txBody>
-          <a:bodyPr>
-            <a:noAutofit/>
-          </a:bodyPr>
-          <a:lstStyle/>
-          <a:p>
-            <a:pPr algn="ctr"/>
-            <a:r>
-              <a:rPr lang="zh-TW" altLang="en-US" sz="8000">
-                <a:solidFill>
-                  <a:schemeClr val="tx1"/>
-                </a:solidFill>
-              </a:rPr>
-              <a:t>結論</a:t>
-            </a:r>
-            <a:r>
-              <a:rPr lang="en-US" altLang="zh-TW" sz="8000">
-                <a:solidFill>
-                  <a:schemeClr val="tx1"/>
-                </a:solidFill>
-              </a:rPr>
-              <a:t>:</a:t>
-            </a:r>
-            <a:endParaRPr lang="zh-TW" altLang="en-US" sz="8000">
-              <a:solidFill>
-                <a:schemeClr val="tx1"/>
-              </a:solidFill>
-            </a:endParaRPr>
-          </a:p>
-        </p:txBody>
-      </p:sp>
-    </p:spTree>
-    <p:extLst>
-      <p:ext uri="{BB962C8B-B14F-4D97-AF65-F5344CB8AC3E}">
-        <p14:creationId xmlns:p14="http://schemas.microsoft.com/office/powerpoint/2010/main" val="1059693464"/>
-      </p:ext>
-    </p:extLst>
-  </p:cSld>
-  <p:clrMapOvr>
-    <a:masterClrMapping/>
-  </p:clrMapOvr>
-</p:sld>
-</file>
-
 <file path=ppt/slides/slide2.xml><?xml version="1.0" encoding="utf-8"?>
 <p:sld xmlns:a="http://schemas.openxmlformats.org/drawingml/2006/main" xmlns:r="http://schemas.openxmlformats.org/officeDocument/2006/relationships" xmlns:p="http://schemas.openxmlformats.org/presentationml/2006/main">
   <p:cSld>
@@ -9609,19 +10112,15 @@
           <a:p>
             <a:pPr algn="ctr"/>
             <a:r>
-              <a:rPr lang="zh-TW" altLang="en-US" sz="4000" smtClean="0"/>
+              <a:rPr lang="zh-TW" altLang="en-US" sz="4000"/>
               <a:t>個人智慧服裝線上商務平台大綱</a:t>
             </a:r>
             <a:r>
-              <a:rPr lang="en-US" altLang="zh-TW" sz="4000" smtClean="0"/>
+              <a:rPr lang="en-US" altLang="zh-TW" sz="4000"/>
               <a:t>:</a:t>
             </a:r>
-            <a:r>
-              <a:rPr lang="zh-TW" altLang="en-US" sz="4000" smtClean="0"/>
-              <a:t/>
-            </a:r>
             <a:br>
-              <a:rPr lang="zh-TW" altLang="en-US" sz="4000" smtClean="0"/>
+              <a:rPr lang="zh-TW" altLang="en-US" sz="4000"/>
             </a:br>
             <a:endParaRPr lang="zh-TW" altLang="en-US" sz="4000"/>
           </a:p>
@@ -9641,8 +10140,8 @@
         </p:nvSpPr>
         <p:spPr>
           <a:xfrm>
-            <a:off x="2352325" y="1650330"/>
-            <a:ext cx="6558116" cy="3477875"/>
+            <a:off x="2519473" y="1640498"/>
+            <a:ext cx="5454488" cy="4154984"/>
           </a:xfrm>
           <a:prstGeom prst="rect">
             <a:avLst/>
@@ -9686,61 +10185,61 @@
           <a:lstStyle/>
           <a:p>
             <a:r>
-              <a:rPr lang="en-US" altLang="zh-TW" sz="4400"/>
+              <a:rPr lang="en-US" altLang="zh-TW" sz="4400" dirty="0"/>
               <a:t>1.</a:t>
             </a:r>
             <a:r>
-              <a:rPr lang="zh-TW" altLang="en-US" sz="4400"/>
+              <a:rPr lang="zh-TW" altLang="en-US" sz="4400" dirty="0"/>
               <a:t>專案介紹</a:t>
             </a:r>
-            <a:endParaRPr lang="en-US" altLang="zh-TW" sz="4400"/>
-          </a:p>
-          <a:p>
-            <a:r>
-              <a:rPr lang="en-US" altLang="zh-TW" sz="4400"/>
+            <a:endParaRPr lang="en-US" altLang="zh-TW" sz="4400" dirty="0"/>
+          </a:p>
+          <a:p>
+            <a:r>
+              <a:rPr lang="en-US" altLang="zh-TW" sz="4400" dirty="0"/>
               <a:t>2.</a:t>
             </a:r>
             <a:r>
-              <a:rPr lang="zh-TW" altLang="en-US" sz="4400"/>
+              <a:rPr lang="zh-TW" altLang="en-US" sz="4400" dirty="0"/>
               <a:t>系統功能說明</a:t>
             </a:r>
-            <a:endParaRPr lang="en-US" altLang="zh-TW" sz="4400"/>
-          </a:p>
-          <a:p>
-            <a:r>
-              <a:rPr lang="en-US" altLang="zh-TW" sz="4400"/>
+            <a:endParaRPr lang="en-US" altLang="zh-TW" sz="4400" dirty="0"/>
+          </a:p>
+          <a:p>
+            <a:r>
+              <a:rPr lang="en-US" altLang="zh-TW" sz="4400" dirty="0"/>
               <a:t>3.</a:t>
             </a:r>
             <a:r>
-              <a:rPr lang="zh-TW" altLang="en-US" sz="4400"/>
+              <a:rPr lang="zh-TW" altLang="en-US" sz="4400" dirty="0"/>
               <a:t>資料庫模型圖</a:t>
             </a:r>
-            <a:endParaRPr lang="en-US" altLang="zh-TW" sz="4400"/>
-          </a:p>
-          <a:p>
-            <a:r>
-              <a:rPr lang="en-US" altLang="zh-TW" sz="4400"/>
+            <a:endParaRPr lang="en-US" altLang="zh-TW" sz="4400" dirty="0"/>
+          </a:p>
+          <a:p>
+            <a:r>
+              <a:rPr lang="en-US" altLang="zh-TW" sz="4400" dirty="0"/>
               <a:t>4.</a:t>
             </a:r>
             <a:r>
-              <a:rPr lang="zh-TW" altLang="en-US" sz="4400"/>
-              <a:t>前端介紹</a:t>
-            </a:r>
-            <a:r>
-              <a:rPr lang="en-US" altLang="zh-TW" sz="4400"/>
-              <a:t/>
+              <a:rPr lang="zh-TW" altLang="en-US" sz="4400" dirty="0"/>
+              <a:t>前端架構</a:t>
             </a:r>
             <a:br>
-              <a:rPr lang="en-US" altLang="zh-TW" sz="4400"/>
+              <a:rPr lang="en-US" altLang="zh-TW" sz="4400" dirty="0"/>
             </a:br>
             <a:r>
-              <a:rPr lang="en-US" altLang="zh-TW" sz="4400"/>
+              <a:rPr lang="en-US" altLang="zh-TW" sz="4400" dirty="0"/>
               <a:t>5.</a:t>
             </a:r>
             <a:r>
-              <a:rPr lang="zh-TW" altLang="en-US" sz="4400"/>
-              <a:t>後端介紹</a:t>
-            </a:r>
+              <a:rPr lang="zh-TW" altLang="en-US" sz="4400" dirty="0"/>
+              <a:t>後端架構</a:t>
+            </a:r>
+            <a:endParaRPr lang="en-US" altLang="zh-TW" sz="4400" dirty="0"/>
+          </a:p>
+          <a:p>
+            <a:endParaRPr lang="zh-TW" altLang="en-US" sz="4400" dirty="0"/>
           </a:p>
         </p:txBody>
       </p:sp>
@@ -9748,6 +10247,871 @@
     <p:extLst>
       <p:ext uri="{BB962C8B-B14F-4D97-AF65-F5344CB8AC3E}">
         <p14:creationId xmlns:p14="http://schemas.microsoft.com/office/powerpoint/2010/main" val="2535069855"/>
+      </p:ext>
+    </p:extLst>
+  </p:cSld>
+  <p:clrMapOvr>
+    <a:masterClrMapping/>
+  </p:clrMapOvr>
+</p:sld>
+</file>
+
+<file path=ppt/slides/slide20.xml><?xml version="1.0" encoding="utf-8"?>
+<p:sld xmlns:a="http://schemas.openxmlformats.org/drawingml/2006/main" xmlns:r="http://schemas.openxmlformats.org/officeDocument/2006/relationships" xmlns:p="http://schemas.openxmlformats.org/presentationml/2006/main">
+  <p:cSld>
+    <p:spTree>
+      <p:nvGrpSpPr>
+        <p:cNvPr id="1" name=""/>
+        <p:cNvGrpSpPr/>
+        <p:nvPr/>
+      </p:nvGrpSpPr>
+      <p:grpSpPr>
+        <a:xfrm>
+          <a:off x="0" y="0"/>
+          <a:ext cx="0" cy="0"/>
+          <a:chOff x="0" y="0"/>
+          <a:chExt cx="0" cy="0"/>
+        </a:xfrm>
+      </p:grpSpPr>
+      <p:sp>
+        <p:nvSpPr>
+          <p:cNvPr id="2" name="標題 1">
+            <a:extLst>
+              <a:ext uri="{FF2B5EF4-FFF2-40B4-BE49-F238E27FC236}">
+                <a16:creationId xmlns:a16="http://schemas.microsoft.com/office/drawing/2014/main" id="{827F246D-606F-21C1-D646-2AA1928F7E6D}"/>
+              </a:ext>
+            </a:extLst>
+          </p:cNvPr>
+          <p:cNvSpPr>
+            <a:spLocks noGrp="1"/>
+          </p:cNvSpPr>
+          <p:nvPr>
+            <p:ph type="title"/>
+          </p:nvPr>
+        </p:nvSpPr>
+        <p:spPr/>
+        <p:txBody>
+          <a:bodyPr>
+            <a:normAutofit/>
+          </a:bodyPr>
+          <a:lstStyle/>
+          <a:p>
+            <a:pPr algn="ctr"/>
+            <a:r>
+              <a:rPr lang="en-US" altLang="zh-TW" sz="4800">
+                <a:solidFill>
+                  <a:schemeClr val="tx1"/>
+                </a:solidFill>
+              </a:rPr>
+              <a:t>API </a:t>
+            </a:r>
+            <a:r>
+              <a:rPr lang="zh-TW" altLang="en-US" sz="4800">
+                <a:solidFill>
+                  <a:schemeClr val="tx1"/>
+                </a:solidFill>
+              </a:rPr>
+              <a:t>呼叫</a:t>
+            </a:r>
+          </a:p>
+        </p:txBody>
+      </p:sp>
+      <p:sp>
+        <p:nvSpPr>
+          <p:cNvPr id="4" name="內容版面配置區 3">
+            <a:extLst>
+              <a:ext uri="{FF2B5EF4-FFF2-40B4-BE49-F238E27FC236}">
+                <a16:creationId xmlns:a16="http://schemas.microsoft.com/office/drawing/2014/main" id="{850260EB-1998-DFA2-29A9-A0E538F98EFF}"/>
+              </a:ext>
+            </a:extLst>
+          </p:cNvPr>
+          <p:cNvSpPr>
+            <a:spLocks noGrp="1"/>
+          </p:cNvSpPr>
+          <p:nvPr>
+            <p:ph sz="half" idx="2"/>
+          </p:nvPr>
+        </p:nvSpPr>
+        <p:spPr>
+          <a:xfrm>
+            <a:off x="5358579" y="1639479"/>
+            <a:ext cx="3915423" cy="3880773"/>
+          </a:xfrm>
+        </p:spPr>
+        <p:txBody>
+          <a:bodyPr/>
+          <a:lstStyle/>
+          <a:p>
+            <a:endParaRPr lang="zh-TW" altLang="en-US"/>
+          </a:p>
+        </p:txBody>
+      </p:sp>
+    </p:spTree>
+    <p:extLst>
+      <p:ext uri="{BB962C8B-B14F-4D97-AF65-F5344CB8AC3E}">
+        <p14:creationId xmlns:p14="http://schemas.microsoft.com/office/powerpoint/2010/main" val="478594570"/>
+      </p:ext>
+    </p:extLst>
+  </p:cSld>
+  <p:clrMapOvr>
+    <a:masterClrMapping/>
+  </p:clrMapOvr>
+</p:sld>
+</file>
+
+<file path=ppt/slides/slide21.xml><?xml version="1.0" encoding="utf-8"?>
+<p:sld xmlns:a="http://schemas.openxmlformats.org/drawingml/2006/main" xmlns:r="http://schemas.openxmlformats.org/officeDocument/2006/relationships" xmlns:p="http://schemas.openxmlformats.org/presentationml/2006/main">
+  <p:cSld>
+    <p:spTree>
+      <p:nvGrpSpPr>
+        <p:cNvPr id="1" name=""/>
+        <p:cNvGrpSpPr/>
+        <p:nvPr/>
+      </p:nvGrpSpPr>
+      <p:grpSpPr>
+        <a:xfrm>
+          <a:off x="0" y="0"/>
+          <a:ext cx="0" cy="0"/>
+          <a:chOff x="0" y="0"/>
+          <a:chExt cx="0" cy="0"/>
+        </a:xfrm>
+      </p:grpSpPr>
+      <p:sp>
+        <p:nvSpPr>
+          <p:cNvPr id="2" name="標題 1">
+            <a:extLst>
+              <a:ext uri="{FF2B5EF4-FFF2-40B4-BE49-F238E27FC236}">
+                <a16:creationId xmlns:a16="http://schemas.microsoft.com/office/drawing/2014/main" id="{23ABAC74-0804-713D-CD5B-10E3233E7B8E}"/>
+              </a:ext>
+            </a:extLst>
+          </p:cNvPr>
+          <p:cNvSpPr>
+            <a:spLocks noGrp="1"/>
+          </p:cNvSpPr>
+          <p:nvPr>
+            <p:ph type="title"/>
+          </p:nvPr>
+        </p:nvSpPr>
+        <p:spPr/>
+        <p:txBody>
+          <a:bodyPr>
+            <a:noAutofit/>
+          </a:bodyPr>
+          <a:lstStyle/>
+          <a:p>
+            <a:pPr algn="ctr"/>
+            <a:r>
+              <a:rPr lang="zh-TW" altLang="en-US" sz="7200" dirty="0">
+                <a:solidFill>
+                  <a:schemeClr val="tx1"/>
+                </a:solidFill>
+              </a:rPr>
+              <a:t>結論</a:t>
+            </a:r>
+            <a:r>
+              <a:rPr lang="en-US" altLang="zh-TW" sz="7200" dirty="0">
+                <a:solidFill>
+                  <a:schemeClr val="tx1"/>
+                </a:solidFill>
+              </a:rPr>
+              <a:t>:</a:t>
+            </a:r>
+            <a:endParaRPr lang="zh-TW" altLang="en-US" sz="7200" dirty="0">
+              <a:solidFill>
+                <a:schemeClr val="tx1"/>
+              </a:solidFill>
+            </a:endParaRPr>
+          </a:p>
+        </p:txBody>
+      </p:sp>
+    </p:spTree>
+    <p:extLst>
+      <p:ext uri="{BB962C8B-B14F-4D97-AF65-F5344CB8AC3E}">
+        <p14:creationId xmlns:p14="http://schemas.microsoft.com/office/powerpoint/2010/main" val="1059693464"/>
+      </p:ext>
+    </p:extLst>
+  </p:cSld>
+  <p:clrMapOvr>
+    <a:masterClrMapping/>
+  </p:clrMapOvr>
+</p:sld>
+</file>
+
+<file path=ppt/slides/slide22.xml><?xml version="1.0" encoding="utf-8"?>
+<p:sld xmlns:a="http://schemas.openxmlformats.org/drawingml/2006/main" xmlns:r="http://schemas.openxmlformats.org/officeDocument/2006/relationships" xmlns:p="http://schemas.openxmlformats.org/presentationml/2006/main">
+  <p:cSld>
+    <p:spTree>
+      <p:nvGrpSpPr>
+        <p:cNvPr id="1" name=""/>
+        <p:cNvGrpSpPr/>
+        <p:nvPr/>
+      </p:nvGrpSpPr>
+      <p:grpSpPr>
+        <a:xfrm>
+          <a:off x="0" y="0"/>
+          <a:ext cx="0" cy="0"/>
+          <a:chOff x="0" y="0"/>
+          <a:chExt cx="0" cy="0"/>
+        </a:xfrm>
+      </p:grpSpPr>
+      <p:sp>
+        <p:nvSpPr>
+          <p:cNvPr id="2" name="標題 1">
+            <a:extLst>
+              <a:ext uri="{FF2B5EF4-FFF2-40B4-BE49-F238E27FC236}">
+                <a16:creationId xmlns:a16="http://schemas.microsoft.com/office/drawing/2014/main" id="{BC287F77-F26A-C3A0-D5EB-4B75EDABF952}"/>
+              </a:ext>
+            </a:extLst>
+          </p:cNvPr>
+          <p:cNvSpPr>
+            <a:spLocks noGrp="1"/>
+          </p:cNvSpPr>
+          <p:nvPr>
+            <p:ph type="title"/>
+          </p:nvPr>
+        </p:nvSpPr>
+        <p:spPr>
+          <a:xfrm>
+            <a:off x="677334" y="609600"/>
+            <a:ext cx="8596668" cy="3038168"/>
+          </a:xfrm>
+        </p:spPr>
+        <p:txBody>
+          <a:bodyPr>
+            <a:normAutofit/>
+          </a:bodyPr>
+          <a:lstStyle/>
+          <a:p>
+            <a:r>
+              <a:rPr lang="zh-TW" altLang="en-US" sz="2400" dirty="0">
+                <a:solidFill>
+                  <a:schemeClr val="tx1"/>
+                </a:solidFill>
+              </a:rPr>
+              <a:t>組員分工</a:t>
+            </a:r>
+            <a:r>
+              <a:rPr lang="en-US" altLang="zh-TW" sz="2400" dirty="0">
+                <a:solidFill>
+                  <a:schemeClr val="tx1"/>
+                </a:solidFill>
+              </a:rPr>
+              <a:t>:</a:t>
+            </a:r>
+            <a:br>
+              <a:rPr lang="en-US" altLang="zh-TW" sz="2400" dirty="0">
+                <a:solidFill>
+                  <a:schemeClr val="tx1"/>
+                </a:solidFill>
+              </a:rPr>
+            </a:br>
+            <a:r>
+              <a:rPr lang="en-US" altLang="zh-TW" sz="2400" dirty="0">
+                <a:solidFill>
+                  <a:schemeClr val="tx1"/>
+                </a:solidFill>
+              </a:rPr>
+              <a:t>       </a:t>
+            </a:r>
+            <a:r>
+              <a:rPr lang="zh-TW" altLang="en-US" sz="2400" dirty="0">
+                <a:solidFill>
+                  <a:schemeClr val="tx1"/>
+                </a:solidFill>
+              </a:rPr>
+              <a:t> </a:t>
+            </a:r>
+            <a:r>
+              <a:rPr lang="zh-TW" altLang="en-US" sz="2000" dirty="0">
+                <a:solidFill>
+                  <a:schemeClr val="tx1"/>
+                </a:solidFill>
+              </a:rPr>
+              <a:t>翁嘉卿</a:t>
+            </a:r>
+            <a:r>
+              <a:rPr lang="en-US" altLang="zh-TW" sz="2000" dirty="0">
+                <a:solidFill>
+                  <a:schemeClr val="tx1"/>
+                </a:solidFill>
+                <a:sym typeface="Wingdings" panose="05000000000000000000" pitchFamily="2" charset="2"/>
+              </a:rPr>
+              <a:t>:(</a:t>
+            </a:r>
+            <a:r>
+              <a:rPr lang="zh-TW" altLang="en-US" sz="2000" dirty="0">
+                <a:solidFill>
+                  <a:schemeClr val="tx1"/>
+                </a:solidFill>
+                <a:sym typeface="Wingdings" panose="05000000000000000000" pitchFamily="2" charset="2"/>
+              </a:rPr>
+              <a:t>前</a:t>
+            </a:r>
+            <a:r>
+              <a:rPr lang="zh-TW" altLang="en-US" sz="2000" dirty="0">
+                <a:solidFill>
+                  <a:schemeClr val="tx1"/>
+                </a:solidFill>
+              </a:rPr>
+              <a:t>端</a:t>
+            </a:r>
+            <a:r>
+              <a:rPr lang="en-US" altLang="zh-TW" sz="2000" dirty="0">
+                <a:solidFill>
+                  <a:schemeClr val="tx1"/>
+                </a:solidFill>
+                <a:sym typeface="Wingdings" panose="05000000000000000000" pitchFamily="2" charset="2"/>
+              </a:rPr>
+              <a:t>)</a:t>
+            </a:r>
+            <a:r>
+              <a:rPr lang="zh-TW" altLang="en-US" sz="2000" dirty="0">
+                <a:solidFill>
+                  <a:schemeClr val="tx1"/>
+                </a:solidFill>
+                <a:sym typeface="Wingdings" panose="05000000000000000000" pitchFamily="2" charset="2"/>
+              </a:rPr>
+              <a:t> 登入頁面</a:t>
+            </a:r>
+            <a:r>
+              <a:rPr lang="en-US" altLang="zh-TW" sz="2000" dirty="0">
+                <a:solidFill>
+                  <a:schemeClr val="tx1"/>
+                </a:solidFill>
+                <a:sym typeface="Wingdings" panose="05000000000000000000" pitchFamily="2" charset="2"/>
+              </a:rPr>
+              <a:t>,</a:t>
+            </a:r>
+            <a:r>
+              <a:rPr lang="zh-TW" altLang="en-US" sz="2000" dirty="0">
+                <a:solidFill>
+                  <a:schemeClr val="tx1"/>
+                </a:solidFill>
+                <a:sym typeface="Wingdings" panose="05000000000000000000" pitchFamily="2" charset="2"/>
+              </a:rPr>
+              <a:t>註冊頁面</a:t>
+            </a:r>
+            <a:r>
+              <a:rPr lang="en-US" altLang="zh-TW" sz="2000" dirty="0">
+                <a:solidFill>
+                  <a:schemeClr val="tx1"/>
+                </a:solidFill>
+                <a:sym typeface="Wingdings" panose="05000000000000000000" pitchFamily="2" charset="2"/>
+              </a:rPr>
+              <a:t>,</a:t>
+            </a:r>
+            <a:r>
+              <a:rPr lang="zh-TW" altLang="en-US" sz="2000" dirty="0">
+                <a:solidFill>
+                  <a:schemeClr val="tx1"/>
+                </a:solidFill>
+                <a:sym typeface="Wingdings" panose="05000000000000000000" pitchFamily="2" charset="2"/>
+              </a:rPr>
+              <a:t>商品首頁</a:t>
+            </a:r>
+            <a:r>
+              <a:rPr lang="en-US" altLang="zh-TW" sz="2000" dirty="0">
+                <a:solidFill>
+                  <a:schemeClr val="tx1"/>
+                </a:solidFill>
+                <a:sym typeface="Wingdings" panose="05000000000000000000" pitchFamily="2" charset="2"/>
+              </a:rPr>
+              <a:t>,PPT</a:t>
+            </a:r>
+            <a:br>
+              <a:rPr lang="en-US" altLang="zh-TW" sz="2000" dirty="0">
+                <a:solidFill>
+                  <a:schemeClr val="tx1"/>
+                </a:solidFill>
+              </a:rPr>
+            </a:br>
+            <a:r>
+              <a:rPr lang="zh-TW" altLang="en-US" sz="2000" dirty="0">
+                <a:solidFill>
+                  <a:schemeClr val="tx1"/>
+                </a:solidFill>
+              </a:rPr>
+              <a:t>          郭玟君</a:t>
+            </a:r>
+            <a:r>
+              <a:rPr lang="en-US" altLang="zh-TW" sz="2000" dirty="0">
+                <a:solidFill>
+                  <a:schemeClr val="tx1"/>
+                </a:solidFill>
+              </a:rPr>
+              <a:t>:</a:t>
+            </a:r>
+            <a:r>
+              <a:rPr lang="en-US" altLang="zh-TW" sz="2000" dirty="0">
+                <a:solidFill>
+                  <a:schemeClr val="tx1"/>
+                </a:solidFill>
+                <a:sym typeface="Wingdings" panose="05000000000000000000" pitchFamily="2" charset="2"/>
+              </a:rPr>
+              <a:t>(</a:t>
+            </a:r>
+            <a:r>
+              <a:rPr lang="zh-TW" altLang="en-US" sz="2000" dirty="0">
+                <a:solidFill>
+                  <a:schemeClr val="tx1"/>
+                </a:solidFill>
+                <a:sym typeface="Wingdings" panose="05000000000000000000" pitchFamily="2" charset="2"/>
+              </a:rPr>
+              <a:t>前</a:t>
+            </a:r>
+            <a:r>
+              <a:rPr lang="zh-TW" altLang="en-US" sz="2000" dirty="0">
+                <a:solidFill>
+                  <a:schemeClr val="tx1"/>
+                </a:solidFill>
+              </a:rPr>
+              <a:t>端</a:t>
+            </a:r>
+            <a:r>
+              <a:rPr lang="en-US" altLang="zh-TW" sz="2000" dirty="0">
+                <a:solidFill>
+                  <a:schemeClr val="tx1"/>
+                </a:solidFill>
+                <a:sym typeface="Wingdings" panose="05000000000000000000" pitchFamily="2" charset="2"/>
+              </a:rPr>
+              <a:t>)</a:t>
+            </a:r>
+            <a:r>
+              <a:rPr lang="zh-TW" altLang="en-US" sz="2000" dirty="0">
+                <a:solidFill>
+                  <a:schemeClr val="tx1"/>
+                </a:solidFill>
+                <a:sym typeface="Wingdings" panose="05000000000000000000" pitchFamily="2" charset="2"/>
+              </a:rPr>
+              <a:t> 購物車頁面</a:t>
+            </a:r>
+            <a:r>
+              <a:rPr lang="en-US" altLang="zh-TW" sz="2000" dirty="0">
+                <a:solidFill>
+                  <a:schemeClr val="tx1"/>
+                </a:solidFill>
+                <a:sym typeface="Wingdings" panose="05000000000000000000" pitchFamily="2" charset="2"/>
+              </a:rPr>
+              <a:t>,</a:t>
+            </a:r>
+            <a:r>
+              <a:rPr lang="zh-TW" altLang="en-US" sz="2000" dirty="0">
+                <a:solidFill>
+                  <a:schemeClr val="tx1"/>
+                </a:solidFill>
+                <a:sym typeface="Wingdings" panose="05000000000000000000" pitchFamily="2" charset="2"/>
+              </a:rPr>
+              <a:t>結帳頁面</a:t>
+            </a:r>
+            <a:r>
+              <a:rPr lang="en-US" altLang="zh-TW" sz="2000" dirty="0">
+                <a:solidFill>
+                  <a:schemeClr val="tx1"/>
+                </a:solidFill>
+                <a:sym typeface="Wingdings" panose="05000000000000000000" pitchFamily="2" charset="2"/>
+              </a:rPr>
+              <a:t>,</a:t>
+            </a:r>
+            <a:r>
+              <a:rPr lang="zh-TW" altLang="en-US" sz="2000" dirty="0">
+                <a:solidFill>
+                  <a:schemeClr val="tx1"/>
+                </a:solidFill>
+                <a:sym typeface="Wingdings" panose="05000000000000000000" pitchFamily="2" charset="2"/>
+              </a:rPr>
+              <a:t>訂單完成頁面</a:t>
+            </a:r>
+            <a:r>
+              <a:rPr lang="en-US" altLang="zh-TW" sz="2000" dirty="0">
+                <a:solidFill>
+                  <a:schemeClr val="tx1"/>
+                </a:solidFill>
+                <a:sym typeface="Wingdings" panose="05000000000000000000" pitchFamily="2" charset="2"/>
+              </a:rPr>
+              <a:t>,</a:t>
+            </a:r>
+            <a:r>
+              <a:rPr lang="zh-TW" altLang="en-US" sz="2000" dirty="0">
+                <a:solidFill>
+                  <a:schemeClr val="tx1"/>
+                </a:solidFill>
+                <a:sym typeface="Wingdings" panose="05000000000000000000" pitchFamily="2" charset="2"/>
+              </a:rPr>
+              <a:t>訂單查詢</a:t>
+            </a:r>
+            <a:br>
+              <a:rPr lang="en-US" altLang="zh-TW" sz="2000" dirty="0">
+                <a:solidFill>
+                  <a:schemeClr val="tx1"/>
+                </a:solidFill>
+                <a:sym typeface="Wingdings" panose="05000000000000000000" pitchFamily="2" charset="2"/>
+              </a:rPr>
+            </a:br>
+            <a:r>
+              <a:rPr lang="en-US" altLang="zh-TW" sz="2000" dirty="0">
+                <a:solidFill>
+                  <a:schemeClr val="tx1"/>
+                </a:solidFill>
+                <a:sym typeface="Wingdings" panose="05000000000000000000" pitchFamily="2" charset="2"/>
+              </a:rPr>
+              <a:t>                               </a:t>
+            </a:r>
+            <a:r>
+              <a:rPr lang="zh-TW" altLang="en-US" sz="2000" dirty="0">
+                <a:solidFill>
+                  <a:schemeClr val="tx1"/>
+                </a:solidFill>
+                <a:sym typeface="Wingdings" panose="05000000000000000000" pitchFamily="2" charset="2"/>
+              </a:rPr>
+              <a:t>頁面</a:t>
+            </a:r>
+            <a:r>
+              <a:rPr lang="en-US" altLang="zh-TW" sz="2000" dirty="0">
+                <a:solidFill>
+                  <a:schemeClr val="tx1"/>
+                </a:solidFill>
+                <a:sym typeface="Wingdings" panose="05000000000000000000" pitchFamily="2" charset="2"/>
+              </a:rPr>
+              <a:t>,PPT</a:t>
+            </a:r>
+            <a:r>
+              <a:rPr lang="zh-TW" altLang="en-US" sz="2000" dirty="0">
+                <a:solidFill>
+                  <a:schemeClr val="tx1"/>
+                </a:solidFill>
+                <a:sym typeface="Wingdings" panose="05000000000000000000" pitchFamily="2" charset="2"/>
+              </a:rPr>
+              <a:t> </a:t>
+            </a:r>
+            <a:br>
+              <a:rPr lang="en-US" altLang="zh-TW" sz="2000" dirty="0">
+                <a:solidFill>
+                  <a:schemeClr val="tx1"/>
+                </a:solidFill>
+              </a:rPr>
+            </a:br>
+            <a:r>
+              <a:rPr lang="zh-TW" altLang="en-US" sz="2000" dirty="0">
+                <a:solidFill>
+                  <a:schemeClr val="tx1"/>
+                </a:solidFill>
+              </a:rPr>
+              <a:t>          賴尚志</a:t>
+            </a:r>
+            <a:r>
+              <a:rPr lang="en-US" altLang="zh-TW" sz="2000" dirty="0">
+                <a:solidFill>
+                  <a:schemeClr val="tx1"/>
+                </a:solidFill>
+              </a:rPr>
+              <a:t>:</a:t>
+            </a:r>
+            <a:r>
+              <a:rPr lang="en-US" altLang="zh-TW" sz="2000" dirty="0">
+                <a:solidFill>
+                  <a:schemeClr val="tx1"/>
+                </a:solidFill>
+                <a:sym typeface="Wingdings" panose="05000000000000000000" pitchFamily="2" charset="2"/>
+              </a:rPr>
+              <a:t>(</a:t>
+            </a:r>
+            <a:r>
+              <a:rPr lang="zh-TW" altLang="en-US" sz="2000" dirty="0">
+                <a:solidFill>
+                  <a:schemeClr val="tx1"/>
+                </a:solidFill>
+                <a:sym typeface="Wingdings" panose="05000000000000000000" pitchFamily="2" charset="2"/>
+              </a:rPr>
+              <a:t>前</a:t>
+            </a:r>
+            <a:r>
+              <a:rPr lang="zh-TW" altLang="en-US" sz="2000" dirty="0">
+                <a:solidFill>
+                  <a:schemeClr val="tx1"/>
+                </a:solidFill>
+              </a:rPr>
+              <a:t>端</a:t>
+            </a:r>
+            <a:r>
+              <a:rPr lang="en-US" altLang="zh-TW" sz="2000" dirty="0">
+                <a:solidFill>
+                  <a:schemeClr val="tx1"/>
+                </a:solidFill>
+                <a:sym typeface="Wingdings" panose="05000000000000000000" pitchFamily="2" charset="2"/>
+              </a:rPr>
+              <a:t>)</a:t>
+            </a:r>
+            <a:r>
+              <a:rPr lang="zh-TW" altLang="en-US" sz="2000" dirty="0">
+                <a:solidFill>
+                  <a:schemeClr val="tx1"/>
+                </a:solidFill>
+                <a:sym typeface="Wingdings" panose="05000000000000000000" pitchFamily="2" charset="2"/>
+              </a:rPr>
+              <a:t> 商品介紹頁面</a:t>
+            </a:r>
+            <a:r>
+              <a:rPr lang="en-US" altLang="zh-TW" sz="2000" dirty="0">
+                <a:solidFill>
+                  <a:schemeClr val="tx1"/>
+                </a:solidFill>
+                <a:sym typeface="Wingdings" panose="05000000000000000000" pitchFamily="2" charset="2"/>
+              </a:rPr>
+              <a:t>,</a:t>
+            </a:r>
+            <a:r>
+              <a:rPr lang="zh-TW" altLang="en-US" sz="2000" dirty="0">
+                <a:solidFill>
+                  <a:schemeClr val="tx1"/>
+                </a:solidFill>
+                <a:sym typeface="Wingdings" panose="05000000000000000000" pitchFamily="2" charset="2"/>
+              </a:rPr>
+              <a:t>會員中心頁面</a:t>
+            </a:r>
+            <a:r>
+              <a:rPr lang="en-US" altLang="zh-TW" sz="2000" dirty="0">
+                <a:solidFill>
+                  <a:schemeClr val="tx1"/>
+                </a:solidFill>
+                <a:sym typeface="Wingdings" panose="05000000000000000000" pitchFamily="2" charset="2"/>
+              </a:rPr>
+              <a:t>,</a:t>
+            </a:r>
+            <a:r>
+              <a:rPr lang="zh-TW" altLang="en-US" sz="2000" dirty="0">
+                <a:solidFill>
+                  <a:schemeClr val="tx1"/>
+                </a:solidFill>
+                <a:sym typeface="Wingdings" panose="05000000000000000000" pitchFamily="2" charset="2"/>
+              </a:rPr>
+              <a:t>商品上架頁面</a:t>
+            </a:r>
+            <a:r>
+              <a:rPr lang="en-US" altLang="zh-TW" sz="2000" dirty="0">
+                <a:solidFill>
+                  <a:schemeClr val="tx1"/>
+                </a:solidFill>
+                <a:sym typeface="Wingdings" panose="05000000000000000000" pitchFamily="2" charset="2"/>
+              </a:rPr>
+              <a:t>,</a:t>
+            </a:r>
+            <a:r>
+              <a:rPr lang="zh-TW" altLang="en-US" sz="2000" dirty="0">
+                <a:solidFill>
+                  <a:schemeClr val="tx1"/>
+                </a:solidFill>
+                <a:sym typeface="Wingdings" panose="05000000000000000000" pitchFamily="2" charset="2"/>
+              </a:rPr>
+              <a:t>上台報告</a:t>
+            </a:r>
+            <a:br>
+              <a:rPr lang="en-US" altLang="zh-TW" sz="2000" dirty="0">
+                <a:solidFill>
+                  <a:schemeClr val="tx1"/>
+                </a:solidFill>
+              </a:rPr>
+            </a:br>
+            <a:r>
+              <a:rPr lang="zh-TW" altLang="en-US" sz="2000" dirty="0">
+                <a:solidFill>
+                  <a:schemeClr val="tx1"/>
+                </a:solidFill>
+              </a:rPr>
+              <a:t>          林冠志</a:t>
+            </a:r>
+            <a:r>
+              <a:rPr lang="en-US" altLang="zh-TW" sz="2000" dirty="0">
+                <a:solidFill>
+                  <a:schemeClr val="tx1"/>
+                </a:solidFill>
+                <a:sym typeface="Wingdings" panose="05000000000000000000" pitchFamily="2" charset="2"/>
+              </a:rPr>
+              <a:t>:(</a:t>
+            </a:r>
+            <a:r>
+              <a:rPr lang="zh-TW" altLang="en-US" sz="2000" dirty="0">
+                <a:solidFill>
+                  <a:schemeClr val="tx1"/>
+                </a:solidFill>
+                <a:sym typeface="Wingdings" panose="05000000000000000000" pitchFamily="2" charset="2"/>
+              </a:rPr>
+              <a:t>後端</a:t>
+            </a:r>
+            <a:r>
+              <a:rPr lang="en-US" altLang="zh-TW" sz="2000" dirty="0">
+                <a:solidFill>
+                  <a:schemeClr val="tx1"/>
+                </a:solidFill>
+                <a:sym typeface="Wingdings" panose="05000000000000000000" pitchFamily="2" charset="2"/>
+              </a:rPr>
+              <a:t>)</a:t>
+            </a:r>
+            <a:r>
+              <a:rPr lang="zh-TW" altLang="en-US" sz="2000" dirty="0">
+                <a:solidFill>
+                  <a:schemeClr val="tx1"/>
+                </a:solidFill>
+                <a:sym typeface="Wingdings" panose="05000000000000000000" pitchFamily="2" charset="2"/>
+              </a:rPr>
+              <a:t> 全部後端程式</a:t>
+            </a:r>
+            <a:r>
+              <a:rPr lang="en-US" altLang="zh-TW" sz="2000" dirty="0">
+                <a:solidFill>
+                  <a:schemeClr val="tx1"/>
+                </a:solidFill>
+                <a:sym typeface="Wingdings" panose="05000000000000000000" pitchFamily="2" charset="2"/>
+              </a:rPr>
+              <a:t>,</a:t>
+            </a:r>
+            <a:r>
+              <a:rPr lang="zh-TW" altLang="en-US" sz="2000" dirty="0">
+                <a:solidFill>
+                  <a:schemeClr val="tx1"/>
+                </a:solidFill>
+                <a:sym typeface="Wingdings" panose="05000000000000000000" pitchFamily="2" charset="2"/>
+              </a:rPr>
+              <a:t>總程式整理及編輯</a:t>
+            </a:r>
+            <a:r>
+              <a:rPr lang="en-US" altLang="zh-TW" sz="2000" dirty="0">
+                <a:solidFill>
+                  <a:schemeClr val="tx1"/>
+                </a:solidFill>
+                <a:sym typeface="Wingdings" panose="05000000000000000000" pitchFamily="2" charset="2"/>
+              </a:rPr>
+              <a:t>,</a:t>
+            </a:r>
+            <a:r>
+              <a:rPr lang="zh-TW" altLang="en-US" sz="2000" dirty="0">
+                <a:solidFill>
+                  <a:schemeClr val="tx1"/>
+                </a:solidFill>
+                <a:sym typeface="Wingdings" panose="05000000000000000000" pitchFamily="2" charset="2"/>
+              </a:rPr>
+              <a:t>資料庫</a:t>
+            </a:r>
+            <a:endParaRPr lang="zh-TW" altLang="en-US" sz="2000" dirty="0">
+              <a:solidFill>
+                <a:schemeClr val="tx1"/>
+              </a:solidFill>
+            </a:endParaRPr>
+          </a:p>
+        </p:txBody>
+      </p:sp>
+      <p:sp>
+        <p:nvSpPr>
+          <p:cNvPr id="3" name="文字方塊 2">
+            <a:extLst>
+              <a:ext uri="{FF2B5EF4-FFF2-40B4-BE49-F238E27FC236}">
+                <a16:creationId xmlns:a16="http://schemas.microsoft.com/office/drawing/2014/main" id="{CC5C6F0C-2928-4C32-DE50-4AE6A39FC759}"/>
+              </a:ext>
+            </a:extLst>
+          </p:cNvPr>
+          <p:cNvSpPr txBox="1"/>
+          <p:nvPr/>
+        </p:nvSpPr>
+        <p:spPr>
+          <a:xfrm>
+            <a:off x="835742" y="4355690"/>
+            <a:ext cx="8347587" cy="1631216"/>
+          </a:xfrm>
+          <a:prstGeom prst="rect">
+            <a:avLst/>
+          </a:prstGeom>
+          <a:noFill/>
+        </p:spPr>
+        <p:txBody>
+          <a:bodyPr wrap="square" rtlCol="0">
+            <a:spAutoFit/>
+          </a:bodyPr>
+          <a:lstStyle/>
+          <a:p>
+            <a:r>
+              <a:rPr lang="zh-TW" altLang="en-US" sz="2000" b="1" dirty="0"/>
+              <a:t>參考資料與圖片來源</a:t>
+            </a:r>
+            <a:r>
+              <a:rPr lang="en-US" altLang="zh-TW" sz="2000" b="1" dirty="0"/>
+              <a:t>:</a:t>
+            </a:r>
+          </a:p>
+          <a:p>
+            <a:r>
+              <a:rPr lang="zh-TW" altLang="en-US" sz="2000" b="1" dirty="0"/>
+              <a:t>       圖片來源</a:t>
+            </a:r>
+            <a:r>
+              <a:rPr lang="en-US" altLang="zh-TW" sz="2000" b="1" dirty="0"/>
+              <a:t>:</a:t>
+            </a:r>
+            <a:r>
+              <a:rPr lang="zh-TW" altLang="en-US" sz="2000" b="1" dirty="0"/>
+              <a:t> </a:t>
+            </a:r>
+            <a:r>
+              <a:rPr lang="en-US" altLang="zh-TW" sz="2000" b="1" dirty="0"/>
+              <a:t>Roots</a:t>
+            </a:r>
+            <a:r>
+              <a:rPr lang="zh-TW" altLang="en-US" sz="2000" b="1" dirty="0"/>
+              <a:t>網站</a:t>
+            </a:r>
+            <a:endParaRPr lang="en-US" altLang="zh-TW" sz="2000" b="1" dirty="0"/>
+          </a:p>
+          <a:p>
+            <a:r>
+              <a:rPr lang="zh-TW" altLang="en-US" sz="2000" b="1" dirty="0"/>
+              <a:t>       專案啟發與參考</a:t>
+            </a:r>
+            <a:r>
+              <a:rPr lang="en-US" altLang="zh-TW" sz="2000" b="1" dirty="0"/>
+              <a:t>:</a:t>
+            </a:r>
+            <a:r>
+              <a:rPr lang="zh-TW" altLang="en-US" sz="2000" b="1" dirty="0"/>
+              <a:t>蝦皮購物網</a:t>
+            </a:r>
+            <a:r>
+              <a:rPr lang="en-US" altLang="zh-TW" sz="2000" b="1" dirty="0"/>
+              <a:t>,</a:t>
+            </a:r>
+            <a:r>
+              <a:rPr lang="zh-TW" altLang="en-US" sz="2000" b="1" dirty="0"/>
+              <a:t>京東購物網</a:t>
+            </a:r>
+            <a:r>
+              <a:rPr lang="en-US" altLang="zh-TW" sz="2000" b="1" dirty="0"/>
+              <a:t>,Roots</a:t>
+            </a:r>
+            <a:r>
+              <a:rPr lang="zh-TW" altLang="en-US" sz="2000" b="1" dirty="0"/>
+              <a:t>購物網</a:t>
+            </a:r>
+            <a:endParaRPr lang="en-US" altLang="zh-TW" sz="2000" b="1" dirty="0"/>
+          </a:p>
+          <a:p>
+            <a:r>
+              <a:rPr lang="zh-TW" altLang="en-US" sz="2000" b="1" dirty="0"/>
+              <a:t>       協助工具</a:t>
+            </a:r>
+            <a:r>
+              <a:rPr lang="en-US" altLang="zh-TW" sz="2000" b="1" dirty="0"/>
+              <a:t>:ChatGPT</a:t>
+            </a:r>
+          </a:p>
+          <a:p>
+            <a:r>
+              <a:rPr lang="zh-TW" altLang="en-US" sz="2000" b="1" dirty="0"/>
+              <a:t>   </a:t>
+            </a:r>
+          </a:p>
+        </p:txBody>
+      </p:sp>
+    </p:spTree>
+    <p:extLst>
+      <p:ext uri="{BB962C8B-B14F-4D97-AF65-F5344CB8AC3E}">
+        <p14:creationId xmlns:p14="http://schemas.microsoft.com/office/powerpoint/2010/main" val="3252007342"/>
       </p:ext>
     </p:extLst>
   </p:cSld>
@@ -9797,38 +11161,22 @@
           <a:lstStyle/>
           <a:p>
             <a:r>
-              <a:rPr lang="zh-TW" altLang="en-US" smtClean="0">
+              <a:rPr lang="zh-TW" altLang="en-US" dirty="0">
                 <a:solidFill>
                   <a:schemeClr val="tx1"/>
                 </a:solidFill>
               </a:rPr>
-              <a:t>                    </a:t>
-            </a:r>
-            <a:r>
-              <a:rPr lang="zh-TW" altLang="en-US" smtClean="0">
+              <a:t>                      </a:t>
+            </a:r>
+            <a:r>
+              <a:rPr lang="zh-TW" altLang="en-US" sz="4900" b="1" dirty="0">
                 <a:solidFill>
                   <a:schemeClr val="tx1"/>
                 </a:solidFill>
               </a:rPr>
-              <a:t>  </a:t>
-            </a:r>
-            <a:r>
-              <a:rPr lang="zh-TW" altLang="en-US" sz="4400" smtClean="0">
-                <a:solidFill>
-                  <a:schemeClr val="tx1"/>
-                </a:solidFill>
-              </a:rPr>
-              <a:t>專案</a:t>
-            </a:r>
-            <a:r>
-              <a:rPr lang="zh-TW" altLang="en-US" sz="4400" smtClean="0">
-                <a:solidFill>
-                  <a:schemeClr val="tx1"/>
-                </a:solidFill>
-              </a:rPr>
-              <a:t>介紹</a:t>
-            </a:r>
-            <a:endParaRPr lang="zh-TW" altLang="en-US" sz="4400"/>
+              <a:t>專案介紹</a:t>
+            </a:r>
+            <a:endParaRPr lang="zh-TW" altLang="en-US" sz="4900" b="1" dirty="0"/>
           </a:p>
         </p:txBody>
       </p:sp>
@@ -9841,7 +11189,7 @@
         <p:spPr>
           <a:xfrm>
             <a:off x="1115122" y="1918010"/>
-            <a:ext cx="8664498" cy="2246769"/>
+            <a:ext cx="8186194" cy="3108543"/>
           </a:xfrm>
           <a:prstGeom prst="rect">
             <a:avLst/>
@@ -9854,170 +11202,19 @@
           <a:lstStyle/>
           <a:p>
             <a:r>
-              <a:rPr lang="en-US" altLang="zh-TW" sz="2800">
-                <a:latin typeface="CIDFont+F5"/>
-              </a:rPr>
-              <a:t>• </a:t>
-            </a:r>
-            <a:r>
-              <a:rPr lang="zh-TW" altLang="en-US" sz="2800">
-                <a:latin typeface="CIDFont+F1"/>
-              </a:rPr>
-              <a:t>專案</a:t>
-            </a:r>
-            <a:r>
-              <a:rPr lang="zh-TW" altLang="en-US" sz="2800">
-                <a:latin typeface="CIDFont+F1"/>
-              </a:rPr>
-              <a:t>為個人智慧服裝線上商務平台，</a:t>
-            </a:r>
-            <a:r>
-              <a:rPr lang="zh-TW" altLang="en-US" sz="2800">
-                <a:latin typeface="CIDFont+F1"/>
-              </a:rPr>
-              <a:t>包含</a:t>
-            </a:r>
-            <a:r>
-              <a:rPr lang="zh-TW" altLang="en-US" sz="2800" smtClean="0">
-                <a:latin typeface="CIDFont+F1"/>
-              </a:rPr>
-              <a:t>帳戶</a:t>
-            </a:r>
-            <a:endParaRPr lang="en-US" altLang="zh-TW" sz="2800" smtClean="0">
-              <a:latin typeface="CIDFont+F1"/>
-            </a:endParaRPr>
-          </a:p>
-          <a:p>
-            <a:r>
-              <a:rPr lang="zh-TW" altLang="en-US" sz="2800">
-                <a:latin typeface="CIDFont+F1"/>
-              </a:rPr>
-              <a:t> </a:t>
-            </a:r>
-            <a:r>
-              <a:rPr lang="zh-TW" altLang="en-US" sz="2800" smtClean="0">
-                <a:latin typeface="CIDFont+F1"/>
-              </a:rPr>
-              <a:t>    </a:t>
-            </a:r>
-            <a:r>
-              <a:rPr lang="zh-TW" altLang="en-US" sz="2800" smtClean="0">
-                <a:latin typeface="CIDFont+F1"/>
-              </a:rPr>
-              <a:t>登</a:t>
-            </a:r>
-            <a:r>
-              <a:rPr lang="zh-TW" altLang="en-US" sz="2800" smtClean="0">
-                <a:latin typeface="CIDFont+F1"/>
-              </a:rPr>
-              <a:t>入</a:t>
-            </a:r>
-            <a:r>
-              <a:rPr lang="en-US" altLang="zh-TW" sz="2800" smtClean="0">
-                <a:latin typeface="CIDFont+F1"/>
-              </a:rPr>
-              <a:t>,</a:t>
-            </a:r>
-            <a:r>
-              <a:rPr lang="zh-TW" altLang="en-US" sz="2800">
-                <a:latin typeface="CIDFont+F1"/>
-              </a:rPr>
-              <a:t> 商品瀏覽</a:t>
-            </a:r>
-            <a:r>
-              <a:rPr lang="en-US" altLang="zh-TW" sz="2800">
-                <a:latin typeface="CIDFont+F1"/>
-              </a:rPr>
-              <a:t>,</a:t>
-            </a:r>
-            <a:r>
-              <a:rPr lang="zh-TW" altLang="en-US" sz="2800">
-                <a:latin typeface="CIDFont+F1"/>
-              </a:rPr>
-              <a:t>平台折扣訊息</a:t>
-            </a:r>
-            <a:r>
-              <a:rPr lang="zh-TW" altLang="en-US" sz="2800" smtClean="0">
-                <a:latin typeface="CIDFont+F1"/>
-              </a:rPr>
-              <a:t>輪播</a:t>
-            </a:r>
-            <a:r>
-              <a:rPr lang="zh-TW" altLang="en-US" sz="2800">
-                <a:latin typeface="CIDFont+F5"/>
-              </a:rPr>
-              <a:t>，</a:t>
-            </a:r>
-            <a:r>
-              <a:rPr lang="zh-TW" altLang="en-US" sz="2800" smtClean="0">
-                <a:latin typeface="CIDFont+F1"/>
-              </a:rPr>
-              <a:t>購物</a:t>
-            </a:r>
-            <a:r>
-              <a:rPr lang="zh-TW" altLang="en-US" sz="2800">
-                <a:latin typeface="CIDFont+F1"/>
-              </a:rPr>
-              <a:t>車</a:t>
-            </a:r>
-            <a:r>
-              <a:rPr lang="zh-TW" altLang="en-US" sz="2800" smtClean="0">
-                <a:latin typeface="CIDFont+F1"/>
-              </a:rPr>
-              <a:t>管理</a:t>
-            </a:r>
-            <a:endParaRPr lang="en-US" altLang="zh-TW" sz="2800" smtClean="0">
-              <a:latin typeface="CIDFont+F1"/>
-            </a:endParaRPr>
-          </a:p>
-          <a:p>
-            <a:r>
-              <a:rPr lang="zh-TW" altLang="en-US" sz="2800">
-                <a:latin typeface="CIDFont+F1"/>
-              </a:rPr>
-              <a:t> </a:t>
-            </a:r>
-            <a:r>
-              <a:rPr lang="zh-TW" altLang="en-US" sz="2800" smtClean="0">
-                <a:latin typeface="CIDFont+F1"/>
-              </a:rPr>
-              <a:t>    及訂單查詢</a:t>
-            </a:r>
-            <a:r>
-              <a:rPr lang="zh-TW" altLang="en-US" sz="2800" smtClean="0">
-                <a:latin typeface="CIDFont+F5"/>
-              </a:rPr>
-              <a:t>，會員中心。</a:t>
-            </a:r>
-            <a:endParaRPr lang="en-US" altLang="zh-TW" sz="2800">
-              <a:latin typeface="CIDFont+F1"/>
-            </a:endParaRPr>
-          </a:p>
-          <a:p>
-            <a:r>
-              <a:rPr lang="zh-TW" altLang="en-US" sz="2800" smtClean="0">
-                <a:latin typeface="CIDFont+F1"/>
-              </a:rPr>
-              <a:t>      </a:t>
-            </a:r>
-            <a:endParaRPr lang="zh-TW" altLang="en-US" sz="2800">
-              <a:latin typeface="CIDFont+F1"/>
-            </a:endParaRPr>
-          </a:p>
-          <a:p>
-            <a:r>
-              <a:rPr lang="en-US" altLang="zh-TW" sz="2800" smtClean="0">
-                <a:latin typeface="CIDFont+F5"/>
-              </a:rPr>
-              <a:t>•</a:t>
-            </a:r>
-            <a:r>
-              <a:rPr lang="zh-TW" altLang="en-US" sz="2800">
-                <a:latin typeface="CIDFont+F5"/>
-              </a:rPr>
-              <a:t>使用場景：模擬線上購物流程，小型電商平台。</a:t>
-            </a:r>
-            <a:endParaRPr lang="zh-TW" altLang="en-US" sz="2800"/>
+              <a:rPr lang="zh-TW" altLang="en-US" sz="2800" b="1" dirty="0"/>
+              <a:t>本專案為一個整合型的智慧服裝電商平台，提供帳戶    登入、商品瀏覽、平台折扣訊息輪播、購物車管理及訂單查詢、會員中心等完整功能。</a:t>
+            </a:r>
+            <a:endParaRPr lang="en-US" altLang="zh-TW" sz="2800" b="1" dirty="0"/>
+          </a:p>
+          <a:p>
+            <a:endParaRPr lang="en-US" altLang="zh-TW" sz="2800" b="1" dirty="0"/>
+          </a:p>
+          <a:p>
+            <a:r>
+              <a:rPr lang="zh-TW" altLang="en-US" sz="2800" b="1" dirty="0"/>
+              <a:t>透過此平台，可模擬線上購物流程，適用於小型電商商家自行上架與管理商品，打造專屬的線上銷售環境。</a:t>
+            </a:r>
           </a:p>
         </p:txBody>
       </p:sp>
@@ -10074,7 +11271,7 @@
           <a:lstStyle/>
           <a:p>
             <a:r>
-              <a:rPr lang="zh-TW" altLang="en-US" smtClean="0">
+              <a:rPr lang="zh-TW" altLang="en-US">
                 <a:solidFill>
                   <a:schemeClr val="tx1"/>
                 </a:solidFill>
@@ -10082,7 +11279,7 @@
               <a:t>                    </a:t>
             </a:r>
             <a:r>
-              <a:rPr lang="zh-TW" altLang="en-US" sz="4400" smtClean="0">
+              <a:rPr lang="zh-TW" altLang="en-US" sz="4400">
                 <a:solidFill>
                   <a:schemeClr val="tx1"/>
                 </a:solidFill>
@@ -10091,7 +11288,7 @@
               <a:t>專案介紹</a:t>
             </a:r>
             <a:r>
-              <a:rPr lang="en-US" altLang="zh-TW" sz="4400" smtClean="0">
+              <a:rPr lang="en-US" altLang="zh-TW" sz="4400">
                 <a:solidFill>
                   <a:schemeClr val="tx1"/>
                 </a:solidFill>
@@ -10100,7 +11297,7 @@
               <a:t>(</a:t>
             </a:r>
             <a:r>
-              <a:rPr lang="zh-TW" altLang="en-US" sz="4400" smtClean="0">
+              <a:rPr lang="zh-TW" altLang="en-US" sz="4400">
                 <a:solidFill>
                   <a:schemeClr val="tx1"/>
                 </a:solidFill>
@@ -10109,7 +11306,7 @@
               <a:t>架構說明</a:t>
             </a:r>
             <a:r>
-              <a:rPr lang="en-US" altLang="zh-TW" sz="4400" smtClean="0">
+              <a:rPr lang="en-US" altLang="zh-TW" sz="4400">
                 <a:solidFill>
                   <a:schemeClr val="tx1"/>
                 </a:solidFill>
@@ -10132,28 +11329,28 @@
           <p:nvPr>
             <p:extLst>
               <p:ext uri="{D42A27DB-BD31-4B8C-83A1-F6EECF244321}">
-                <p14:modId xmlns:p14="http://schemas.microsoft.com/office/powerpoint/2010/main" val="780487222"/>
+                <p14:modId xmlns:p14="http://schemas.microsoft.com/office/powerpoint/2010/main" val="1767004661"/>
               </p:ext>
             </p:extLst>
           </p:nvPr>
         </p:nvGraphicFramePr>
         <p:xfrm>
-          <a:off x="1382751" y="1594624"/>
-          <a:ext cx="8842916" cy="4148254"/>
+          <a:off x="884903" y="1624121"/>
+          <a:ext cx="8731046" cy="4218457"/>
         </p:xfrm>
         <a:graphic>
           <a:graphicData uri="http://schemas.openxmlformats.org/drawingml/2006/table">
             <a:tbl>
               <a:tblPr/>
               <a:tblGrid>
-                <a:gridCol w="4421458">
+                <a:gridCol w="3644296">
                   <a:extLst>
                     <a:ext uri="{9D8B030D-6E8A-4147-A177-3AD203B41FA5}">
                       <a16:colId xmlns:a16="http://schemas.microsoft.com/office/drawing/2014/main" val="415432448"/>
                     </a:ext>
                   </a:extLst>
                 </a:gridCol>
-                <a:gridCol w="4421458">
+                <a:gridCol w="5086750">
                   <a:extLst>
                     <a:ext uri="{9D8B030D-6E8A-4147-A177-3AD203B41FA5}">
                       <a16:colId xmlns:a16="http://schemas.microsoft.com/office/drawing/2014/main" val="337619160"/>
@@ -10168,7 +11365,7 @@
                     <a:lstStyle/>
                     <a:p>
                       <a:r>
-                        <a:rPr lang="zh-TW" altLang="en-US"/>
+                        <a:rPr lang="zh-TW" altLang="en-US" sz="2000" dirty="0"/>
                         <a:t>層級</a:t>
                       </a:r>
                     </a:p>
@@ -10194,7 +11391,7 @@
                     <a:lstStyle/>
                     <a:p>
                       <a:r>
-                        <a:rPr lang="zh-TW" altLang="en-US"/>
+                        <a:rPr lang="zh-TW" altLang="en-US" sz="2000" dirty="0"/>
                         <a:t>使用技術</a:t>
                       </a:r>
                     </a:p>
@@ -10220,22 +11417,22 @@
                   </a:ext>
                 </a:extLst>
               </a:tr>
-              <a:tr h="1430432">
+              <a:tr h="1500635">
                 <a:tc>
                   <a:txBody>
                     <a:bodyPr/>
                     <a:lstStyle/>
                     <a:p>
                       <a:r>
-                        <a:rPr lang="zh-TW" altLang="en-US"/>
+                        <a:rPr lang="zh-TW" altLang="en-US" sz="2000" baseline="0" dirty="0"/>
                         <a:t>前端 </a:t>
                       </a:r>
                       <a:r>
-                        <a:rPr lang="en-US" altLang="zh-TW"/>
+                        <a:rPr lang="en-US" altLang="zh-TW" sz="2000" baseline="0" dirty="0"/>
                         <a:t>(</a:t>
                       </a:r>
                       <a:r>
-                        <a:rPr lang="en-US"/>
+                        <a:rPr lang="en-US" sz="2000" baseline="0" dirty="0"/>
                         <a:t>Front-End)</a:t>
                       </a:r>
                     </a:p>
@@ -10261,9 +11458,22 @@
                     <a:lstStyle/>
                     <a:p>
                       <a:r>
-                        <a:rPr lang="en-US"/>
-                        <a:t>Vue 3、HTML5、CSS3、JavaScript (ES6)、Bootstrap / Element Plus、Vue Router、Axios</a:t>
+                        <a:rPr lang="en-US" sz="2000" dirty="0"/>
+                        <a:t>Vue 3、HTML5、CSS3、JavaScript (ES6)、Bootstrap / Element </a:t>
                       </a:r>
+                      <a:r>
+                        <a:rPr lang="en-US" sz="2000" dirty="0" err="1"/>
+                        <a:t>Plus、Vue</a:t>
+                      </a:r>
+                      <a:r>
+                        <a:rPr lang="en-US" sz="2000" dirty="0"/>
+                        <a:t> </a:t>
+                      </a:r>
+                      <a:r>
+                        <a:rPr lang="en-US" sz="2000" dirty="0" err="1"/>
+                        <a:t>Router、Axios</a:t>
+                      </a:r>
+                      <a:endParaRPr lang="en-US" sz="2000" dirty="0"/>
                     </a:p>
                   </a:txBody>
                   <a:tcPr anchor="ctr">
@@ -10294,15 +11504,15 @@
                     <a:lstStyle/>
                     <a:p>
                       <a:r>
-                        <a:rPr lang="zh-TW" altLang="en-US"/>
+                        <a:rPr lang="zh-TW" altLang="en-US" sz="2000" dirty="0"/>
                         <a:t>後端 </a:t>
                       </a:r>
                       <a:r>
-                        <a:rPr lang="en-US" altLang="zh-TW"/>
+                        <a:rPr lang="en-US" altLang="zh-TW" sz="2000" dirty="0"/>
                         <a:t>(</a:t>
                       </a:r>
                       <a:r>
-                        <a:rPr lang="en-US"/>
+                        <a:rPr lang="en-US" sz="2000" dirty="0"/>
                         <a:t>Back-End)</a:t>
                       </a:r>
                     </a:p>
@@ -10328,34 +11538,33 @@
                     <a:lstStyle/>
                     <a:p>
                       <a:r>
-                        <a:rPr lang="en-US" altLang="zh-TW" smtClean="0"/>
+                        <a:rPr lang="en-US" altLang="zh-TW" sz="2000" dirty="0"/>
                         <a:t>Spring </a:t>
                       </a:r>
                       <a:r>
-                        <a:rPr lang="en-US" altLang="zh-TW" err="1" smtClean="0"/>
+                        <a:rPr lang="en-US" altLang="zh-TW" sz="2000" dirty="0" err="1"/>
                         <a:t>Boot、Spring</a:t>
                       </a:r>
                       <a:r>
-                        <a:rPr lang="en-US" altLang="zh-TW" smtClean="0"/>
+                        <a:rPr lang="en-US" altLang="zh-TW" sz="2000" dirty="0"/>
                         <a:t> </a:t>
                       </a:r>
                       <a:r>
-                        <a:rPr lang="en-US" altLang="zh-TW" err="1" smtClean="0"/>
+                        <a:rPr lang="en-US" altLang="zh-TW" sz="2000" dirty="0" err="1"/>
                         <a:t>MVC、Spring</a:t>
                       </a:r>
                       <a:r>
-                        <a:rPr lang="en-US" altLang="zh-TW" smtClean="0"/>
+                        <a:rPr lang="en-US" altLang="zh-TW" sz="2000" dirty="0"/>
                         <a:t> Data </a:t>
                       </a:r>
                       <a:r>
-                        <a:rPr lang="en-US" altLang="zh-TW" err="1" smtClean="0"/>
+                        <a:rPr lang="en-US" altLang="zh-TW" sz="2000" dirty="0" err="1"/>
                         <a:t>JPA、Hibernate</a:t>
                       </a:r>
                       <a:r>
-                        <a:rPr lang="en-US" altLang="zh-TW" smtClean="0"/>
+                        <a:rPr lang="en-US" altLang="zh-TW" sz="2000" dirty="0"/>
                         <a:t> </a:t>
                       </a:r>
-                      <a:endParaRPr lang="en-US" altLang="zh-TW" smtClean="0"/>
                     </a:p>
                   </a:txBody>
                   <a:tcPr anchor="ctr">
@@ -10386,15 +11595,15 @@
                     <a:lstStyle/>
                     <a:p>
                       <a:r>
-                        <a:rPr lang="zh-TW" altLang="en-US"/>
+                        <a:rPr lang="zh-TW" altLang="en-US" sz="2000" dirty="0"/>
                         <a:t>資料庫 </a:t>
                       </a:r>
                       <a:r>
-                        <a:rPr lang="en-US" altLang="zh-TW"/>
+                        <a:rPr lang="en-US" altLang="zh-TW" sz="2000" dirty="0"/>
                         <a:t>(</a:t>
                       </a:r>
                       <a:r>
-                        <a:rPr lang="en-US"/>
+                        <a:rPr lang="en-US" sz="2000" dirty="0"/>
                         <a:t>Database)</a:t>
                       </a:r>
                     </a:p>
@@ -10420,8 +11629,12 @@
                     <a:lstStyle/>
                     <a:p>
                       <a:r>
-                        <a:rPr lang="en-US"/>
-                        <a:t>MySQL、JPA Repository</a:t>
+                        <a:rPr lang="en-US" sz="2000" dirty="0" err="1"/>
+                        <a:t>MySQL、JPA</a:t>
+                      </a:r>
+                      <a:r>
+                        <a:rPr lang="en-US" sz="2000" dirty="0"/>
+                        <a:t> Repository</a:t>
                       </a:r>
                     </a:p>
                   </a:txBody>
@@ -10453,15 +11666,15 @@
                     <a:lstStyle/>
                     <a:p>
                       <a:r>
-                        <a:rPr lang="zh-TW" altLang="en-US"/>
+                        <a:rPr lang="zh-TW" altLang="en-US" sz="2000" dirty="0"/>
                         <a:t>通訊協定 </a:t>
                       </a:r>
                       <a:r>
-                        <a:rPr lang="en-US" altLang="zh-TW"/>
+                        <a:rPr lang="en-US" altLang="zh-TW" sz="2000" dirty="0"/>
                         <a:t>(</a:t>
                       </a:r>
                       <a:r>
-                        <a:rPr lang="en-US"/>
+                        <a:rPr lang="en-US" sz="2000" dirty="0"/>
                         <a:t>API Integration)</a:t>
                       </a:r>
                     </a:p>
@@ -10487,14 +11700,14 @@
                     <a:lstStyle/>
                     <a:p>
                       <a:r>
-                        <a:rPr lang="en-US" altLang="zh-TW" smtClean="0"/>
+                        <a:rPr lang="en-US" altLang="zh-TW" sz="2000" dirty="0"/>
                         <a:t>RESTful </a:t>
                       </a:r>
                       <a:r>
-                        <a:rPr lang="en-US" altLang="zh-TW" err="1" smtClean="0"/>
+                        <a:rPr lang="en-US" altLang="zh-TW" sz="2000" dirty="0" err="1"/>
                         <a:t>API、JSON、Axios</a:t>
                       </a:r>
-                      <a:endParaRPr lang="en-US" altLang="zh-TW"/>
+                      <a:endParaRPr lang="en-US" altLang="zh-TW" sz="2000" dirty="0"/>
                     </a:p>
                   </a:txBody>
                   <a:tcPr anchor="ctr">
@@ -10575,7 +11788,7 @@
           <a:lstStyle/>
           <a:p>
             <a:r>
-              <a:rPr lang="zh-TW" altLang="en-US" smtClean="0">
+              <a:rPr lang="zh-TW" altLang="en-US" dirty="0">
                 <a:solidFill>
                   <a:schemeClr val="tx1"/>
                 </a:solidFill>
@@ -10583,39 +11796,38 @@
               <a:t>                       </a:t>
             </a:r>
             <a:r>
-              <a:rPr lang="zh-TW" altLang="en-US" sz="4400" smtClean="0">
+              <a:rPr lang="zh-TW" altLang="en-US" sz="4400" dirty="0">
                 <a:solidFill>
                   <a:schemeClr val="tx1"/>
                 </a:solidFill>
               </a:rPr>
-              <a:t>系統</a:t>
-            </a:r>
-            <a:r>
-              <a:rPr lang="zh-TW" altLang="en-US" sz="4400">
-                <a:solidFill>
-                  <a:schemeClr val="tx1"/>
-                </a:solidFill>
-              </a:rPr>
-              <a:t>功能說明</a:t>
-            </a:r>
-            <a:endParaRPr lang="zh-TW" altLang="en-US" sz="4400"/>
-          </a:p>
-        </p:txBody>
-      </p:sp>
-      <p:sp>
-        <p:nvSpPr>
-          <p:cNvPr id="4" name="矩形 3"/>
-          <p:cNvSpPr/>
+              <a:t>系統功能說明</a:t>
+            </a:r>
+            <a:endParaRPr lang="zh-TW" altLang="en-US" sz="4400" dirty="0"/>
+          </a:p>
+        </p:txBody>
+      </p:sp>
+      <p:sp>
+        <p:nvSpPr>
+          <p:cNvPr id="4" name="文字方塊 3">
+            <a:extLst>
+              <a:ext uri="{FF2B5EF4-FFF2-40B4-BE49-F238E27FC236}">
+                <a16:creationId xmlns:a16="http://schemas.microsoft.com/office/drawing/2014/main" id="{C9D46C03-B12E-9107-39FC-78B67BDA678F}"/>
+              </a:ext>
+            </a:extLst>
+          </p:cNvPr>
+          <p:cNvSpPr txBox="1"/>
           <p:nvPr/>
         </p:nvSpPr>
         <p:spPr>
           <a:xfrm>
-            <a:off x="1115122" y="1918010"/>
-            <a:ext cx="8664498" cy="2246769"/>
+            <a:off x="1359309" y="1443841"/>
+            <a:ext cx="8099323" cy="4154984"/>
           </a:xfrm>
           <a:prstGeom prst="rect">
             <a:avLst/>
           </a:prstGeom>
+          <a:noFill/>
         </p:spPr>
         <p:txBody>
           <a:bodyPr wrap="square">
@@ -10623,171 +11835,154 @@
           </a:bodyPr>
           <a:lstStyle/>
           <a:p>
-            <a:r>
-              <a:rPr lang="en-US" altLang="zh-TW" sz="2800">
-                <a:latin typeface="CIDFont+F5"/>
-              </a:rPr>
-              <a:t>• </a:t>
-            </a:r>
-            <a:r>
-              <a:rPr lang="zh-TW" altLang="en-US" sz="2800">
-                <a:latin typeface="CIDFont+F1"/>
-              </a:rPr>
-              <a:t>專案</a:t>
-            </a:r>
-            <a:r>
-              <a:rPr lang="zh-TW" altLang="en-US" sz="2800">
-                <a:latin typeface="CIDFont+F1"/>
-              </a:rPr>
-              <a:t>為個人智慧服裝線上商務平台，</a:t>
-            </a:r>
-            <a:r>
-              <a:rPr lang="zh-TW" altLang="en-US" sz="2800">
-                <a:latin typeface="CIDFont+F1"/>
-              </a:rPr>
-              <a:t>包含</a:t>
-            </a:r>
-            <a:r>
-              <a:rPr lang="zh-TW" altLang="en-US" sz="2800" smtClean="0">
-                <a:latin typeface="CIDFont+F1"/>
-              </a:rPr>
-              <a:t>帳戶</a:t>
-            </a:r>
-            <a:endParaRPr lang="en-US" altLang="zh-TW" sz="2800" smtClean="0">
-              <a:latin typeface="CIDFont+F1"/>
-            </a:endParaRPr>
-          </a:p>
-          <a:p>
-            <a:r>
-              <a:rPr lang="zh-TW" altLang="en-US" sz="2800">
-                <a:latin typeface="CIDFont+F1"/>
-              </a:rPr>
-              <a:t> </a:t>
-            </a:r>
-            <a:r>
-              <a:rPr lang="zh-TW" altLang="en-US" sz="2800" smtClean="0">
-                <a:latin typeface="CIDFont+F1"/>
-              </a:rPr>
-              <a:t>    </a:t>
-            </a:r>
-            <a:r>
-              <a:rPr lang="zh-TW" altLang="en-US" sz="2800" smtClean="0">
-                <a:latin typeface="CIDFont+F1"/>
-              </a:rPr>
-              <a:t>登</a:t>
-            </a:r>
-            <a:r>
-              <a:rPr lang="zh-TW" altLang="en-US" sz="2800" smtClean="0">
-                <a:latin typeface="CIDFont+F1"/>
-              </a:rPr>
-              <a:t>入</a:t>
-            </a:r>
-            <a:r>
-              <a:rPr lang="en-US" altLang="zh-TW" sz="2800" smtClean="0">
-                <a:latin typeface="CIDFont+F1"/>
-              </a:rPr>
+            <a:pPr>
+              <a:buNone/>
+            </a:pPr>
+            <a:r>
+              <a:rPr lang="zh-TW" altLang="en-US" sz="2200" dirty="0"/>
+              <a:t>本系統以「個人智慧服裝線上商務平台」為核心，整合會員登入、商品瀏覽、購物管理與訂單查詢等功能，提供完整的電商操作體驗。</a:t>
+            </a:r>
+            <a:endParaRPr lang="en-US" altLang="zh-TW" sz="2200" dirty="0"/>
+          </a:p>
+          <a:p>
+            <a:pPr>
+              <a:buNone/>
+            </a:pPr>
+            <a:endParaRPr lang="en-US" altLang="zh-TW" sz="2200" dirty="0"/>
+          </a:p>
+          <a:p>
+            <a:pPr>
+              <a:buNone/>
+            </a:pPr>
+            <a:r>
+              <a:rPr lang="zh-TW" altLang="en-US" sz="2200" b="1" dirty="0"/>
+              <a:t>主要功能如下：</a:t>
+            </a:r>
+            <a:endParaRPr lang="zh-TW" altLang="en-US" sz="2200" dirty="0"/>
+          </a:p>
+          <a:p>
+            <a:pPr>
+              <a:buFont typeface="+mj-lt"/>
+              <a:buAutoNum type="arabicPeriod"/>
+            </a:pPr>
+            <a:r>
+              <a:rPr lang="zh-TW" altLang="en-US" sz="2200" b="1" dirty="0"/>
+              <a:t>會員系統</a:t>
+            </a:r>
+            <a:r>
+              <a:rPr lang="zh-TW" altLang="en-US" sz="2200" dirty="0"/>
+              <a:t>：提供帳號註冊、登入與個人資料管理。</a:t>
+            </a:r>
+          </a:p>
+          <a:p>
+            <a:pPr>
+              <a:buFont typeface="+mj-lt"/>
+              <a:buAutoNum type="arabicPeriod"/>
+            </a:pPr>
+            <a:r>
+              <a:rPr lang="zh-TW" altLang="en-US" sz="2200" b="1" dirty="0"/>
+              <a:t>商品瀏覽：</a:t>
+            </a:r>
+            <a:r>
+              <a:rPr lang="zh-TW" altLang="en-US" sz="2200" dirty="0"/>
+              <a:t>折扣廣告輪播</a:t>
+            </a:r>
+            <a:r>
+              <a:rPr lang="en-US" altLang="zh-TW" sz="2200" dirty="0"/>
               <a:t>,</a:t>
             </a:r>
             <a:r>
-              <a:rPr lang="zh-TW" altLang="en-US" sz="2800">
-                <a:latin typeface="CIDFont+F1"/>
-              </a:rPr>
-              <a:t> 商品瀏覽</a:t>
-            </a:r>
-            <a:r>
-              <a:rPr lang="en-US" altLang="zh-TW" sz="2800">
-                <a:latin typeface="CIDFont+F1"/>
-              </a:rPr>
+              <a:rPr lang="zh-TW" altLang="en-US" sz="2200" dirty="0"/>
+              <a:t>及商品瀏覽。</a:t>
+            </a:r>
+            <a:endParaRPr lang="en-US" altLang="zh-TW" sz="2200" dirty="0"/>
+          </a:p>
+          <a:p>
+            <a:pPr>
+              <a:buFont typeface="+mj-lt"/>
+              <a:buAutoNum type="arabicPeriod"/>
+            </a:pPr>
+            <a:r>
+              <a:rPr lang="zh-TW" altLang="en-US" sz="2200" b="1" dirty="0"/>
+              <a:t>商品資訊：</a:t>
+            </a:r>
+            <a:r>
+              <a:rPr lang="zh-TW" altLang="en-US" sz="2200" dirty="0"/>
+              <a:t>可查看商品詳細資訊</a:t>
+            </a:r>
+            <a:r>
+              <a:rPr lang="en-US" altLang="zh-TW" sz="2200" dirty="0"/>
               <a:t>,</a:t>
             </a:r>
             <a:r>
-              <a:rPr lang="zh-TW" altLang="en-US" sz="2800">
-                <a:latin typeface="CIDFont+F1"/>
-              </a:rPr>
-              <a:t>平台折扣訊息</a:t>
-            </a:r>
-            <a:r>
-              <a:rPr lang="zh-TW" altLang="en-US" sz="2800" smtClean="0">
-                <a:latin typeface="CIDFont+F1"/>
-              </a:rPr>
-              <a:t>輪播</a:t>
-            </a:r>
-            <a:r>
-              <a:rPr lang="zh-TW" altLang="en-US" sz="2800">
-                <a:latin typeface="CIDFont+F5"/>
-              </a:rPr>
-              <a:t>，</a:t>
-            </a:r>
-            <a:r>
-              <a:rPr lang="zh-TW" altLang="en-US" sz="2800" smtClean="0">
-                <a:latin typeface="CIDFont+F1"/>
-              </a:rPr>
-              <a:t>購物</a:t>
-            </a:r>
-            <a:r>
-              <a:rPr lang="zh-TW" altLang="en-US" sz="2800">
-                <a:latin typeface="CIDFont+F1"/>
-              </a:rPr>
-              <a:t>車</a:t>
-            </a:r>
-            <a:r>
-              <a:rPr lang="zh-TW" altLang="en-US" sz="2800" smtClean="0">
-                <a:latin typeface="CIDFont+F1"/>
-              </a:rPr>
-              <a:t>管理</a:t>
-            </a:r>
-            <a:endParaRPr lang="en-US" altLang="zh-TW" sz="2800" smtClean="0">
-              <a:latin typeface="CIDFont+F1"/>
-            </a:endParaRPr>
-          </a:p>
-          <a:p>
-            <a:r>
-              <a:rPr lang="zh-TW" altLang="en-US" sz="2800">
-                <a:latin typeface="CIDFont+F1"/>
-              </a:rPr>
-              <a:t> </a:t>
-            </a:r>
-            <a:r>
-              <a:rPr lang="zh-TW" altLang="en-US" sz="2800" smtClean="0">
-                <a:latin typeface="CIDFont+F1"/>
-              </a:rPr>
-              <a:t>    及訂單查詢</a:t>
-            </a:r>
-            <a:r>
-              <a:rPr lang="zh-TW" altLang="en-US" sz="2800" smtClean="0">
-                <a:latin typeface="CIDFont+F5"/>
-              </a:rPr>
-              <a:t>，會員中心。</a:t>
-            </a:r>
-            <a:endParaRPr lang="en-US" altLang="zh-TW" sz="2800">
-              <a:latin typeface="CIDFont+F1"/>
-            </a:endParaRPr>
-          </a:p>
-          <a:p>
-            <a:r>
-              <a:rPr lang="zh-TW" altLang="en-US" sz="2800" smtClean="0">
-                <a:latin typeface="CIDFont+F1"/>
-              </a:rPr>
-              <a:t>      </a:t>
-            </a:r>
-            <a:endParaRPr lang="zh-TW" altLang="en-US" sz="2800">
-              <a:latin typeface="CIDFont+F1"/>
-            </a:endParaRPr>
-          </a:p>
-          <a:p>
-            <a:r>
-              <a:rPr lang="en-US" altLang="zh-TW" sz="2800" smtClean="0">
-                <a:latin typeface="CIDFont+F5"/>
-              </a:rPr>
-              <a:t>•</a:t>
-            </a:r>
-            <a:r>
-              <a:rPr lang="zh-TW" altLang="en-US" sz="2800">
-                <a:latin typeface="CIDFont+F5"/>
-              </a:rPr>
-              <a:t>使用場景：模擬線上購物流程，小型電商平台。</a:t>
-            </a:r>
-            <a:endParaRPr lang="zh-TW" altLang="en-US" sz="2800"/>
+              <a:rPr lang="zh-TW" altLang="en-US" sz="2200" dirty="0"/>
+              <a:t>並選擇顏色尺寸</a:t>
+            </a:r>
+            <a:endParaRPr lang="zh-TW" altLang="en-US" sz="2200" b="1" dirty="0"/>
+          </a:p>
+          <a:p>
+            <a:pPr>
+              <a:buFont typeface="+mj-lt"/>
+              <a:buAutoNum type="arabicPeriod"/>
+            </a:pPr>
+            <a:r>
+              <a:rPr lang="zh-TW" altLang="en-US" sz="2200" b="1" dirty="0"/>
+              <a:t>購物車管理</a:t>
+            </a:r>
+            <a:r>
+              <a:rPr lang="zh-TW" altLang="en-US" sz="2200" dirty="0"/>
+              <a:t>：可新增、刪除、修改商品數量並即時計算金額。</a:t>
+            </a:r>
+          </a:p>
+          <a:p>
+            <a:pPr>
+              <a:buFont typeface="+mj-lt"/>
+              <a:buAutoNum type="arabicPeriod"/>
+            </a:pPr>
+            <a:r>
+              <a:rPr lang="zh-TW" altLang="en-US" sz="2200" b="1" dirty="0"/>
+              <a:t>訂單系統</a:t>
+            </a:r>
+            <a:r>
+              <a:rPr lang="zh-TW" altLang="en-US" sz="2200" dirty="0"/>
+              <a:t>：支援結帳流程、付款資訊與訂單查詢。</a:t>
+            </a:r>
+          </a:p>
+          <a:p>
+            <a:pPr>
+              <a:buFont typeface="+mj-lt"/>
+              <a:buAutoNum type="arabicPeriod"/>
+            </a:pPr>
+            <a:r>
+              <a:rPr lang="zh-TW" altLang="en-US" sz="2200" b="1" dirty="0"/>
+              <a:t>優惠與促銷</a:t>
+            </a:r>
+            <a:r>
+              <a:rPr lang="zh-TW" altLang="en-US" sz="2200" dirty="0"/>
+              <a:t>：首頁輪播最新折扣訊息，提升使用者互動體驗。</a:t>
+            </a:r>
+          </a:p>
+          <a:p>
+            <a:pPr>
+              <a:buFont typeface="+mj-lt"/>
+              <a:buAutoNum type="arabicPeriod"/>
+            </a:pPr>
+            <a:r>
+              <a:rPr lang="zh-TW" altLang="en-US" sz="2200" b="1" dirty="0"/>
+              <a:t>後台管理（</a:t>
+            </a:r>
+            <a:r>
+              <a:rPr lang="en-US" altLang="zh-TW" sz="2200" b="1" dirty="0"/>
+              <a:t>Admin</a:t>
+            </a:r>
+            <a:r>
+              <a:rPr lang="zh-TW" altLang="en-US" sz="2200" b="1" dirty="0"/>
+              <a:t>）</a:t>
+            </a:r>
+            <a:r>
+              <a:rPr lang="zh-TW" altLang="en-US" sz="2200" dirty="0"/>
+              <a:t>：管理商品上架、會員資料與訂單紀錄。</a:t>
+            </a:r>
           </a:p>
         </p:txBody>
       </p:sp>
@@ -10851,20 +12046,12 @@
           <a:p>
             <a:pPr algn="ctr"/>
             <a:r>
-              <a:rPr lang="zh-TW" altLang="en-US" sz="4000" smtClean="0">
+              <a:rPr lang="zh-TW" altLang="en-US" sz="4000">
                 <a:solidFill>
                   <a:schemeClr val="tx1"/>
                 </a:solidFill>
               </a:rPr>
-              <a:t>登入</a:t>
-            </a:r>
-            <a:r>
-              <a:rPr lang="zh-TW" altLang="en-US" sz="4000">
-                <a:solidFill>
-                  <a:schemeClr val="tx1"/>
-                </a:solidFill>
-              </a:rPr>
-              <a:t>系統</a:t>
+              <a:t>登入系統</a:t>
             </a:r>
           </a:p>
         </p:txBody>
@@ -10887,15 +12074,15 @@
         </p:nvSpPr>
         <p:spPr>
           <a:xfrm>
-            <a:off x="5427405" y="1425677"/>
-            <a:ext cx="4139381" cy="3799607"/>
+            <a:off x="4583675" y="1627519"/>
+            <a:ext cx="4324113" cy="4065358"/>
           </a:xfrm>
         </p:spPr>
         <p:txBody>
           <a:bodyPr/>
           <a:lstStyle/>
           <a:p>
-            <a:endParaRPr lang="zh-TW" altLang="en-US"/>
+            <a:endParaRPr lang="zh-TW" altLang="en-US" dirty="0"/>
           </a:p>
         </p:txBody>
       </p:sp>
@@ -10913,8 +12100,8 @@
         </p:nvSpPr>
         <p:spPr>
           <a:xfrm>
-            <a:off x="432374" y="1425677"/>
-            <a:ext cx="3795251" cy="369332"/>
+            <a:off x="788424" y="1502304"/>
+            <a:ext cx="3795251" cy="430887"/>
           </a:xfrm>
           <a:prstGeom prst="rect">
             <a:avLst/>
@@ -10928,12 +12115,8 @@
           <a:lstStyle/>
           <a:p>
             <a:r>
-              <a:rPr lang="zh-TW" altLang="en-US" b="1" smtClean="0"/>
-              <a:t>首頁</a:t>
-            </a:r>
-            <a:r>
-              <a:rPr lang="zh-TW" altLang="en-US" b="1"/>
-              <a:t>預設會顯示登入畫面</a:t>
+              <a:rPr lang="zh-TW" altLang="en-US" sz="2200" b="1" dirty="0"/>
+              <a:t>首頁預設會顯示登入畫面</a:t>
             </a:r>
           </a:p>
         </p:txBody>
@@ -10946,8 +12129,8 @@
         </p:nvSpPr>
         <p:spPr>
           <a:xfrm>
-            <a:off x="438395" y="1806988"/>
-            <a:ext cx="2926080" cy="369332"/>
+            <a:off x="788424" y="2018368"/>
+            <a:ext cx="3386353" cy="3754874"/>
           </a:xfrm>
           <a:prstGeom prst="rect">
             <a:avLst/>
@@ -10960,20 +12143,52 @@
           </a:bodyPr>
           <a:lstStyle/>
           <a:p>
-            <a:r>
-              <a:rPr lang="zh-TW" altLang="en-US" smtClean="0">
-                <a:ln w="0"/>
-                <a:effectLst>
-                  <a:outerShdw blurRad="38100" dist="19050" dir="2700000" algn="tl" rotWithShape="0">
-                    <a:schemeClr val="dk1">
-                      <a:alpha val="40000"/>
-                    </a:schemeClr>
-                  </a:outerShdw>
-                </a:effectLst>
-              </a:rPr>
-              <a:t>輸入帳號跟密碼</a:t>
-            </a:r>
-            <a:endParaRPr lang="zh-TW" altLang="en-US">
+            <a:endParaRPr lang="en-US" altLang="zh-TW" dirty="0"/>
+          </a:p>
+          <a:p>
+            <a:r>
+              <a:rPr lang="zh-TW" altLang="en-US" sz="2000" dirty="0">
+                <a:latin typeface="+mj-ea"/>
+                <a:ea typeface="+mj-ea"/>
+              </a:rPr>
+              <a:t>系統提供會員登入功能，使用者需輸入帳號與密碼進行身份驗證。</a:t>
+            </a:r>
+            <a:br>
+              <a:rPr lang="zh-TW" altLang="en-US" sz="2000" dirty="0">
+                <a:latin typeface="+mj-ea"/>
+                <a:ea typeface="+mj-ea"/>
+              </a:rPr>
+            </a:br>
+            <a:endParaRPr lang="en-US" altLang="zh-TW" sz="2000" dirty="0">
+              <a:latin typeface="+mj-ea"/>
+              <a:ea typeface="+mj-ea"/>
+            </a:endParaRPr>
+          </a:p>
+          <a:p>
+            <a:r>
+              <a:rPr lang="zh-TW" altLang="en-US" sz="2000" dirty="0">
+                <a:latin typeface="+mj-ea"/>
+                <a:ea typeface="+mj-ea"/>
+              </a:rPr>
+              <a:t>登入後可進入個人專區，瀏覽商品、管理購物車及查詢訂單紀錄。</a:t>
+            </a:r>
+            <a:br>
+              <a:rPr lang="zh-TW" altLang="en-US" sz="2000" dirty="0">
+                <a:latin typeface="+mj-ea"/>
+                <a:ea typeface="+mj-ea"/>
+              </a:rPr>
+            </a:br>
+            <a:endParaRPr lang="en-US" altLang="zh-TW" sz="2000" dirty="0">
+              <a:latin typeface="+mj-ea"/>
+              <a:ea typeface="+mj-ea"/>
+            </a:endParaRPr>
+          </a:p>
+          <a:p>
+            <a:r>
+              <a:rPr lang="zh-TW" altLang="en-US" sz="2000" dirty="0"/>
+              <a:t>系統亦支援帳號註冊與忘記密碼變更，提升使用便利性與安全性。</a:t>
+            </a:r>
+            <a:endParaRPr lang="zh-TW" altLang="en-US" sz="2000" dirty="0">
               <a:ln w="0"/>
               <a:effectLst>
                 <a:outerShdw blurRad="38100" dist="19050" dir="2700000" algn="tl" rotWithShape="0">
@@ -11072,20 +12287,12 @@
           <a:p>
             <a:pPr algn="ctr"/>
             <a:r>
-              <a:rPr lang="zh-TW" altLang="en-US" sz="4000" smtClean="0">
+              <a:rPr lang="zh-TW" altLang="en-US" sz="4000" dirty="0">
                 <a:solidFill>
                   <a:schemeClr val="tx1"/>
                 </a:solidFill>
               </a:rPr>
-              <a:t>商品</a:t>
-            </a:r>
-            <a:r>
-              <a:rPr lang="zh-TW" altLang="en-US" sz="4000">
-                <a:solidFill>
-                  <a:schemeClr val="tx1"/>
-                </a:solidFill>
-              </a:rPr>
-              <a:t>首頁</a:t>
+              <a:t>商品首頁</a:t>
             </a:r>
           </a:p>
         </p:txBody>
@@ -11108,7 +12315,7 @@
         </p:nvSpPr>
         <p:spPr>
           <a:xfrm>
-            <a:off x="677334" y="1494503"/>
+            <a:off x="5260258" y="1378568"/>
             <a:ext cx="4013744" cy="3880773"/>
           </a:xfrm>
         </p:spPr>
@@ -11117,6 +12324,99 @@
           <a:lstStyle/>
           <a:p>
             <a:endParaRPr lang="zh-TW" altLang="en-US"/>
+          </a:p>
+        </p:txBody>
+      </p:sp>
+      <p:sp>
+        <p:nvSpPr>
+          <p:cNvPr id="4" name="文字方塊 3">
+            <a:extLst>
+              <a:ext uri="{FF2B5EF4-FFF2-40B4-BE49-F238E27FC236}">
+                <a16:creationId xmlns:a16="http://schemas.microsoft.com/office/drawing/2014/main" id="{8CD450B7-3163-5F9A-574F-86219A0B68C5}"/>
+              </a:ext>
+            </a:extLst>
+          </p:cNvPr>
+          <p:cNvSpPr txBox="1"/>
+          <p:nvPr/>
+        </p:nvSpPr>
+        <p:spPr>
+          <a:xfrm>
+            <a:off x="1209368" y="1887794"/>
+            <a:ext cx="3106993" cy="3754874"/>
+          </a:xfrm>
+          <a:prstGeom prst="rect">
+            <a:avLst/>
+          </a:prstGeom>
+          <a:noFill/>
+        </p:spPr>
+        <p:txBody>
+          <a:bodyPr wrap="square" rtlCol="0">
+            <a:spAutoFit/>
+          </a:bodyPr>
+          <a:lstStyle/>
+          <a:p>
+            <a:r>
+              <a:rPr lang="zh-TW" altLang="en-US" sz="2000" dirty="0"/>
+              <a:t>提供多元服飾分類（男裝、女裝）與精選推薦區域。</a:t>
+            </a:r>
+            <a:endParaRPr lang="en-US" altLang="zh-TW" sz="2000" dirty="0"/>
+          </a:p>
+          <a:p>
+            <a:br>
+              <a:rPr lang="zh-TW" altLang="en-US" sz="2000" dirty="0"/>
+            </a:br>
+            <a:r>
+              <a:rPr lang="zh-TW" altLang="en-US" sz="2000" dirty="0"/>
+              <a:t>使用者可透過清晰的版面瀏覽最新上架商品、熱門排行與限時優惠資訊。</a:t>
+            </a:r>
+            <a:endParaRPr lang="en-US" altLang="zh-TW" sz="2000" dirty="0"/>
+          </a:p>
+          <a:p>
+            <a:br>
+              <a:rPr lang="zh-TW" altLang="en-US" sz="2000" dirty="0"/>
+            </a:br>
+            <a:r>
+              <a:rPr lang="zh-TW" altLang="en-US" sz="2000" dirty="0"/>
+              <a:t>點選商品可進入詳細頁面，查看價格、尺寸、顏色與庫存等資訊，並可直接加入購物車。</a:t>
+            </a:r>
+          </a:p>
+          <a:p>
+            <a:endParaRPr lang="zh-TW" altLang="en-US" dirty="0"/>
+          </a:p>
+        </p:txBody>
+      </p:sp>
+      <p:sp>
+        <p:nvSpPr>
+          <p:cNvPr id="7" name="文字方塊 6">
+            <a:extLst>
+              <a:ext uri="{FF2B5EF4-FFF2-40B4-BE49-F238E27FC236}">
+                <a16:creationId xmlns:a16="http://schemas.microsoft.com/office/drawing/2014/main" id="{5FB29952-A557-48DD-19B7-2A9484F6C980}"/>
+              </a:ext>
+            </a:extLst>
+          </p:cNvPr>
+          <p:cNvSpPr txBox="1"/>
+          <p:nvPr/>
+        </p:nvSpPr>
+        <p:spPr>
+          <a:xfrm>
+            <a:off x="1030301" y="1210145"/>
+            <a:ext cx="3775393" cy="400110"/>
+          </a:xfrm>
+          <a:prstGeom prst="rect">
+            <a:avLst/>
+          </a:prstGeom>
+          <a:noFill/>
+        </p:spPr>
+        <p:txBody>
+          <a:bodyPr wrap="none" rtlCol="0">
+            <a:spAutoFit/>
+          </a:bodyPr>
+          <a:lstStyle/>
+          <a:p>
+            <a:r>
+              <a:rPr lang="zh-TW" altLang="en-US" sz="2000" b="1" dirty="0"/>
+              <a:t>商品首頁為平台的主要展示頁面</a:t>
+            </a:r>
           </a:p>
         </p:txBody>
       </p:sp>
@@ -11180,18 +12480,13 @@
           <a:p>
             <a:pPr algn="ctr"/>
             <a:r>
-              <a:rPr lang="zh-TW" altLang="en-US" sz="4000">
+              <a:rPr lang="zh-TW" altLang="en-US" sz="4000" dirty="0">
                 <a:solidFill>
                   <a:schemeClr val="tx1"/>
                 </a:solidFill>
               </a:rPr>
               <a:t>平台折扣訊息輪播</a:t>
             </a:r>
-            <a:endParaRPr lang="zh-TW" altLang="en-US" sz="4000">
-              <a:solidFill>
-                <a:schemeClr val="tx1"/>
-              </a:solidFill>
-            </a:endParaRPr>
           </a:p>
         </p:txBody>
       </p:sp>
@@ -11285,20 +12580,12 @@
           <a:p>
             <a:pPr algn="ctr"/>
             <a:r>
-              <a:rPr lang="zh-TW" altLang="en-US" sz="4000" smtClean="0">
+              <a:rPr lang="zh-TW" altLang="en-US" sz="4000">
                 <a:solidFill>
                   <a:schemeClr val="tx1"/>
                 </a:solidFill>
               </a:rPr>
-              <a:t>商品</a:t>
-            </a:r>
-            <a:r>
-              <a:rPr lang="zh-TW" altLang="en-US" sz="4000">
-                <a:solidFill>
-                  <a:schemeClr val="tx1"/>
-                </a:solidFill>
-              </a:rPr>
-              <a:t>介紹</a:t>
+              <a:t>商品介紹</a:t>
             </a:r>
           </a:p>
         </p:txBody>
